--- a/newsletter/爬蟲流程.pptx
+++ b/newsletter/爬蟲流程.pptx
@@ -6,6 +6,11 @@
   </p:sldMasterIdLst>
   <p:sldIdLst>
     <p:sldId id="256" r:id="rId2"/>
+    <p:sldId id="257" r:id="rId3"/>
+    <p:sldId id="258" r:id="rId4"/>
+    <p:sldId id="259" r:id="rId5"/>
+    <p:sldId id="260" r:id="rId6"/>
+    <p:sldId id="261" r:id="rId7"/>
   </p:sldIdLst>
   <p:sldSz cx="12192000" cy="6858000"/>
   <p:notesSz cx="6858000" cy="9144000"/>
@@ -104,6 +109,11 @@
       </a:defRPr>
     </a:lvl9pPr>
   </p:defaultTextStyle>
+  <p:extLst>
+    <p:ext uri="{EFAFB233-063F-42B5-8137-9DF3F51BA10A}">
+      <p15:sldGuideLst xmlns:p15="http://schemas.microsoft.com/office/powerpoint/2012/main"/>
+    </p:ext>
+  </p:extLst>
 </p:presentation>
 </file>
 
@@ -238,7 +248,7 @@
           <a:p>
             <a:fld id="{1D378699-8620-4553-B38C-710493E5537D}" type="datetimeFigureOut">
               <a:rPr lang="zh-TW" altLang="en-US" smtClean="0"/>
-              <a:t>2024/12/18</a:t>
+              <a:t>2025/1/1</a:t>
             </a:fld>
             <a:endParaRPr lang="zh-TW" altLang="en-US"/>
           </a:p>
@@ -408,7 +418,7 @@
           <a:p>
             <a:fld id="{1D378699-8620-4553-B38C-710493E5537D}" type="datetimeFigureOut">
               <a:rPr lang="zh-TW" altLang="en-US" smtClean="0"/>
-              <a:t>2024/12/18</a:t>
+              <a:t>2025/1/1</a:t>
             </a:fld>
             <a:endParaRPr lang="zh-TW" altLang="en-US"/>
           </a:p>
@@ -588,7 +598,7 @@
           <a:p>
             <a:fld id="{1D378699-8620-4553-B38C-710493E5537D}" type="datetimeFigureOut">
               <a:rPr lang="zh-TW" altLang="en-US" smtClean="0"/>
-              <a:t>2024/12/18</a:t>
+              <a:t>2025/1/1</a:t>
             </a:fld>
             <a:endParaRPr lang="zh-TW" altLang="en-US"/>
           </a:p>
@@ -758,7 +768,7 @@
           <a:p>
             <a:fld id="{1D378699-8620-4553-B38C-710493E5537D}" type="datetimeFigureOut">
               <a:rPr lang="zh-TW" altLang="en-US" smtClean="0"/>
-              <a:t>2024/12/18</a:t>
+              <a:t>2025/1/1</a:t>
             </a:fld>
             <a:endParaRPr lang="zh-TW" altLang="en-US"/>
           </a:p>
@@ -1004,7 +1014,7 @@
           <a:p>
             <a:fld id="{1D378699-8620-4553-B38C-710493E5537D}" type="datetimeFigureOut">
               <a:rPr lang="zh-TW" altLang="en-US" smtClean="0"/>
-              <a:t>2024/12/18</a:t>
+              <a:t>2025/1/1</a:t>
             </a:fld>
             <a:endParaRPr lang="zh-TW" altLang="en-US"/>
           </a:p>
@@ -1236,7 +1246,7 @@
           <a:p>
             <a:fld id="{1D378699-8620-4553-B38C-710493E5537D}" type="datetimeFigureOut">
               <a:rPr lang="zh-TW" altLang="en-US" smtClean="0"/>
-              <a:t>2024/12/18</a:t>
+              <a:t>2025/1/1</a:t>
             </a:fld>
             <a:endParaRPr lang="zh-TW" altLang="en-US"/>
           </a:p>
@@ -1603,7 +1613,7 @@
           <a:p>
             <a:fld id="{1D378699-8620-4553-B38C-710493E5537D}" type="datetimeFigureOut">
               <a:rPr lang="zh-TW" altLang="en-US" smtClean="0"/>
-              <a:t>2024/12/18</a:t>
+              <a:t>2025/1/1</a:t>
             </a:fld>
             <a:endParaRPr lang="zh-TW" altLang="en-US"/>
           </a:p>
@@ -1721,7 +1731,7 @@
           <a:p>
             <a:fld id="{1D378699-8620-4553-B38C-710493E5537D}" type="datetimeFigureOut">
               <a:rPr lang="zh-TW" altLang="en-US" smtClean="0"/>
-              <a:t>2024/12/18</a:t>
+              <a:t>2025/1/1</a:t>
             </a:fld>
             <a:endParaRPr lang="zh-TW" altLang="en-US"/>
           </a:p>
@@ -1816,7 +1826,7 @@
           <a:p>
             <a:fld id="{1D378699-8620-4553-B38C-710493E5537D}" type="datetimeFigureOut">
               <a:rPr lang="zh-TW" altLang="en-US" smtClean="0"/>
-              <a:t>2024/12/18</a:t>
+              <a:t>2025/1/1</a:t>
             </a:fld>
             <a:endParaRPr lang="zh-TW" altLang="en-US"/>
           </a:p>
@@ -2093,7 +2103,7 @@
           <a:p>
             <a:fld id="{1D378699-8620-4553-B38C-710493E5537D}" type="datetimeFigureOut">
               <a:rPr lang="zh-TW" altLang="en-US" smtClean="0"/>
-              <a:t>2024/12/18</a:t>
+              <a:t>2025/1/1</a:t>
             </a:fld>
             <a:endParaRPr lang="zh-TW" altLang="en-US"/>
           </a:p>
@@ -2346,7 +2356,7 @@
           <a:p>
             <a:fld id="{1D378699-8620-4553-B38C-710493E5537D}" type="datetimeFigureOut">
               <a:rPr lang="zh-TW" altLang="en-US" smtClean="0"/>
-              <a:t>2024/12/18</a:t>
+              <a:t>2025/1/1</a:t>
             </a:fld>
             <a:endParaRPr lang="zh-TW" altLang="en-US"/>
           </a:p>
@@ -2559,7 +2569,7 @@
           <a:p>
             <a:fld id="{1D378699-8620-4553-B38C-710493E5537D}" type="datetimeFigureOut">
               <a:rPr lang="zh-TW" altLang="en-US" smtClean="0"/>
-              <a:t>2024/12/18</a:t>
+              <a:t>2025/1/1</a:t>
             </a:fld>
             <a:endParaRPr lang="zh-TW" altLang="en-US"/>
           </a:p>
@@ -3010,8 +3020,8 @@
         </p:nvSpPr>
         <p:spPr>
           <a:xfrm>
-            <a:off x="2073234" y="3051958"/>
-            <a:ext cx="1098468" cy="463137"/>
+            <a:off x="1825588" y="3051958"/>
+            <a:ext cx="1346114" cy="463137"/>
           </a:xfrm>
           <a:prstGeom prst="parallelogram">
             <a:avLst/>
@@ -3040,14 +3050,14 @@
           <a:p>
             <a:pPr algn="ctr"/>
             <a:r>
-              <a:rPr lang="zh-TW" altLang="en-US" sz="1200" dirty="0" smtClean="0">
+              <a:rPr lang="zh-TW" altLang="en-US" sz="1600" dirty="0" smtClean="0">
                 <a:solidFill>
                   <a:schemeClr val="tx1"/>
                 </a:solidFill>
               </a:rPr>
               <a:t>輸入單字</a:t>
             </a:r>
-            <a:endParaRPr lang="zh-TW" altLang="en-US" sz="1200" dirty="0">
+            <a:endParaRPr lang="zh-TW" altLang="en-US" sz="1600" dirty="0">
               <a:solidFill>
                 <a:schemeClr val="tx1"/>
               </a:solidFill>
@@ -3134,7 +3144,7 @@
           <a:p>
             <a:pPr algn="ctr"/>
             <a:r>
-              <a:rPr lang="zh-TW" altLang="en-US" sz="1000" dirty="0">
+              <a:rPr lang="zh-TW" altLang="en-US" sz="1600" dirty="0">
                 <a:solidFill>
                   <a:schemeClr val="tx1"/>
                 </a:solidFill>
@@ -3142,7 +3152,7 @@
               <a:t>是否有此</a:t>
             </a:r>
             <a:r>
-              <a:rPr lang="zh-TW" altLang="en-US" sz="1000" dirty="0" smtClean="0">
+              <a:rPr lang="zh-TW" altLang="en-US" sz="1600" dirty="0" smtClean="0">
                 <a:solidFill>
                   <a:schemeClr val="tx1"/>
                 </a:solidFill>
@@ -3150,14 +3160,14 @@
               <a:t>單字</a:t>
             </a:r>
             <a:r>
-              <a:rPr lang="en-US" altLang="zh-TW" sz="1000" dirty="0" smtClean="0">
+              <a:rPr lang="en-US" altLang="zh-TW" sz="1600" dirty="0" smtClean="0">
                 <a:solidFill>
                   <a:schemeClr val="tx1"/>
                 </a:solidFill>
               </a:rPr>
               <a:t>?</a:t>
             </a:r>
-            <a:endParaRPr lang="zh-TW" altLang="en-US" sz="1000" dirty="0">
+            <a:endParaRPr lang="zh-TW" altLang="en-US" sz="1600" dirty="0">
               <a:solidFill>
                 <a:schemeClr val="tx1"/>
               </a:solidFill>
@@ -3177,10 +3187,12 @@
         <p:spPr>
           <a:xfrm>
             <a:off x="4645233" y="3283526"/>
-            <a:ext cx="377034" cy="755151"/>
+            <a:ext cx="1226120" cy="2631069"/>
           </a:xfrm>
           <a:prstGeom prst="bentConnector3">
-            <a:avLst/>
+            <a:avLst>
+              <a:gd name="adj1" fmla="val 19528"/>
+            </a:avLst>
           </a:prstGeom>
           <a:ln>
             <a:tailEnd type="triangle"/>
@@ -3212,12 +3224,12 @@
         </p:nvCxnSpPr>
         <p:spPr>
           <a:xfrm flipV="1">
-            <a:off x="4645233" y="2366903"/>
-            <a:ext cx="369614" cy="916623"/>
+            <a:off x="4645233" y="1536282"/>
+            <a:ext cx="1102462" cy="1747244"/>
           </a:xfrm>
           <a:prstGeom prst="bentConnector3">
             <a:avLst>
-              <a:gd name="adj1" fmla="val 50000"/>
+              <a:gd name="adj1" fmla="val 21461"/>
             </a:avLst>
           </a:prstGeom>
           <a:ln>
@@ -3247,7 +3259,7 @@
         </p:nvSpPr>
         <p:spPr>
           <a:xfrm>
-            <a:off x="5014847" y="2031425"/>
+            <a:off x="5747695" y="1200804"/>
             <a:ext cx="1477489" cy="670956"/>
           </a:xfrm>
           <a:prstGeom prst="rect">
@@ -3282,7 +3294,7 @@
           <a:p>
             <a:pPr algn="ctr"/>
             <a:r>
-              <a:rPr lang="zh-TW" altLang="en-US" sz="1200" dirty="0">
+              <a:rPr lang="zh-TW" altLang="en-US" sz="1600" dirty="0">
                 <a:solidFill>
                   <a:schemeClr val="tx1"/>
                 </a:solidFill>
@@ -3300,8 +3312,8 @@
         </p:nvSpPr>
         <p:spPr>
           <a:xfrm>
-            <a:off x="4519297" y="2420653"/>
-            <a:ext cx="345373" cy="215444"/>
+            <a:off x="5052532" y="1514471"/>
+            <a:ext cx="691800" cy="338554"/>
           </a:xfrm>
           <a:prstGeom prst="rect">
             <a:avLst/>
@@ -3315,10 +3327,10 @@
           <a:lstStyle/>
           <a:p>
             <a:r>
-              <a:rPr lang="en-US" altLang="zh-TW" sz="800" dirty="0" smtClean="0"/>
+              <a:rPr lang="en-US" altLang="zh-TW" sz="1600" dirty="0" smtClean="0"/>
               <a:t>Yes</a:t>
             </a:r>
-            <a:endParaRPr lang="zh-TW" altLang="en-US" sz="800" dirty="0"/>
+            <a:endParaRPr lang="zh-TW" altLang="en-US" sz="1600" dirty="0"/>
           </a:p>
         </p:txBody>
       </p:sp>
@@ -3330,8 +3342,8 @@
         </p:nvSpPr>
         <p:spPr>
           <a:xfrm>
-            <a:off x="4519297" y="3779010"/>
-            <a:ext cx="345373" cy="215444"/>
+            <a:off x="5176158" y="5554230"/>
+            <a:ext cx="671803" cy="338554"/>
           </a:xfrm>
           <a:prstGeom prst="rect">
             <a:avLst/>
@@ -3345,10 +3357,10 @@
           <a:lstStyle/>
           <a:p>
             <a:r>
-              <a:rPr lang="en-US" altLang="zh-TW" sz="800" dirty="0" smtClean="0"/>
+              <a:rPr lang="en-US" altLang="zh-TW" sz="1600" dirty="0" smtClean="0"/>
               <a:t>No</a:t>
             </a:r>
-            <a:endParaRPr lang="zh-TW" altLang="en-US" sz="800" dirty="0"/>
+            <a:endParaRPr lang="zh-TW" altLang="en-US" sz="1600" dirty="0"/>
           </a:p>
         </p:txBody>
       </p:sp>
@@ -3360,7 +3372,7 @@
         </p:nvSpPr>
         <p:spPr>
           <a:xfrm>
-            <a:off x="436665" y="3019301"/>
+            <a:off x="174789" y="3019299"/>
             <a:ext cx="1374322" cy="528452"/>
           </a:xfrm>
           <a:prstGeom prst="ellipse">
@@ -3424,8 +3436,8 @@
         </p:nvCxnSpPr>
         <p:spPr>
           <a:xfrm>
-            <a:off x="1810987" y="3283527"/>
-            <a:ext cx="320139" cy="0"/>
+            <a:off x="1549111" y="3283525"/>
+            <a:ext cx="334369" cy="2"/>
           </a:xfrm>
           <a:prstGeom prst="straightConnector1">
             <a:avLst/>
@@ -3457,7 +3469,7 @@
         </p:nvSpPr>
         <p:spPr>
           <a:xfrm>
-            <a:off x="5022267" y="3762576"/>
+            <a:off x="5871353" y="5638494"/>
             <a:ext cx="1622963" cy="552202"/>
           </a:xfrm>
           <a:prstGeom prst="rect">
@@ -3492,7 +3504,7 @@
           <a:p>
             <a:pPr algn="ctr"/>
             <a:r>
-              <a:rPr lang="zh-TW" altLang="en-US" sz="1000" dirty="0" smtClean="0">
+              <a:rPr lang="zh-TW" altLang="en-US" sz="1600" dirty="0" smtClean="0">
                 <a:solidFill>
                   <a:schemeClr val="tx1"/>
                 </a:solidFill>
@@ -3500,7 +3512,7 @@
               <a:t>回傳</a:t>
             </a:r>
             <a:r>
-              <a:rPr lang="en-US" altLang="zh-TW" sz="1000" dirty="0" smtClean="0">
+              <a:rPr lang="en-US" altLang="zh-TW" sz="1600" dirty="0" smtClean="0">
                 <a:solidFill>
                   <a:schemeClr val="tx1"/>
                 </a:solidFill>
@@ -3508,7 +3520,7 @@
               <a:t>『Error</a:t>
             </a:r>
             <a:r>
-              <a:rPr lang="zh-TW" altLang="en-US" sz="1000" dirty="0" smtClean="0">
+              <a:rPr lang="zh-TW" altLang="en-US" sz="1600" dirty="0" smtClean="0">
                 <a:solidFill>
                   <a:schemeClr val="tx1"/>
                 </a:solidFill>
@@ -3516,14 +3528,14 @@
               <a:t> </a:t>
             </a:r>
             <a:r>
-              <a:rPr lang="en-US" altLang="zh-TW" sz="1000" dirty="0" smtClean="0">
+              <a:rPr lang="en-US" altLang="zh-TW" sz="1600" dirty="0" smtClean="0">
                 <a:solidFill>
                   <a:schemeClr val="tx1"/>
                 </a:solidFill>
               </a:rPr>
               <a:t>List』</a:t>
             </a:r>
-            <a:endParaRPr lang="zh-TW" altLang="en-US" sz="1000" dirty="0">
+            <a:endParaRPr lang="zh-TW" altLang="en-US" sz="1600" dirty="0">
               <a:solidFill>
                 <a:schemeClr val="tx1"/>
               </a:solidFill>
@@ -3536,13 +3548,14 @@
           <p:cNvPr id="42" name="直線單箭頭接點 41"/>
           <p:cNvCxnSpPr>
             <a:stCxn id="38" idx="3"/>
+            <a:endCxn id="44" idx="2"/>
           </p:cNvCxnSpPr>
           <p:nvPr/>
         </p:nvCxnSpPr>
         <p:spPr>
           <a:xfrm>
-            <a:off x="6645230" y="4038677"/>
-            <a:ext cx="463137" cy="0"/>
+            <a:off x="7494316" y="5914595"/>
+            <a:ext cx="2663852" cy="11875"/>
           </a:xfrm>
           <a:prstGeom prst="straightConnector1">
             <a:avLst/>
@@ -3574,7 +3587,7 @@
         </p:nvSpPr>
         <p:spPr>
           <a:xfrm>
-            <a:off x="7108367" y="3774451"/>
+            <a:off x="10158168" y="5662244"/>
             <a:ext cx="1374322" cy="528452"/>
           </a:xfrm>
           <a:prstGeom prst="ellipse">
@@ -3612,14 +3625,14 @@
           <a:p>
             <a:pPr algn="ctr"/>
             <a:r>
-              <a:rPr lang="zh-TW" altLang="en-US" sz="1500" dirty="0" smtClean="0">
+              <a:rPr lang="zh-TW" altLang="en-US" sz="1600" dirty="0" smtClean="0">
                 <a:solidFill>
                   <a:schemeClr val="tx1"/>
                 </a:solidFill>
               </a:rPr>
               <a:t>結束</a:t>
             </a:r>
-            <a:endParaRPr lang="zh-TW" altLang="en-US" sz="1500" dirty="0">
+            <a:endParaRPr lang="zh-TW" altLang="en-US" sz="1600" dirty="0">
               <a:solidFill>
                 <a:schemeClr val="tx1"/>
               </a:solidFill>
@@ -3632,13 +3645,14 @@
           <p:cNvPr id="62" name="直線單箭頭接點 61"/>
           <p:cNvCxnSpPr>
             <a:stCxn id="20" idx="3"/>
+            <a:endCxn id="63" idx="1"/>
           </p:cNvCxnSpPr>
           <p:nvPr/>
         </p:nvCxnSpPr>
         <p:spPr>
           <a:xfrm>
-            <a:off x="6492336" y="2366903"/>
-            <a:ext cx="380999" cy="0"/>
+            <a:off x="7225184" y="1536282"/>
+            <a:ext cx="1000047" cy="1"/>
           </a:xfrm>
           <a:prstGeom prst="straightConnector1">
             <a:avLst/>
@@ -3670,8 +3684,8 @@
         </p:nvSpPr>
         <p:spPr>
           <a:xfrm>
-            <a:off x="6861950" y="1998767"/>
-            <a:ext cx="972294" cy="736271"/>
+            <a:off x="8225231" y="1168147"/>
+            <a:ext cx="3530063" cy="736271"/>
           </a:xfrm>
           <a:prstGeom prst="diamond">
             <a:avLst/>
@@ -3705,7 +3719,7 @@
           <a:p>
             <a:pPr algn="ctr"/>
             <a:r>
-              <a:rPr lang="zh-TW" altLang="en-US" sz="1000" dirty="0" smtClean="0">
+              <a:rPr lang="zh-TW" altLang="en-US" sz="1600" dirty="0" smtClean="0">
                 <a:solidFill>
                   <a:schemeClr val="tx1"/>
                 </a:solidFill>
@@ -3713,14 +3727,14 @@
               <a:t>是否有無片語</a:t>
             </a:r>
             <a:r>
-              <a:rPr lang="en-US" altLang="zh-TW" sz="1000" dirty="0" smtClean="0">
+              <a:rPr lang="en-US" altLang="zh-TW" sz="1600" dirty="0" smtClean="0">
                 <a:solidFill>
                   <a:schemeClr val="tx1"/>
                 </a:solidFill>
               </a:rPr>
               <a:t>?</a:t>
             </a:r>
-            <a:endParaRPr lang="zh-TW" altLang="en-US" sz="1000" dirty="0">
+            <a:endParaRPr lang="zh-TW" altLang="en-US" sz="1600" dirty="0">
               <a:solidFill>
                 <a:schemeClr val="tx1"/>
               </a:solidFill>
@@ -3733,18 +3747,18 @@
           <p:cNvPr id="65" name="肘形接點 64"/>
           <p:cNvCxnSpPr>
             <a:stCxn id="63" idx="3"/>
-            <a:endCxn id="79" idx="1"/>
+            <a:endCxn id="79" idx="3"/>
           </p:cNvCxnSpPr>
           <p:nvPr/>
         </p:nvCxnSpPr>
         <p:spPr>
-          <a:xfrm flipV="1">
-            <a:off x="7834244" y="1743669"/>
-            <a:ext cx="276477" cy="623234"/>
+          <a:xfrm flipH="1">
+            <a:off x="10703970" y="1536283"/>
+            <a:ext cx="1051324" cy="1379924"/>
           </a:xfrm>
           <a:prstGeom prst="bentConnector3">
             <a:avLst>
-              <a:gd name="adj1" fmla="val 50000"/>
+              <a:gd name="adj1" fmla="val -21744"/>
             </a:avLst>
           </a:prstGeom>
           <a:ln>
@@ -3771,18 +3785,18 @@
           <p:cNvPr id="75" name="肘形接點 74"/>
           <p:cNvCxnSpPr>
             <a:stCxn id="63" idx="3"/>
-            <a:endCxn id="85" idx="1"/>
+            <a:endCxn id="85" idx="3"/>
           </p:cNvCxnSpPr>
           <p:nvPr/>
         </p:nvCxnSpPr>
         <p:spPr>
-          <a:xfrm>
-            <a:off x="7834244" y="2366903"/>
-            <a:ext cx="276477" cy="581460"/>
+          <a:xfrm flipH="1">
+            <a:off x="10219833" y="1536283"/>
+            <a:ext cx="1535461" cy="3011563"/>
           </a:xfrm>
           <a:prstGeom prst="bentConnector3">
             <a:avLst>
-              <a:gd name="adj1" fmla="val 50000"/>
+              <a:gd name="adj1" fmla="val -14888"/>
             </a:avLst>
           </a:prstGeom>
           <a:ln>
@@ -3812,8 +3826,8 @@
         </p:nvSpPr>
         <p:spPr>
           <a:xfrm>
-            <a:off x="7661557" y="1689701"/>
-            <a:ext cx="345373" cy="215444"/>
+            <a:off x="10905057" y="2662986"/>
+            <a:ext cx="677520" cy="338554"/>
           </a:xfrm>
           <a:prstGeom prst="rect">
             <a:avLst/>
@@ -3827,10 +3841,10 @@
           <a:lstStyle/>
           <a:p>
             <a:r>
-              <a:rPr lang="en-US" altLang="zh-TW" sz="800" dirty="0" smtClean="0"/>
+              <a:rPr lang="en-US" altLang="zh-TW" sz="1600" dirty="0" smtClean="0"/>
               <a:t>Yes</a:t>
             </a:r>
-            <a:endParaRPr lang="zh-TW" altLang="en-US" sz="800" dirty="0"/>
+            <a:endParaRPr lang="zh-TW" altLang="en-US" sz="1600" dirty="0"/>
           </a:p>
         </p:txBody>
       </p:sp>
@@ -3842,8 +3856,8 @@
         </p:nvSpPr>
         <p:spPr>
           <a:xfrm>
-            <a:off x="7741107" y="2708821"/>
-            <a:ext cx="345373" cy="215444"/>
+            <a:off x="11173273" y="4261409"/>
+            <a:ext cx="434189" cy="338554"/>
           </a:xfrm>
           <a:prstGeom prst="rect">
             <a:avLst/>
@@ -3857,10 +3871,10 @@
           <a:lstStyle/>
           <a:p>
             <a:r>
-              <a:rPr lang="en-US" altLang="zh-TW" sz="800" dirty="0" smtClean="0"/>
+              <a:rPr lang="en-US" altLang="zh-TW" sz="1600" dirty="0" smtClean="0"/>
               <a:t>No</a:t>
             </a:r>
-            <a:endParaRPr lang="zh-TW" altLang="en-US" sz="800" dirty="0"/>
+            <a:endParaRPr lang="zh-TW" altLang="en-US" sz="1600" dirty="0"/>
           </a:p>
         </p:txBody>
       </p:sp>
@@ -3872,8 +3886,8 @@
         </p:nvSpPr>
         <p:spPr>
           <a:xfrm>
-            <a:off x="8110721" y="1503623"/>
-            <a:ext cx="1995180" cy="480092"/>
+            <a:off x="7854939" y="2606173"/>
+            <a:ext cx="2849031" cy="620068"/>
           </a:xfrm>
           <a:prstGeom prst="rect">
             <a:avLst/>
@@ -3902,7 +3916,7 @@
           <a:p>
             <a:pPr algn="ctr"/>
             <a:r>
-              <a:rPr lang="zh-TW" altLang="en-US" sz="1000" dirty="0" smtClean="0">
+              <a:rPr lang="zh-TW" altLang="en-US" sz="1600" dirty="0" smtClean="0">
                 <a:solidFill>
                   <a:schemeClr val="tx1"/>
                 </a:solidFill>
@@ -3910,7 +3924,7 @@
               <a:t>將</a:t>
             </a:r>
             <a:r>
-              <a:rPr lang="en-US" altLang="zh-TW" sz="1000" dirty="0" smtClean="0">
+              <a:rPr lang="en-US" altLang="zh-TW" sz="1600" dirty="0" smtClean="0">
                 <a:solidFill>
                   <a:schemeClr val="tx1"/>
                 </a:solidFill>
@@ -3918,7 +3932,7 @@
               <a:t>『</a:t>
             </a:r>
             <a:r>
-              <a:rPr lang="zh-TW" altLang="en-US" sz="1000" dirty="0" smtClean="0">
+              <a:rPr lang="zh-TW" altLang="en-US" sz="1600" dirty="0" smtClean="0">
                 <a:solidFill>
                   <a:schemeClr val="tx1"/>
                 </a:solidFill>
@@ -3926,7 +3940,7 @@
               <a:t>翻譯</a:t>
             </a:r>
             <a:r>
-              <a:rPr lang="en-US" altLang="zh-TW" sz="1000" dirty="0" smtClean="0">
+              <a:rPr lang="en-US" altLang="zh-TW" sz="1600" dirty="0" smtClean="0">
                 <a:solidFill>
                   <a:schemeClr val="tx1"/>
                 </a:solidFill>
@@ -3934,7 +3948,7 @@
               <a:t>』</a:t>
             </a:r>
             <a:r>
-              <a:rPr lang="zh-TW" altLang="en-US" sz="1000" dirty="0" smtClean="0">
+              <a:rPr lang="zh-TW" altLang="en-US" sz="1600" dirty="0" smtClean="0">
                 <a:solidFill>
                   <a:schemeClr val="tx1"/>
                 </a:solidFill>
@@ -3942,7 +3956,7 @@
               <a:t>與</a:t>
             </a:r>
             <a:r>
-              <a:rPr lang="en-US" altLang="zh-TW" sz="1000" dirty="0" smtClean="0">
+              <a:rPr lang="en-US" altLang="zh-TW" sz="1600" dirty="0" smtClean="0">
                 <a:solidFill>
                   <a:schemeClr val="tx1"/>
                 </a:solidFill>
@@ -3950,7 +3964,7 @@
               <a:t>『</a:t>
             </a:r>
             <a:r>
-              <a:rPr lang="zh-TW" altLang="en-US" sz="1000" dirty="0" smtClean="0">
+              <a:rPr lang="zh-TW" altLang="en-US" sz="1600" dirty="0" smtClean="0">
                 <a:solidFill>
                   <a:schemeClr val="tx1"/>
                 </a:solidFill>
@@ -3958,7 +3972,7 @@
               <a:t>片語</a:t>
             </a:r>
             <a:r>
-              <a:rPr lang="en-US" altLang="zh-TW" sz="1000" dirty="0" smtClean="0">
+              <a:rPr lang="en-US" altLang="zh-TW" sz="1600" dirty="0" smtClean="0">
                 <a:solidFill>
                   <a:schemeClr val="tx1"/>
                 </a:solidFill>
@@ -3966,7 +3980,7 @@
               <a:t>』</a:t>
             </a:r>
             <a:r>
-              <a:rPr lang="zh-TW" altLang="en-US" sz="1000" dirty="0" smtClean="0">
+              <a:rPr lang="zh-TW" altLang="en-US" sz="1600" dirty="0" smtClean="0">
                 <a:solidFill>
                   <a:schemeClr val="tx1"/>
                 </a:solidFill>
@@ -3974,7 +3988,7 @@
               <a:t>區分開，並打包成</a:t>
             </a:r>
             <a:r>
-              <a:rPr lang="en-US" altLang="zh-TW" sz="1000" dirty="0" err="1" smtClean="0">
+              <a:rPr lang="en-US" altLang="zh-TW" sz="1600" dirty="0" err="1" smtClean="0">
                 <a:solidFill>
                   <a:schemeClr val="tx1"/>
                 </a:solidFill>
@@ -3982,14 +3996,14 @@
               <a:t>Dict</a:t>
             </a:r>
             <a:r>
-              <a:rPr lang="zh-TW" altLang="en-US" sz="1000" dirty="0" smtClean="0">
+              <a:rPr lang="zh-TW" altLang="en-US" sz="1600" dirty="0" smtClean="0">
                 <a:solidFill>
                   <a:schemeClr val="tx1"/>
                 </a:solidFill>
               </a:rPr>
               <a:t>資料型態回傳</a:t>
             </a:r>
-            <a:endParaRPr lang="zh-TW" altLang="en-US" sz="1000" dirty="0">
+            <a:endParaRPr lang="zh-TW" altLang="en-US" sz="1600" dirty="0">
               <a:solidFill>
                 <a:schemeClr val="tx1"/>
               </a:solidFill>
@@ -4005,7 +4019,7 @@
         </p:nvSpPr>
         <p:spPr>
           <a:xfrm>
-            <a:off x="8110721" y="2708317"/>
+            <a:off x="8339077" y="4307800"/>
             <a:ext cx="1880756" cy="480092"/>
           </a:xfrm>
           <a:prstGeom prst="rect">
@@ -4035,7 +4049,7 @@
           <a:p>
             <a:pPr algn="ctr"/>
             <a:r>
-              <a:rPr lang="zh-TW" altLang="en-US" sz="1200" dirty="0" smtClean="0">
+              <a:rPr lang="zh-TW" altLang="en-US" sz="1600" dirty="0" smtClean="0">
                 <a:solidFill>
                   <a:schemeClr val="tx1"/>
                 </a:solidFill>
@@ -4043,7 +4057,7 @@
               <a:t>打包成</a:t>
             </a:r>
             <a:r>
-              <a:rPr lang="en-US" altLang="zh-TW" sz="1200" dirty="0" err="1" smtClean="0">
+              <a:rPr lang="en-US" altLang="zh-TW" sz="1600" dirty="0" err="1" smtClean="0">
                 <a:solidFill>
                   <a:schemeClr val="tx1"/>
                 </a:solidFill>
@@ -4051,14 +4065,14 @@
               <a:t>Dict</a:t>
             </a:r>
             <a:r>
-              <a:rPr lang="zh-TW" altLang="en-US" sz="1200" dirty="0" smtClean="0">
+              <a:rPr lang="zh-TW" altLang="en-US" sz="1600" dirty="0" smtClean="0">
                 <a:solidFill>
                   <a:schemeClr val="tx1"/>
                 </a:solidFill>
               </a:rPr>
               <a:t>資料型態回傳</a:t>
             </a:r>
-            <a:endParaRPr lang="zh-TW" altLang="en-US" sz="1200" dirty="0">
+            <a:endParaRPr lang="zh-TW" altLang="en-US" sz="1600" dirty="0">
               <a:solidFill>
                 <a:schemeClr val="tx1"/>
               </a:solidFill>
@@ -4070,14 +4084,15 @@
         <p:nvCxnSpPr>
           <p:cNvPr id="98" name="直線單箭頭接點 97"/>
           <p:cNvCxnSpPr>
-            <a:stCxn id="79" idx="3"/>
+            <a:stCxn id="79" idx="1"/>
+            <a:endCxn id="102" idx="6"/>
           </p:cNvCxnSpPr>
           <p:nvPr/>
         </p:nvCxnSpPr>
         <p:spPr>
-          <a:xfrm>
-            <a:off x="10105901" y="1743669"/>
-            <a:ext cx="308759" cy="0"/>
+          <a:xfrm flipH="1">
+            <a:off x="7449653" y="2916207"/>
+            <a:ext cx="405286" cy="14014"/>
           </a:xfrm>
           <a:prstGeom prst="straightConnector1">
             <a:avLst/>
@@ -4105,14 +4120,15 @@
         <p:nvCxnSpPr>
           <p:cNvPr id="100" name="直線單箭頭接點 99"/>
           <p:cNvCxnSpPr>
-            <a:stCxn id="85" idx="3"/>
+            <a:stCxn id="85" idx="1"/>
+            <a:endCxn id="101" idx="6"/>
           </p:cNvCxnSpPr>
           <p:nvPr/>
         </p:nvCxnSpPr>
         <p:spPr>
-          <a:xfrm>
-            <a:off x="9991477" y="2948363"/>
-            <a:ext cx="440996" cy="0"/>
+          <a:xfrm flipH="1" flipV="1">
+            <a:off x="7449653" y="4525635"/>
+            <a:ext cx="889424" cy="22211"/>
           </a:xfrm>
           <a:prstGeom prst="straightConnector1">
             <a:avLst/>
@@ -4144,8 +4160,8 @@
         </p:nvSpPr>
         <p:spPr>
           <a:xfrm>
-            <a:off x="10432473" y="2684137"/>
-            <a:ext cx="825713" cy="528452"/>
+            <a:off x="6496371" y="4261409"/>
+            <a:ext cx="953282" cy="528452"/>
           </a:xfrm>
           <a:prstGeom prst="ellipse">
             <a:avLst/>
@@ -4182,14 +4198,14 @@
           <a:p>
             <a:pPr algn="ctr"/>
             <a:r>
-              <a:rPr lang="zh-TW" altLang="en-US" sz="1500" dirty="0" smtClean="0">
+              <a:rPr lang="zh-TW" altLang="en-US" sz="1600" dirty="0" smtClean="0">
                 <a:solidFill>
                   <a:schemeClr val="tx1"/>
                 </a:solidFill>
               </a:rPr>
               <a:t>結束</a:t>
             </a:r>
-            <a:endParaRPr lang="zh-TW" altLang="en-US" sz="1500" dirty="0">
+            <a:endParaRPr lang="zh-TW" altLang="en-US" sz="1600" dirty="0">
               <a:solidFill>
                 <a:schemeClr val="tx1"/>
               </a:solidFill>
@@ -4205,8 +4221,8 @@
         </p:nvSpPr>
         <p:spPr>
           <a:xfrm>
-            <a:off x="10414660" y="1479443"/>
-            <a:ext cx="801584" cy="528452"/>
+            <a:off x="6486440" y="2665995"/>
+            <a:ext cx="963213" cy="528452"/>
           </a:xfrm>
           <a:prstGeom prst="ellipse">
             <a:avLst/>
@@ -4243,14 +4259,14 @@
           <a:p>
             <a:pPr algn="ctr"/>
             <a:r>
-              <a:rPr lang="zh-TW" altLang="en-US" sz="1500" dirty="0" smtClean="0">
+              <a:rPr lang="zh-TW" altLang="en-US" sz="1600" dirty="0" smtClean="0">
                 <a:solidFill>
                   <a:schemeClr val="tx1"/>
                 </a:solidFill>
               </a:rPr>
               <a:t>結束</a:t>
             </a:r>
-            <a:endParaRPr lang="zh-TW" altLang="en-US" sz="1500" dirty="0">
+            <a:endParaRPr lang="zh-TW" altLang="en-US" sz="1600" dirty="0">
               <a:solidFill>
                 <a:schemeClr val="tx1"/>
               </a:solidFill>
@@ -4268,6 +4284,5349 @@
   <p:clrMapOvr>
     <a:masterClrMapping/>
   </p:clrMapOvr>
+  <p:timing>
+    <p:tnLst>
+      <p:par>
+        <p:cTn id="1" dur="indefinite" restart="never" nodeType="tmRoot"/>
+      </p:par>
+    </p:tnLst>
+  </p:timing>
+</p:sld>
+</file>
+
+<file path=ppt/slides/slide2.xml><?xml version="1.0" encoding="utf-8"?>
+<p:sld xmlns:a="http://schemas.openxmlformats.org/drawingml/2006/main" xmlns:r="http://schemas.openxmlformats.org/officeDocument/2006/relationships" xmlns:p="http://schemas.openxmlformats.org/presentationml/2006/main">
+  <p:cSld>
+    <p:spTree>
+      <p:nvGrpSpPr>
+        <p:cNvPr id="1" name=""/>
+        <p:cNvGrpSpPr/>
+        <p:nvPr/>
+      </p:nvGrpSpPr>
+      <p:grpSpPr>
+        <a:xfrm>
+          <a:off x="0" y="0"/>
+          <a:ext cx="0" cy="0"/>
+          <a:chOff x="0" y="0"/>
+          <a:chExt cx="0" cy="0"/>
+        </a:xfrm>
+      </p:grpSpPr>
+      <p:sp>
+        <p:nvSpPr>
+          <p:cNvPr id="9" name="圓角矩形 8"/>
+          <p:cNvSpPr/>
+          <p:nvPr/>
+        </p:nvSpPr>
+        <p:spPr>
+          <a:xfrm>
+            <a:off x="412954" y="1936955"/>
+            <a:ext cx="11464413" cy="3106994"/>
+          </a:xfrm>
+          <a:prstGeom prst="roundRect">
+            <a:avLst/>
+          </a:prstGeom>
+          <a:noFill/>
+          <a:ln>
+            <a:solidFill>
+              <a:srgbClr val="FF0000"/>
+            </a:solidFill>
+          </a:ln>
+        </p:spPr>
+        <p:style>
+          <a:lnRef idx="2">
+            <a:schemeClr val="accent1">
+              <a:shade val="50000"/>
+            </a:schemeClr>
+          </a:lnRef>
+          <a:fillRef idx="1">
+            <a:schemeClr val="accent1"/>
+          </a:fillRef>
+          <a:effectRef idx="0">
+            <a:schemeClr val="accent1"/>
+          </a:effectRef>
+          <a:fontRef idx="minor">
+            <a:schemeClr val="lt1"/>
+          </a:fontRef>
+        </p:style>
+        <p:txBody>
+          <a:bodyPr rtlCol="0" anchor="ctr">
+            <a:prstTxWarp prst="textSlantDown">
+              <a:avLst/>
+            </a:prstTxWarp>
+          </a:bodyPr>
+          <a:lstStyle/>
+          <a:p>
+            <a:pPr algn="ctr"/>
+            <a:r>
+              <a:rPr lang="zh-TW" altLang="en-US" sz="10000" dirty="0" smtClean="0">
+                <a:solidFill>
+                  <a:schemeClr val="tx1">
+                    <a:alpha val="5000"/>
+                  </a:schemeClr>
+                </a:solidFill>
+              </a:rPr>
+              <a:t>表單新增流程</a:t>
+            </a:r>
+            <a:endParaRPr lang="zh-TW" altLang="en-US" sz="10000" dirty="0">
+              <a:solidFill>
+                <a:schemeClr val="tx1">
+                  <a:alpha val="5000"/>
+                </a:schemeClr>
+              </a:solidFill>
+            </a:endParaRPr>
+          </a:p>
+        </p:txBody>
+      </p:sp>
+      <p:sp>
+        <p:nvSpPr>
+          <p:cNvPr id="3" name="副標題 2"/>
+          <p:cNvSpPr>
+            <a:spLocks noGrp="1"/>
+          </p:cNvSpPr>
+          <p:nvPr>
+            <p:ph type="subTitle" idx="1"/>
+          </p:nvPr>
+        </p:nvSpPr>
+        <p:spPr>
+          <a:xfrm>
+            <a:off x="1500249" y="47501"/>
+            <a:ext cx="9144000" cy="694707"/>
+          </a:xfrm>
+        </p:spPr>
+        <p:txBody>
+          <a:bodyPr>
+            <a:noAutofit/>
+          </a:bodyPr>
+          <a:lstStyle/>
+          <a:p>
+            <a:r>
+              <a:rPr lang="zh-TW" altLang="en-US" sz="5000" dirty="0" smtClean="0">
+                <a:solidFill>
+                  <a:srgbClr val="FF0000"/>
+                </a:solidFill>
+              </a:rPr>
+              <a:t>資料庫</a:t>
+            </a:r>
+            <a:r>
+              <a:rPr lang="en-US" altLang="zh-TW" sz="5000" dirty="0" smtClean="0">
+                <a:solidFill>
+                  <a:srgbClr val="FF0000"/>
+                </a:solidFill>
+              </a:rPr>
+              <a:t>『</a:t>
+            </a:r>
+            <a:r>
+              <a:rPr lang="zh-TW" altLang="en-US" sz="5000" dirty="0" smtClean="0">
+                <a:solidFill>
+                  <a:srgbClr val="FF0000"/>
+                </a:solidFill>
+              </a:rPr>
+              <a:t>資料表單</a:t>
+            </a:r>
+            <a:r>
+              <a:rPr lang="en-US" altLang="zh-TW" sz="5000" dirty="0" smtClean="0">
+                <a:solidFill>
+                  <a:srgbClr val="FF0000"/>
+                </a:solidFill>
+              </a:rPr>
+              <a:t>』</a:t>
+            </a:r>
+            <a:r>
+              <a:rPr lang="zh-TW" altLang="en-US" sz="5000" dirty="0">
+                <a:solidFill>
+                  <a:srgbClr val="FF0000"/>
+                </a:solidFill>
+              </a:rPr>
+              <a:t>流程</a:t>
+            </a:r>
+            <a:endParaRPr lang="zh-TW" altLang="en-US" sz="5000" dirty="0">
+              <a:solidFill>
+                <a:srgbClr val="FF0000"/>
+              </a:solidFill>
+            </a:endParaRPr>
+          </a:p>
+        </p:txBody>
+      </p:sp>
+      <p:cxnSp>
+        <p:nvCxnSpPr>
+          <p:cNvPr id="7" name="直線單箭頭接點 6"/>
+          <p:cNvCxnSpPr>
+            <a:stCxn id="25" idx="6"/>
+            <a:endCxn id="10" idx="1"/>
+          </p:cNvCxnSpPr>
+          <p:nvPr/>
+        </p:nvCxnSpPr>
+        <p:spPr>
+          <a:xfrm>
+            <a:off x="2706002" y="3432352"/>
+            <a:ext cx="434559" cy="13272"/>
+          </a:xfrm>
+          <a:prstGeom prst="straightConnector1">
+            <a:avLst/>
+          </a:prstGeom>
+          <a:ln>
+            <a:tailEnd type="triangle"/>
+          </a:ln>
+        </p:spPr>
+        <p:style>
+          <a:lnRef idx="1">
+            <a:schemeClr val="accent1"/>
+          </a:lnRef>
+          <a:fillRef idx="0">
+            <a:schemeClr val="accent1"/>
+          </a:fillRef>
+          <a:effectRef idx="0">
+            <a:schemeClr val="accent1"/>
+          </a:effectRef>
+          <a:fontRef idx="minor">
+            <a:schemeClr val="tx1"/>
+          </a:fontRef>
+        </p:style>
+      </p:cxnSp>
+      <p:sp>
+        <p:nvSpPr>
+          <p:cNvPr id="10" name="菱形 9"/>
+          <p:cNvSpPr/>
+          <p:nvPr/>
+        </p:nvSpPr>
+        <p:spPr>
+          <a:xfrm>
+            <a:off x="3140561" y="2989007"/>
+            <a:ext cx="3515878" cy="913234"/>
+          </a:xfrm>
+          <a:prstGeom prst="diamond">
+            <a:avLst/>
+          </a:prstGeom>
+          <a:noFill/>
+          <a:ln>
+            <a:solidFill>
+              <a:srgbClr val="FF0000"/>
+            </a:solidFill>
+          </a:ln>
+        </p:spPr>
+        <p:style>
+          <a:lnRef idx="2">
+            <a:schemeClr val="accent1">
+              <a:shade val="50000"/>
+            </a:schemeClr>
+          </a:lnRef>
+          <a:fillRef idx="1">
+            <a:schemeClr val="accent1"/>
+          </a:fillRef>
+          <a:effectRef idx="0">
+            <a:schemeClr val="accent1"/>
+          </a:effectRef>
+          <a:fontRef idx="minor">
+            <a:schemeClr val="lt1"/>
+          </a:fontRef>
+        </p:style>
+        <p:txBody>
+          <a:bodyPr rtlCol="0" anchor="ctr"/>
+          <a:lstStyle/>
+          <a:p>
+            <a:pPr algn="ctr"/>
+            <a:r>
+              <a:rPr lang="zh-TW" altLang="en-US" sz="1400" dirty="0" smtClean="0">
+                <a:solidFill>
+                  <a:schemeClr val="tx1"/>
+                </a:solidFill>
+              </a:rPr>
+              <a:t>判斷是否有</a:t>
+            </a:r>
+            <a:r>
+              <a:rPr lang="en-US" altLang="zh-TW" sz="1400" dirty="0" smtClean="0">
+                <a:solidFill>
+                  <a:schemeClr val="tx1"/>
+                </a:solidFill>
+              </a:rPr>
+              <a:t>Word</a:t>
+            </a:r>
+            <a:r>
+              <a:rPr lang="zh-TW" altLang="en-US" sz="1400" dirty="0" smtClean="0">
+                <a:solidFill>
+                  <a:schemeClr val="tx1"/>
+                </a:solidFill>
+              </a:rPr>
+              <a:t>表單已存在</a:t>
+            </a:r>
+            <a:endParaRPr lang="zh-TW" altLang="en-US" sz="1400" dirty="0">
+              <a:solidFill>
+                <a:schemeClr val="tx1"/>
+              </a:solidFill>
+            </a:endParaRPr>
+          </a:p>
+        </p:txBody>
+      </p:sp>
+      <p:cxnSp>
+        <p:nvCxnSpPr>
+          <p:cNvPr id="12" name="肘形接點 11"/>
+          <p:cNvCxnSpPr>
+            <a:stCxn id="10" idx="3"/>
+            <a:endCxn id="38" idx="1"/>
+          </p:cNvCxnSpPr>
+          <p:nvPr/>
+        </p:nvCxnSpPr>
+        <p:spPr>
+          <a:xfrm>
+            <a:off x="6656439" y="3445624"/>
+            <a:ext cx="514049" cy="924461"/>
+          </a:xfrm>
+          <a:prstGeom prst="bentConnector3">
+            <a:avLst/>
+          </a:prstGeom>
+          <a:ln>
+            <a:tailEnd type="triangle"/>
+          </a:ln>
+        </p:spPr>
+        <p:style>
+          <a:lnRef idx="1">
+            <a:schemeClr val="accent1"/>
+          </a:lnRef>
+          <a:fillRef idx="0">
+            <a:schemeClr val="accent1"/>
+          </a:fillRef>
+          <a:effectRef idx="0">
+            <a:schemeClr val="accent1"/>
+          </a:effectRef>
+          <a:fontRef idx="minor">
+            <a:schemeClr val="tx1"/>
+          </a:fontRef>
+        </p:style>
+      </p:cxnSp>
+      <p:cxnSp>
+        <p:nvCxnSpPr>
+          <p:cNvPr id="14" name="肘形接點 13"/>
+          <p:cNvCxnSpPr>
+            <a:stCxn id="10" idx="3"/>
+            <a:endCxn id="102" idx="2"/>
+          </p:cNvCxnSpPr>
+          <p:nvPr/>
+        </p:nvCxnSpPr>
+        <p:spPr>
+          <a:xfrm flipV="1">
+            <a:off x="6656439" y="2537994"/>
+            <a:ext cx="514049" cy="907630"/>
+          </a:xfrm>
+          <a:prstGeom prst="bentConnector3">
+            <a:avLst>
+              <a:gd name="adj1" fmla="val 50000"/>
+            </a:avLst>
+          </a:prstGeom>
+          <a:ln>
+            <a:tailEnd type="triangle"/>
+          </a:ln>
+        </p:spPr>
+        <p:style>
+          <a:lnRef idx="1">
+            <a:schemeClr val="accent1"/>
+          </a:lnRef>
+          <a:fillRef idx="0">
+            <a:schemeClr val="accent1"/>
+          </a:fillRef>
+          <a:effectRef idx="0">
+            <a:schemeClr val="accent1"/>
+          </a:effectRef>
+          <a:fontRef idx="minor">
+            <a:schemeClr val="tx1"/>
+          </a:fontRef>
+        </p:style>
+      </p:cxnSp>
+      <p:sp>
+        <p:nvSpPr>
+          <p:cNvPr id="21" name="文字方塊 20"/>
+          <p:cNvSpPr txBox="1"/>
+          <p:nvPr/>
+        </p:nvSpPr>
+        <p:spPr>
+          <a:xfrm>
+            <a:off x="6554029" y="2698828"/>
+            <a:ext cx="467194" cy="276999"/>
+          </a:xfrm>
+          <a:prstGeom prst="rect">
+            <a:avLst/>
+          </a:prstGeom>
+          <a:noFill/>
+        </p:spPr>
+        <p:txBody>
+          <a:bodyPr wrap="square" rtlCol="0">
+            <a:spAutoFit/>
+          </a:bodyPr>
+          <a:lstStyle/>
+          <a:p>
+            <a:r>
+              <a:rPr lang="en-US" altLang="zh-TW" sz="1200" dirty="0" smtClean="0"/>
+              <a:t>Yes</a:t>
+            </a:r>
+            <a:endParaRPr lang="zh-TW" altLang="en-US" sz="1200" dirty="0"/>
+          </a:p>
+        </p:txBody>
+      </p:sp>
+      <p:sp>
+        <p:nvSpPr>
+          <p:cNvPr id="22" name="文字方塊 21"/>
+          <p:cNvSpPr txBox="1"/>
+          <p:nvPr/>
+        </p:nvSpPr>
+        <p:spPr>
+          <a:xfrm>
+            <a:off x="6554029" y="3924544"/>
+            <a:ext cx="418033" cy="276999"/>
+          </a:xfrm>
+          <a:prstGeom prst="rect">
+            <a:avLst/>
+          </a:prstGeom>
+          <a:noFill/>
+        </p:spPr>
+        <p:txBody>
+          <a:bodyPr wrap="square" rtlCol="0">
+            <a:spAutoFit/>
+          </a:bodyPr>
+          <a:lstStyle/>
+          <a:p>
+            <a:r>
+              <a:rPr lang="en-US" altLang="zh-TW" sz="1200" dirty="0" smtClean="0"/>
+              <a:t>No</a:t>
+            </a:r>
+            <a:endParaRPr lang="zh-TW" altLang="en-US" sz="1200" dirty="0"/>
+          </a:p>
+        </p:txBody>
+      </p:sp>
+      <p:sp>
+        <p:nvSpPr>
+          <p:cNvPr id="25" name="橢圓 24"/>
+          <p:cNvSpPr/>
+          <p:nvPr/>
+        </p:nvSpPr>
+        <p:spPr>
+          <a:xfrm>
+            <a:off x="971123" y="3074608"/>
+            <a:ext cx="1734879" cy="715487"/>
+          </a:xfrm>
+          <a:prstGeom prst="ellipse">
+            <a:avLst/>
+          </a:prstGeom>
+          <a:noFill/>
+          <a:ln>
+            <a:solidFill>
+              <a:schemeClr val="accent2">
+                <a:lumMod val="60000"/>
+                <a:lumOff val="40000"/>
+              </a:schemeClr>
+            </a:solidFill>
+          </a:ln>
+        </p:spPr>
+        <p:style>
+          <a:lnRef idx="2">
+            <a:schemeClr val="accent1">
+              <a:shade val="50000"/>
+            </a:schemeClr>
+          </a:lnRef>
+          <a:fillRef idx="1">
+            <a:schemeClr val="accent1"/>
+          </a:fillRef>
+          <a:effectRef idx="0">
+            <a:schemeClr val="accent1"/>
+          </a:effectRef>
+          <a:fontRef idx="minor">
+            <a:schemeClr val="lt1"/>
+          </a:fontRef>
+        </p:style>
+        <p:txBody>
+          <a:bodyPr rtlCol="0" anchor="ctr"/>
+          <a:lstStyle/>
+          <a:p>
+            <a:pPr algn="ctr"/>
+            <a:r>
+              <a:rPr lang="zh-TW" altLang="en-US" sz="1500" dirty="0" smtClean="0">
+                <a:solidFill>
+                  <a:schemeClr val="tx1"/>
+                </a:solidFill>
+              </a:rPr>
+              <a:t>開啟程式</a:t>
+            </a:r>
+            <a:endParaRPr lang="zh-TW" altLang="en-US" sz="1500" dirty="0">
+              <a:solidFill>
+                <a:schemeClr val="tx1"/>
+              </a:solidFill>
+            </a:endParaRPr>
+          </a:p>
+        </p:txBody>
+      </p:sp>
+      <p:sp>
+        <p:nvSpPr>
+          <p:cNvPr id="38" name="矩形 37"/>
+          <p:cNvSpPr/>
+          <p:nvPr/>
+        </p:nvSpPr>
+        <p:spPr>
+          <a:xfrm>
+            <a:off x="7170488" y="4093984"/>
+            <a:ext cx="1622963" cy="552202"/>
+          </a:xfrm>
+          <a:prstGeom prst="rect">
+            <a:avLst/>
+          </a:prstGeom>
+          <a:noFill/>
+          <a:ln>
+            <a:solidFill>
+              <a:schemeClr val="accent1"/>
+            </a:solidFill>
+          </a:ln>
+        </p:spPr>
+        <p:style>
+          <a:lnRef idx="2">
+            <a:schemeClr val="accent1">
+              <a:shade val="50000"/>
+            </a:schemeClr>
+          </a:lnRef>
+          <a:fillRef idx="1">
+            <a:schemeClr val="accent1"/>
+          </a:fillRef>
+          <a:effectRef idx="0">
+            <a:schemeClr val="accent1"/>
+          </a:effectRef>
+          <a:fontRef idx="minor">
+            <a:schemeClr val="lt1"/>
+          </a:fontRef>
+        </p:style>
+        <p:txBody>
+          <a:bodyPr rtlCol="0" anchor="ctr"/>
+          <a:lstStyle/>
+          <a:p>
+            <a:pPr algn="ctr"/>
+            <a:r>
+              <a:rPr lang="zh-TW" altLang="en-US" sz="1400" dirty="0" smtClean="0">
+                <a:solidFill>
+                  <a:schemeClr val="tx1"/>
+                </a:solidFill>
+              </a:rPr>
+              <a:t>建立</a:t>
+            </a:r>
+            <a:r>
+              <a:rPr lang="en-US" altLang="zh-TW" sz="1400" dirty="0" smtClean="0">
+                <a:solidFill>
+                  <a:schemeClr val="tx1"/>
+                </a:solidFill>
+              </a:rPr>
+              <a:t>Word</a:t>
+            </a:r>
+            <a:r>
+              <a:rPr lang="zh-TW" altLang="en-US" sz="1400" dirty="0" smtClean="0">
+                <a:solidFill>
+                  <a:schemeClr val="tx1"/>
+                </a:solidFill>
+              </a:rPr>
+              <a:t>表單</a:t>
+            </a:r>
+            <a:endParaRPr lang="zh-TW" altLang="en-US" sz="1400" dirty="0">
+              <a:solidFill>
+                <a:schemeClr val="tx1"/>
+              </a:solidFill>
+            </a:endParaRPr>
+          </a:p>
+        </p:txBody>
+      </p:sp>
+      <p:cxnSp>
+        <p:nvCxnSpPr>
+          <p:cNvPr id="42" name="直線單箭頭接點 41"/>
+          <p:cNvCxnSpPr>
+            <a:stCxn id="38" idx="3"/>
+            <a:endCxn id="44" idx="2"/>
+          </p:cNvCxnSpPr>
+          <p:nvPr/>
+        </p:nvCxnSpPr>
+        <p:spPr>
+          <a:xfrm flipV="1">
+            <a:off x="8793451" y="4364148"/>
+            <a:ext cx="722282" cy="5937"/>
+          </a:xfrm>
+          <a:prstGeom prst="straightConnector1">
+            <a:avLst/>
+          </a:prstGeom>
+          <a:ln>
+            <a:tailEnd type="triangle"/>
+          </a:ln>
+        </p:spPr>
+        <p:style>
+          <a:lnRef idx="1">
+            <a:schemeClr val="accent1"/>
+          </a:lnRef>
+          <a:fillRef idx="0">
+            <a:schemeClr val="accent1"/>
+          </a:fillRef>
+          <a:effectRef idx="0">
+            <a:schemeClr val="accent1"/>
+          </a:effectRef>
+          <a:fontRef idx="minor">
+            <a:schemeClr val="tx1"/>
+          </a:fontRef>
+        </p:style>
+      </p:cxnSp>
+      <p:sp>
+        <p:nvSpPr>
+          <p:cNvPr id="44" name="橢圓 43"/>
+          <p:cNvSpPr/>
+          <p:nvPr/>
+        </p:nvSpPr>
+        <p:spPr>
+          <a:xfrm>
+            <a:off x="9515733" y="4093984"/>
+            <a:ext cx="1584885" cy="540327"/>
+          </a:xfrm>
+          <a:prstGeom prst="ellipse">
+            <a:avLst/>
+          </a:prstGeom>
+          <a:noFill/>
+          <a:ln>
+            <a:solidFill>
+              <a:schemeClr val="accent2">
+                <a:lumMod val="60000"/>
+                <a:lumOff val="40000"/>
+              </a:schemeClr>
+            </a:solidFill>
+          </a:ln>
+        </p:spPr>
+        <p:style>
+          <a:lnRef idx="2">
+            <a:schemeClr val="accent1">
+              <a:shade val="50000"/>
+            </a:schemeClr>
+          </a:lnRef>
+          <a:fillRef idx="1">
+            <a:schemeClr val="accent1"/>
+          </a:fillRef>
+          <a:effectRef idx="0">
+            <a:schemeClr val="accent1"/>
+          </a:effectRef>
+          <a:fontRef idx="minor">
+            <a:schemeClr val="lt1"/>
+          </a:fontRef>
+        </p:style>
+        <p:txBody>
+          <a:bodyPr rtlCol="0" anchor="ctr"/>
+          <a:lstStyle/>
+          <a:p>
+            <a:pPr algn="ctr"/>
+            <a:r>
+              <a:rPr lang="zh-TW" altLang="en-US" sz="1500" dirty="0" smtClean="0">
+                <a:solidFill>
+                  <a:schemeClr val="tx1"/>
+                </a:solidFill>
+              </a:rPr>
+              <a:t>結束</a:t>
+            </a:r>
+            <a:endParaRPr lang="zh-TW" altLang="en-US" sz="1500" dirty="0">
+              <a:solidFill>
+                <a:schemeClr val="tx1"/>
+              </a:solidFill>
+            </a:endParaRPr>
+          </a:p>
+        </p:txBody>
+      </p:sp>
+      <p:sp>
+        <p:nvSpPr>
+          <p:cNvPr id="102" name="橢圓 101"/>
+          <p:cNvSpPr/>
+          <p:nvPr/>
+        </p:nvSpPr>
+        <p:spPr>
+          <a:xfrm>
+            <a:off x="7170488" y="2201140"/>
+            <a:ext cx="1538303" cy="673708"/>
+          </a:xfrm>
+          <a:prstGeom prst="ellipse">
+            <a:avLst/>
+          </a:prstGeom>
+          <a:noFill/>
+          <a:ln>
+            <a:solidFill>
+              <a:schemeClr val="accent2">
+                <a:lumMod val="60000"/>
+                <a:lumOff val="40000"/>
+              </a:schemeClr>
+            </a:solidFill>
+          </a:ln>
+        </p:spPr>
+        <p:style>
+          <a:lnRef idx="2">
+            <a:schemeClr val="accent1">
+              <a:shade val="50000"/>
+            </a:schemeClr>
+          </a:lnRef>
+          <a:fillRef idx="1">
+            <a:schemeClr val="accent1"/>
+          </a:fillRef>
+          <a:effectRef idx="0">
+            <a:schemeClr val="accent1"/>
+          </a:effectRef>
+          <a:fontRef idx="minor">
+            <a:schemeClr val="lt1"/>
+          </a:fontRef>
+        </p:style>
+        <p:txBody>
+          <a:bodyPr rtlCol="0" anchor="ctr"/>
+          <a:lstStyle/>
+          <a:p>
+            <a:pPr algn="ctr"/>
+            <a:r>
+              <a:rPr lang="zh-TW" altLang="en-US" sz="1500" dirty="0" smtClean="0">
+                <a:solidFill>
+                  <a:schemeClr val="tx1"/>
+                </a:solidFill>
+              </a:rPr>
+              <a:t>結束</a:t>
+            </a:r>
+            <a:endParaRPr lang="zh-TW" altLang="en-US" sz="1500" dirty="0">
+              <a:solidFill>
+                <a:schemeClr val="tx1"/>
+              </a:solidFill>
+            </a:endParaRPr>
+          </a:p>
+        </p:txBody>
+      </p:sp>
+    </p:spTree>
+    <p:extLst>
+      <p:ext uri="{BB962C8B-B14F-4D97-AF65-F5344CB8AC3E}">
+        <p14:creationId xmlns:p14="http://schemas.microsoft.com/office/powerpoint/2010/main" val="828589520"/>
+      </p:ext>
+    </p:extLst>
+  </p:cSld>
+  <p:clrMapOvr>
+    <a:masterClrMapping/>
+  </p:clrMapOvr>
+  <p:timing>
+    <p:tnLst>
+      <p:par>
+        <p:cTn id="1" dur="indefinite" restart="never" nodeType="tmRoot"/>
+      </p:par>
+    </p:tnLst>
+  </p:timing>
+</p:sld>
+</file>
+
+<file path=ppt/slides/slide3.xml><?xml version="1.0" encoding="utf-8"?>
+<p:sld xmlns:a="http://schemas.openxmlformats.org/drawingml/2006/main" xmlns:r="http://schemas.openxmlformats.org/officeDocument/2006/relationships" xmlns:p="http://schemas.openxmlformats.org/presentationml/2006/main">
+  <p:cSld>
+    <p:spTree>
+      <p:nvGrpSpPr>
+        <p:cNvPr id="1" name=""/>
+        <p:cNvGrpSpPr/>
+        <p:nvPr/>
+      </p:nvGrpSpPr>
+      <p:grpSpPr>
+        <a:xfrm>
+          <a:off x="0" y="0"/>
+          <a:ext cx="0" cy="0"/>
+          <a:chOff x="0" y="0"/>
+          <a:chExt cx="0" cy="0"/>
+        </a:xfrm>
+      </p:grpSpPr>
+      <p:sp>
+        <p:nvSpPr>
+          <p:cNvPr id="9" name="圓角矩形 8"/>
+          <p:cNvSpPr/>
+          <p:nvPr/>
+        </p:nvSpPr>
+        <p:spPr>
+          <a:xfrm>
+            <a:off x="157316" y="943898"/>
+            <a:ext cx="11847871" cy="5673212"/>
+          </a:xfrm>
+          <a:prstGeom prst="roundRect">
+            <a:avLst/>
+          </a:prstGeom>
+          <a:noFill/>
+          <a:ln>
+            <a:solidFill>
+              <a:srgbClr val="FF0000"/>
+            </a:solidFill>
+          </a:ln>
+        </p:spPr>
+        <p:style>
+          <a:lnRef idx="2">
+            <a:schemeClr val="accent1">
+              <a:shade val="50000"/>
+            </a:schemeClr>
+          </a:lnRef>
+          <a:fillRef idx="1">
+            <a:schemeClr val="accent1"/>
+          </a:fillRef>
+          <a:effectRef idx="0">
+            <a:schemeClr val="accent1"/>
+          </a:effectRef>
+          <a:fontRef idx="minor">
+            <a:schemeClr val="lt1"/>
+          </a:fontRef>
+        </p:style>
+        <p:txBody>
+          <a:bodyPr rtlCol="0" anchor="ctr">
+            <a:prstTxWarp prst="textSlantDown">
+              <a:avLst/>
+            </a:prstTxWarp>
+          </a:bodyPr>
+          <a:lstStyle/>
+          <a:p>
+            <a:pPr algn="ctr"/>
+            <a:r>
+              <a:rPr lang="zh-TW" altLang="en-US" sz="10000" dirty="0" smtClean="0">
+                <a:solidFill>
+                  <a:schemeClr val="tx1">
+                    <a:alpha val="5000"/>
+                  </a:schemeClr>
+                </a:solidFill>
+              </a:rPr>
+              <a:t>資料新增流程</a:t>
+            </a:r>
+            <a:endParaRPr lang="zh-TW" altLang="en-US" sz="10000" dirty="0">
+              <a:solidFill>
+                <a:schemeClr val="tx1">
+                  <a:alpha val="5000"/>
+                </a:schemeClr>
+              </a:solidFill>
+            </a:endParaRPr>
+          </a:p>
+        </p:txBody>
+      </p:sp>
+      <p:sp>
+        <p:nvSpPr>
+          <p:cNvPr id="3" name="副標題 2"/>
+          <p:cNvSpPr>
+            <a:spLocks noGrp="1"/>
+          </p:cNvSpPr>
+          <p:nvPr>
+            <p:ph type="subTitle" idx="1"/>
+          </p:nvPr>
+        </p:nvSpPr>
+        <p:spPr>
+          <a:xfrm>
+            <a:off x="1500249" y="47501"/>
+            <a:ext cx="9144000" cy="694707"/>
+          </a:xfrm>
+        </p:spPr>
+        <p:txBody>
+          <a:bodyPr>
+            <a:noAutofit/>
+          </a:bodyPr>
+          <a:lstStyle/>
+          <a:p>
+            <a:r>
+              <a:rPr lang="zh-TW" altLang="en-US" sz="5000" dirty="0" smtClean="0">
+                <a:solidFill>
+                  <a:srgbClr val="FF0000"/>
+                </a:solidFill>
+              </a:rPr>
+              <a:t>資料庫</a:t>
+            </a:r>
+            <a:r>
+              <a:rPr lang="en-US" altLang="zh-TW" sz="5000" dirty="0" smtClean="0">
+                <a:solidFill>
+                  <a:srgbClr val="FF0000"/>
+                </a:solidFill>
+              </a:rPr>
+              <a:t>『</a:t>
+            </a:r>
+            <a:r>
+              <a:rPr lang="zh-TW" altLang="en-US" sz="5000" dirty="0" smtClean="0">
+                <a:solidFill>
+                  <a:srgbClr val="FF0000"/>
+                </a:solidFill>
+              </a:rPr>
+              <a:t>資料新增</a:t>
+            </a:r>
+            <a:r>
+              <a:rPr lang="en-US" altLang="zh-TW" sz="5000" dirty="0" smtClean="0">
+                <a:solidFill>
+                  <a:srgbClr val="FF0000"/>
+                </a:solidFill>
+              </a:rPr>
+              <a:t>』</a:t>
+            </a:r>
+            <a:r>
+              <a:rPr lang="zh-TW" altLang="en-US" sz="5000" dirty="0">
+                <a:solidFill>
+                  <a:srgbClr val="FF0000"/>
+                </a:solidFill>
+              </a:rPr>
+              <a:t>流程</a:t>
+            </a:r>
+            <a:endParaRPr lang="zh-TW" altLang="en-US" sz="5000" dirty="0">
+              <a:solidFill>
+                <a:srgbClr val="FF0000"/>
+              </a:solidFill>
+            </a:endParaRPr>
+          </a:p>
+        </p:txBody>
+      </p:sp>
+      <p:cxnSp>
+        <p:nvCxnSpPr>
+          <p:cNvPr id="7" name="直線單箭頭接點 6"/>
+          <p:cNvCxnSpPr>
+            <a:stCxn id="25" idx="6"/>
+            <a:endCxn id="33" idx="1"/>
+          </p:cNvCxnSpPr>
+          <p:nvPr/>
+        </p:nvCxnSpPr>
+        <p:spPr>
+          <a:xfrm>
+            <a:off x="1857206" y="2498502"/>
+            <a:ext cx="544864" cy="0"/>
+          </a:xfrm>
+          <a:prstGeom prst="straightConnector1">
+            <a:avLst/>
+          </a:prstGeom>
+          <a:ln>
+            <a:tailEnd type="triangle"/>
+          </a:ln>
+        </p:spPr>
+        <p:style>
+          <a:lnRef idx="1">
+            <a:schemeClr val="accent1"/>
+          </a:lnRef>
+          <a:fillRef idx="0">
+            <a:schemeClr val="accent1"/>
+          </a:fillRef>
+          <a:effectRef idx="0">
+            <a:schemeClr val="accent1"/>
+          </a:effectRef>
+          <a:fontRef idx="minor">
+            <a:schemeClr val="tx1"/>
+          </a:fontRef>
+        </p:style>
+      </p:cxnSp>
+      <p:sp>
+        <p:nvSpPr>
+          <p:cNvPr id="10" name="菱形 9"/>
+          <p:cNvSpPr/>
+          <p:nvPr/>
+        </p:nvSpPr>
+        <p:spPr>
+          <a:xfrm>
+            <a:off x="5450935" y="1721881"/>
+            <a:ext cx="2316549" cy="1553240"/>
+          </a:xfrm>
+          <a:prstGeom prst="diamond">
+            <a:avLst/>
+          </a:prstGeom>
+          <a:noFill/>
+          <a:ln>
+            <a:solidFill>
+              <a:srgbClr val="FF0000"/>
+            </a:solidFill>
+          </a:ln>
+        </p:spPr>
+        <p:style>
+          <a:lnRef idx="2">
+            <a:schemeClr val="accent1">
+              <a:shade val="50000"/>
+            </a:schemeClr>
+          </a:lnRef>
+          <a:fillRef idx="1">
+            <a:schemeClr val="accent1"/>
+          </a:fillRef>
+          <a:effectRef idx="0">
+            <a:schemeClr val="accent1"/>
+          </a:effectRef>
+          <a:fontRef idx="minor">
+            <a:schemeClr val="lt1"/>
+          </a:fontRef>
+        </p:style>
+        <p:txBody>
+          <a:bodyPr rtlCol="0" anchor="ctr"/>
+          <a:lstStyle/>
+          <a:p>
+            <a:pPr algn="ctr"/>
+            <a:r>
+              <a:rPr lang="zh-TW" altLang="en-US" sz="1600" dirty="0" smtClean="0">
+                <a:solidFill>
+                  <a:schemeClr val="tx1"/>
+                </a:solidFill>
+              </a:rPr>
+              <a:t>判斷爬回單字是否有資料</a:t>
+            </a:r>
+            <a:endParaRPr lang="zh-TW" altLang="en-US" sz="1600" dirty="0">
+              <a:solidFill>
+                <a:schemeClr val="tx1"/>
+              </a:solidFill>
+            </a:endParaRPr>
+          </a:p>
+        </p:txBody>
+      </p:sp>
+      <p:cxnSp>
+        <p:nvCxnSpPr>
+          <p:cNvPr id="12" name="肘形接點 11"/>
+          <p:cNvCxnSpPr>
+            <a:stCxn id="10" idx="3"/>
+            <a:endCxn id="38" idx="1"/>
+          </p:cNvCxnSpPr>
+          <p:nvPr/>
+        </p:nvCxnSpPr>
+        <p:spPr>
+          <a:xfrm flipV="1">
+            <a:off x="7767484" y="1998952"/>
+            <a:ext cx="819075" cy="499549"/>
+          </a:xfrm>
+          <a:prstGeom prst="bentConnector3">
+            <a:avLst>
+              <a:gd name="adj1" fmla="val 50000"/>
+            </a:avLst>
+          </a:prstGeom>
+          <a:ln>
+            <a:tailEnd type="triangle"/>
+          </a:ln>
+        </p:spPr>
+        <p:style>
+          <a:lnRef idx="1">
+            <a:schemeClr val="accent1"/>
+          </a:lnRef>
+          <a:fillRef idx="0">
+            <a:schemeClr val="accent1"/>
+          </a:fillRef>
+          <a:effectRef idx="0">
+            <a:schemeClr val="accent1"/>
+          </a:effectRef>
+          <a:fontRef idx="minor">
+            <a:schemeClr val="tx1"/>
+          </a:fontRef>
+        </p:style>
+      </p:cxnSp>
+      <p:sp>
+        <p:nvSpPr>
+          <p:cNvPr id="21" name="文字方塊 20"/>
+          <p:cNvSpPr txBox="1"/>
+          <p:nvPr/>
+        </p:nvSpPr>
+        <p:spPr>
+          <a:xfrm>
+            <a:off x="7533887" y="3509542"/>
+            <a:ext cx="467194" cy="307777"/>
+          </a:xfrm>
+          <a:prstGeom prst="rect">
+            <a:avLst/>
+          </a:prstGeom>
+          <a:noFill/>
+        </p:spPr>
+        <p:txBody>
+          <a:bodyPr wrap="square" rtlCol="0">
+            <a:spAutoFit/>
+          </a:bodyPr>
+          <a:lstStyle/>
+          <a:p>
+            <a:r>
+              <a:rPr lang="en-US" altLang="zh-TW" sz="1400" dirty="0" smtClean="0"/>
+              <a:t>Yes</a:t>
+            </a:r>
+            <a:endParaRPr lang="zh-TW" altLang="en-US" sz="1400" dirty="0"/>
+          </a:p>
+        </p:txBody>
+      </p:sp>
+      <p:sp>
+        <p:nvSpPr>
+          <p:cNvPr id="22" name="文字方塊 21"/>
+          <p:cNvSpPr txBox="1"/>
+          <p:nvPr/>
+        </p:nvSpPr>
+        <p:spPr>
+          <a:xfrm>
+            <a:off x="7788928" y="2032141"/>
+            <a:ext cx="418033" cy="307777"/>
+          </a:xfrm>
+          <a:prstGeom prst="rect">
+            <a:avLst/>
+          </a:prstGeom>
+          <a:noFill/>
+        </p:spPr>
+        <p:txBody>
+          <a:bodyPr wrap="square" rtlCol="0">
+            <a:spAutoFit/>
+          </a:bodyPr>
+          <a:lstStyle/>
+          <a:p>
+            <a:r>
+              <a:rPr lang="en-US" altLang="zh-TW" sz="1400" dirty="0" smtClean="0"/>
+              <a:t>No</a:t>
+            </a:r>
+            <a:endParaRPr lang="zh-TW" altLang="en-US" sz="1400" dirty="0"/>
+          </a:p>
+        </p:txBody>
+      </p:sp>
+      <p:sp>
+        <p:nvSpPr>
+          <p:cNvPr id="25" name="橢圓 24"/>
+          <p:cNvSpPr/>
+          <p:nvPr/>
+        </p:nvSpPr>
+        <p:spPr>
+          <a:xfrm>
+            <a:off x="446379" y="2172593"/>
+            <a:ext cx="1410827" cy="651818"/>
+          </a:xfrm>
+          <a:prstGeom prst="ellipse">
+            <a:avLst/>
+          </a:prstGeom>
+          <a:noFill/>
+          <a:ln>
+            <a:solidFill>
+              <a:schemeClr val="accent2">
+                <a:lumMod val="60000"/>
+                <a:lumOff val="40000"/>
+              </a:schemeClr>
+            </a:solidFill>
+          </a:ln>
+        </p:spPr>
+        <p:style>
+          <a:lnRef idx="2">
+            <a:schemeClr val="accent1">
+              <a:shade val="50000"/>
+            </a:schemeClr>
+          </a:lnRef>
+          <a:fillRef idx="1">
+            <a:schemeClr val="accent1"/>
+          </a:fillRef>
+          <a:effectRef idx="0">
+            <a:schemeClr val="accent1"/>
+          </a:effectRef>
+          <a:fontRef idx="minor">
+            <a:schemeClr val="lt1"/>
+          </a:fontRef>
+        </p:style>
+        <p:txBody>
+          <a:bodyPr rtlCol="0" anchor="ctr"/>
+          <a:lstStyle/>
+          <a:p>
+            <a:pPr algn="ctr"/>
+            <a:r>
+              <a:rPr lang="zh-TW" altLang="en-US" sz="1600" dirty="0" smtClean="0">
+                <a:solidFill>
+                  <a:schemeClr val="tx1"/>
+                </a:solidFill>
+              </a:rPr>
+              <a:t>單字查詢</a:t>
+            </a:r>
+            <a:endParaRPr lang="zh-TW" altLang="en-US" sz="1600" dirty="0">
+              <a:solidFill>
+                <a:schemeClr val="tx1"/>
+              </a:solidFill>
+            </a:endParaRPr>
+          </a:p>
+        </p:txBody>
+      </p:sp>
+      <p:sp>
+        <p:nvSpPr>
+          <p:cNvPr id="38" name="矩形 37"/>
+          <p:cNvSpPr/>
+          <p:nvPr/>
+        </p:nvSpPr>
+        <p:spPr>
+          <a:xfrm>
+            <a:off x="8586559" y="1722851"/>
+            <a:ext cx="1216203" cy="552202"/>
+          </a:xfrm>
+          <a:prstGeom prst="rect">
+            <a:avLst/>
+          </a:prstGeom>
+          <a:noFill/>
+          <a:ln>
+            <a:solidFill>
+              <a:schemeClr val="accent1"/>
+            </a:solidFill>
+          </a:ln>
+        </p:spPr>
+        <p:style>
+          <a:lnRef idx="2">
+            <a:schemeClr val="accent1">
+              <a:shade val="50000"/>
+            </a:schemeClr>
+          </a:lnRef>
+          <a:fillRef idx="1">
+            <a:schemeClr val="accent1"/>
+          </a:fillRef>
+          <a:effectRef idx="0">
+            <a:schemeClr val="accent1"/>
+          </a:effectRef>
+          <a:fontRef idx="minor">
+            <a:schemeClr val="lt1"/>
+          </a:fontRef>
+        </p:style>
+        <p:txBody>
+          <a:bodyPr rtlCol="0" anchor="ctr"/>
+          <a:lstStyle/>
+          <a:p>
+            <a:pPr algn="ctr"/>
+            <a:r>
+              <a:rPr lang="zh-TW" altLang="en-US" sz="1600" dirty="0" smtClean="0">
+                <a:solidFill>
+                  <a:schemeClr val="tx1"/>
+                </a:solidFill>
+              </a:rPr>
+              <a:t>錯誤通報</a:t>
+            </a:r>
+            <a:endParaRPr lang="zh-TW" altLang="en-US" sz="1600" dirty="0">
+              <a:solidFill>
+                <a:schemeClr val="tx1"/>
+              </a:solidFill>
+            </a:endParaRPr>
+          </a:p>
+        </p:txBody>
+      </p:sp>
+      <p:sp>
+        <p:nvSpPr>
+          <p:cNvPr id="102" name="橢圓 101"/>
+          <p:cNvSpPr/>
+          <p:nvPr/>
+        </p:nvSpPr>
+        <p:spPr>
+          <a:xfrm>
+            <a:off x="10319575" y="1725570"/>
+            <a:ext cx="1390212" cy="549483"/>
+          </a:xfrm>
+          <a:prstGeom prst="ellipse">
+            <a:avLst/>
+          </a:prstGeom>
+          <a:noFill/>
+          <a:ln>
+            <a:solidFill>
+              <a:schemeClr val="accent2">
+                <a:lumMod val="60000"/>
+                <a:lumOff val="40000"/>
+              </a:schemeClr>
+            </a:solidFill>
+          </a:ln>
+        </p:spPr>
+        <p:style>
+          <a:lnRef idx="2">
+            <a:schemeClr val="accent1">
+              <a:shade val="50000"/>
+            </a:schemeClr>
+          </a:lnRef>
+          <a:fillRef idx="1">
+            <a:schemeClr val="accent1"/>
+          </a:fillRef>
+          <a:effectRef idx="0">
+            <a:schemeClr val="accent1"/>
+          </a:effectRef>
+          <a:fontRef idx="minor">
+            <a:schemeClr val="lt1"/>
+          </a:fontRef>
+        </p:style>
+        <p:txBody>
+          <a:bodyPr rtlCol="0" anchor="ctr"/>
+          <a:lstStyle/>
+          <a:p>
+            <a:pPr algn="ctr"/>
+            <a:r>
+              <a:rPr lang="zh-TW" altLang="en-US" sz="1600" dirty="0" smtClean="0">
+                <a:solidFill>
+                  <a:schemeClr val="tx1"/>
+                </a:solidFill>
+              </a:rPr>
+              <a:t>結束</a:t>
+            </a:r>
+            <a:endParaRPr lang="zh-TW" altLang="en-US" sz="1600" dirty="0">
+              <a:solidFill>
+                <a:schemeClr val="tx1"/>
+              </a:solidFill>
+            </a:endParaRPr>
+          </a:p>
+        </p:txBody>
+      </p:sp>
+      <p:sp>
+        <p:nvSpPr>
+          <p:cNvPr id="23" name="文字方塊 22"/>
+          <p:cNvSpPr txBox="1"/>
+          <p:nvPr/>
+        </p:nvSpPr>
+        <p:spPr>
+          <a:xfrm>
+            <a:off x="1857206" y="2191922"/>
+            <a:ext cx="509695" cy="276999"/>
+          </a:xfrm>
+          <a:prstGeom prst="rect">
+            <a:avLst/>
+          </a:prstGeom>
+          <a:noFill/>
+        </p:spPr>
+        <p:txBody>
+          <a:bodyPr wrap="square" rtlCol="0">
+            <a:spAutoFit/>
+          </a:bodyPr>
+          <a:lstStyle/>
+          <a:p>
+            <a:r>
+              <a:rPr lang="zh-TW" altLang="en-US" sz="1200" dirty="0" smtClean="0"/>
+              <a:t>送出</a:t>
+            </a:r>
+            <a:endParaRPr lang="zh-TW" altLang="en-US" sz="1200" dirty="0"/>
+          </a:p>
+        </p:txBody>
+      </p:sp>
+      <p:sp>
+        <p:nvSpPr>
+          <p:cNvPr id="33" name="矩形 32"/>
+          <p:cNvSpPr/>
+          <p:nvPr/>
+        </p:nvSpPr>
+        <p:spPr>
+          <a:xfrm>
+            <a:off x="2402070" y="1998952"/>
+            <a:ext cx="2504001" cy="999099"/>
+          </a:xfrm>
+          <a:prstGeom prst="rect">
+            <a:avLst/>
+          </a:prstGeom>
+          <a:noFill/>
+          <a:ln>
+            <a:solidFill>
+              <a:schemeClr val="accent1"/>
+            </a:solidFill>
+          </a:ln>
+        </p:spPr>
+        <p:style>
+          <a:lnRef idx="2">
+            <a:schemeClr val="accent1">
+              <a:shade val="50000"/>
+            </a:schemeClr>
+          </a:lnRef>
+          <a:fillRef idx="1">
+            <a:schemeClr val="accent1"/>
+          </a:fillRef>
+          <a:effectRef idx="0">
+            <a:schemeClr val="accent1"/>
+          </a:effectRef>
+          <a:fontRef idx="minor">
+            <a:schemeClr val="lt1"/>
+          </a:fontRef>
+        </p:style>
+        <p:txBody>
+          <a:bodyPr rtlCol="0" anchor="ctr"/>
+          <a:lstStyle/>
+          <a:p>
+            <a:pPr algn="ctr"/>
+            <a:r>
+              <a:rPr lang="zh-TW" altLang="en-US" sz="1600" dirty="0" smtClean="0">
+                <a:solidFill>
+                  <a:schemeClr val="tx1"/>
+                </a:solidFill>
+              </a:rPr>
+              <a:t>抓取</a:t>
+            </a:r>
+            <a:r>
+              <a:rPr lang="en-US" altLang="zh-TW" sz="1600" dirty="0" smtClean="0">
+                <a:solidFill>
+                  <a:schemeClr val="tx1"/>
+                </a:solidFill>
+              </a:rPr>
+              <a:t>Entry</a:t>
+            </a:r>
+            <a:r>
+              <a:rPr lang="zh-TW" altLang="en-US" sz="1600" dirty="0" smtClean="0">
+                <a:solidFill>
+                  <a:schemeClr val="tx1"/>
+                </a:solidFill>
+              </a:rPr>
+              <a:t>中的單字，英漢字典網頁查詢並爬回資料</a:t>
+            </a:r>
+            <a:endParaRPr lang="zh-TW" altLang="en-US" sz="1600" dirty="0">
+              <a:solidFill>
+                <a:schemeClr val="tx1"/>
+              </a:solidFill>
+            </a:endParaRPr>
+          </a:p>
+        </p:txBody>
+      </p:sp>
+      <p:cxnSp>
+        <p:nvCxnSpPr>
+          <p:cNvPr id="46" name="直線單箭頭接點 45"/>
+          <p:cNvCxnSpPr>
+            <a:stCxn id="33" idx="3"/>
+            <a:endCxn id="10" idx="1"/>
+          </p:cNvCxnSpPr>
+          <p:nvPr/>
+        </p:nvCxnSpPr>
+        <p:spPr>
+          <a:xfrm flipV="1">
+            <a:off x="4906071" y="2498501"/>
+            <a:ext cx="544864" cy="1"/>
+          </a:xfrm>
+          <a:prstGeom prst="straightConnector1">
+            <a:avLst/>
+          </a:prstGeom>
+          <a:ln>
+            <a:tailEnd type="triangle"/>
+          </a:ln>
+        </p:spPr>
+        <p:style>
+          <a:lnRef idx="1">
+            <a:schemeClr val="accent1"/>
+          </a:lnRef>
+          <a:fillRef idx="0">
+            <a:schemeClr val="accent1"/>
+          </a:fillRef>
+          <a:effectRef idx="0">
+            <a:schemeClr val="accent1"/>
+          </a:effectRef>
+          <a:fontRef idx="minor">
+            <a:schemeClr val="tx1"/>
+          </a:fontRef>
+        </p:style>
+      </p:cxnSp>
+      <p:cxnSp>
+        <p:nvCxnSpPr>
+          <p:cNvPr id="58" name="直線單箭頭接點 57"/>
+          <p:cNvCxnSpPr>
+            <a:stCxn id="38" idx="3"/>
+            <a:endCxn id="102" idx="2"/>
+          </p:cNvCxnSpPr>
+          <p:nvPr/>
+        </p:nvCxnSpPr>
+        <p:spPr>
+          <a:xfrm>
+            <a:off x="9802762" y="1998952"/>
+            <a:ext cx="516813" cy="1360"/>
+          </a:xfrm>
+          <a:prstGeom prst="straightConnector1">
+            <a:avLst/>
+          </a:prstGeom>
+          <a:ln>
+            <a:tailEnd type="triangle"/>
+          </a:ln>
+        </p:spPr>
+        <p:style>
+          <a:lnRef idx="1">
+            <a:schemeClr val="accent1"/>
+          </a:lnRef>
+          <a:fillRef idx="0">
+            <a:schemeClr val="accent1"/>
+          </a:fillRef>
+          <a:effectRef idx="0">
+            <a:schemeClr val="accent1"/>
+          </a:effectRef>
+          <a:fontRef idx="minor">
+            <a:schemeClr val="tx1"/>
+          </a:fontRef>
+        </p:style>
+      </p:cxnSp>
+      <p:cxnSp>
+        <p:nvCxnSpPr>
+          <p:cNvPr id="61" name="肘形接點 60"/>
+          <p:cNvCxnSpPr>
+            <a:stCxn id="10" idx="3"/>
+            <a:endCxn id="69" idx="3"/>
+          </p:cNvCxnSpPr>
+          <p:nvPr/>
+        </p:nvCxnSpPr>
+        <p:spPr>
+          <a:xfrm>
+            <a:off x="7767484" y="2498501"/>
+            <a:ext cx="2770962" cy="1324425"/>
+          </a:xfrm>
+          <a:prstGeom prst="bentConnector3">
+            <a:avLst>
+              <a:gd name="adj1" fmla="val 108250"/>
+            </a:avLst>
+          </a:prstGeom>
+          <a:ln>
+            <a:tailEnd type="triangle"/>
+          </a:ln>
+        </p:spPr>
+        <p:style>
+          <a:lnRef idx="1">
+            <a:schemeClr val="accent1"/>
+          </a:lnRef>
+          <a:fillRef idx="0">
+            <a:schemeClr val="accent1"/>
+          </a:fillRef>
+          <a:effectRef idx="0">
+            <a:schemeClr val="accent1"/>
+          </a:effectRef>
+          <a:fontRef idx="minor">
+            <a:schemeClr val="tx1"/>
+          </a:fontRef>
+        </p:style>
+      </p:cxnSp>
+      <p:sp>
+        <p:nvSpPr>
+          <p:cNvPr id="69" name="菱形 68"/>
+          <p:cNvSpPr/>
+          <p:nvPr/>
+        </p:nvSpPr>
+        <p:spPr>
+          <a:xfrm>
+            <a:off x="8221897" y="3046306"/>
+            <a:ext cx="2316549" cy="1553240"/>
+          </a:xfrm>
+          <a:prstGeom prst="diamond">
+            <a:avLst/>
+          </a:prstGeom>
+          <a:noFill/>
+          <a:ln>
+            <a:solidFill>
+              <a:srgbClr val="FF0000"/>
+            </a:solidFill>
+          </a:ln>
+        </p:spPr>
+        <p:style>
+          <a:lnRef idx="2">
+            <a:schemeClr val="accent1">
+              <a:shade val="50000"/>
+            </a:schemeClr>
+          </a:lnRef>
+          <a:fillRef idx="1">
+            <a:schemeClr val="accent1"/>
+          </a:fillRef>
+          <a:effectRef idx="0">
+            <a:schemeClr val="accent1"/>
+          </a:effectRef>
+          <a:fontRef idx="minor">
+            <a:schemeClr val="lt1"/>
+          </a:fontRef>
+        </p:style>
+        <p:txBody>
+          <a:bodyPr rtlCol="0" anchor="ctr"/>
+          <a:lstStyle/>
+          <a:p>
+            <a:pPr algn="ctr"/>
+            <a:r>
+              <a:rPr lang="zh-TW" altLang="en-US" sz="1600" dirty="0" smtClean="0">
+                <a:solidFill>
+                  <a:schemeClr val="tx1"/>
+                </a:solidFill>
+              </a:rPr>
+              <a:t>判斷送出但自是否已在資料表單中</a:t>
+            </a:r>
+            <a:endParaRPr lang="zh-TW" altLang="en-US" sz="1600" dirty="0">
+              <a:solidFill>
+                <a:schemeClr val="tx1"/>
+              </a:solidFill>
+            </a:endParaRPr>
+          </a:p>
+        </p:txBody>
+      </p:sp>
+      <p:cxnSp>
+        <p:nvCxnSpPr>
+          <p:cNvPr id="108" name="直線單箭頭接點 107"/>
+          <p:cNvCxnSpPr>
+            <a:stCxn id="69" idx="1"/>
+            <a:endCxn id="80" idx="3"/>
+          </p:cNvCxnSpPr>
+          <p:nvPr/>
+        </p:nvCxnSpPr>
+        <p:spPr>
+          <a:xfrm flipH="1" flipV="1">
+            <a:off x="6287648" y="3815136"/>
+            <a:ext cx="1934249" cy="7790"/>
+          </a:xfrm>
+          <a:prstGeom prst="straightConnector1">
+            <a:avLst/>
+          </a:prstGeom>
+          <a:ln>
+            <a:tailEnd type="triangle"/>
+          </a:ln>
+        </p:spPr>
+        <p:style>
+          <a:lnRef idx="1">
+            <a:schemeClr val="accent1"/>
+          </a:lnRef>
+          <a:fillRef idx="0">
+            <a:schemeClr val="accent1"/>
+          </a:fillRef>
+          <a:effectRef idx="0">
+            <a:schemeClr val="accent1"/>
+          </a:effectRef>
+          <a:fontRef idx="minor">
+            <a:schemeClr val="tx1"/>
+          </a:fontRef>
+        </p:style>
+      </p:cxnSp>
+      <p:sp>
+        <p:nvSpPr>
+          <p:cNvPr id="79" name="文字方塊 78"/>
+          <p:cNvSpPr txBox="1"/>
+          <p:nvPr/>
+        </p:nvSpPr>
+        <p:spPr>
+          <a:xfrm>
+            <a:off x="7367641" y="4250051"/>
+            <a:ext cx="418033" cy="307777"/>
+          </a:xfrm>
+          <a:prstGeom prst="rect">
+            <a:avLst/>
+          </a:prstGeom>
+          <a:noFill/>
+        </p:spPr>
+        <p:txBody>
+          <a:bodyPr wrap="square" rtlCol="0">
+            <a:spAutoFit/>
+          </a:bodyPr>
+          <a:lstStyle/>
+          <a:p>
+            <a:r>
+              <a:rPr lang="en-US" altLang="zh-TW" sz="1400" dirty="0" smtClean="0"/>
+              <a:t>No</a:t>
+            </a:r>
+            <a:endParaRPr lang="zh-TW" altLang="en-US" sz="1400" dirty="0"/>
+          </a:p>
+        </p:txBody>
+      </p:sp>
+      <p:sp>
+        <p:nvSpPr>
+          <p:cNvPr id="80" name="矩形 79"/>
+          <p:cNvSpPr/>
+          <p:nvPr/>
+        </p:nvSpPr>
+        <p:spPr>
+          <a:xfrm>
+            <a:off x="2645270" y="3497600"/>
+            <a:ext cx="3642378" cy="635072"/>
+          </a:xfrm>
+          <a:prstGeom prst="rect">
+            <a:avLst/>
+          </a:prstGeom>
+          <a:noFill/>
+          <a:ln>
+            <a:solidFill>
+              <a:schemeClr val="accent1"/>
+            </a:solidFill>
+          </a:ln>
+        </p:spPr>
+        <p:style>
+          <a:lnRef idx="2">
+            <a:schemeClr val="accent1">
+              <a:shade val="50000"/>
+            </a:schemeClr>
+          </a:lnRef>
+          <a:fillRef idx="1">
+            <a:schemeClr val="accent1"/>
+          </a:fillRef>
+          <a:effectRef idx="0">
+            <a:schemeClr val="accent1"/>
+          </a:effectRef>
+          <a:fontRef idx="minor">
+            <a:schemeClr val="lt1"/>
+          </a:fontRef>
+        </p:style>
+        <p:txBody>
+          <a:bodyPr rtlCol="0" anchor="ctr"/>
+          <a:lstStyle/>
+          <a:p>
+            <a:r>
+              <a:rPr lang="en-US" altLang="zh-TW" sz="1600" dirty="0" smtClean="0">
+                <a:solidFill>
+                  <a:schemeClr val="tx1"/>
+                </a:solidFill>
+              </a:rPr>
+              <a:t>1.</a:t>
+            </a:r>
+            <a:r>
+              <a:rPr lang="zh-TW" altLang="en-US" sz="1600" dirty="0" smtClean="0">
+                <a:solidFill>
+                  <a:schemeClr val="tx1"/>
+                </a:solidFill>
+              </a:rPr>
+              <a:t>新增操作</a:t>
+            </a:r>
+            <a:r>
+              <a:rPr lang="zh-TW" altLang="en-US" sz="1600" dirty="0">
+                <a:solidFill>
+                  <a:schemeClr val="tx1"/>
+                </a:solidFill>
+              </a:rPr>
+              <a:t>略</a:t>
+            </a:r>
+            <a:r>
+              <a:rPr lang="zh-TW" altLang="en-US" sz="1600" dirty="0" smtClean="0">
+                <a:solidFill>
+                  <a:schemeClr val="tx1"/>
+                </a:solidFill>
+              </a:rPr>
+              <a:t>過</a:t>
+            </a:r>
+            <a:endParaRPr lang="en-US" altLang="zh-TW" sz="1600" dirty="0">
+              <a:solidFill>
+                <a:schemeClr val="tx1"/>
+              </a:solidFill>
+            </a:endParaRPr>
+          </a:p>
+          <a:p>
+            <a:r>
+              <a:rPr lang="en-US" altLang="zh-TW" sz="1600" dirty="0" smtClean="0">
+                <a:solidFill>
+                  <a:schemeClr val="tx1"/>
+                </a:solidFill>
+              </a:rPr>
+              <a:t>2.</a:t>
+            </a:r>
+            <a:r>
+              <a:rPr lang="zh-TW" altLang="en-US" sz="1600" dirty="0" smtClean="0">
+                <a:solidFill>
+                  <a:schemeClr val="tx1"/>
+                </a:solidFill>
+              </a:rPr>
+              <a:t>鋪陳資料至介面中</a:t>
+            </a:r>
+            <a:endParaRPr lang="zh-TW" altLang="en-US" sz="1600" dirty="0">
+              <a:solidFill>
+                <a:schemeClr val="tx1"/>
+              </a:solidFill>
+            </a:endParaRPr>
+          </a:p>
+        </p:txBody>
+      </p:sp>
+      <p:cxnSp>
+        <p:nvCxnSpPr>
+          <p:cNvPr id="113" name="肘形接點 112"/>
+          <p:cNvCxnSpPr>
+            <a:stCxn id="69" idx="1"/>
+            <a:endCxn id="86" idx="3"/>
+          </p:cNvCxnSpPr>
+          <p:nvPr/>
+        </p:nvCxnSpPr>
+        <p:spPr>
+          <a:xfrm rot="10800000" flipV="1">
+            <a:off x="6292173" y="3822925"/>
+            <a:ext cx="1929725" cy="1451345"/>
+          </a:xfrm>
+          <a:prstGeom prst="bentConnector3">
+            <a:avLst/>
+          </a:prstGeom>
+          <a:ln>
+            <a:tailEnd type="triangle"/>
+          </a:ln>
+        </p:spPr>
+        <p:style>
+          <a:lnRef idx="1">
+            <a:schemeClr val="accent1"/>
+          </a:lnRef>
+          <a:fillRef idx="0">
+            <a:schemeClr val="accent1"/>
+          </a:fillRef>
+          <a:effectRef idx="0">
+            <a:schemeClr val="accent1"/>
+          </a:effectRef>
+          <a:fontRef idx="minor">
+            <a:schemeClr val="tx1"/>
+          </a:fontRef>
+        </p:style>
+      </p:cxnSp>
+      <p:sp>
+        <p:nvSpPr>
+          <p:cNvPr id="86" name="矩形 85"/>
+          <p:cNvSpPr/>
+          <p:nvPr/>
+        </p:nvSpPr>
+        <p:spPr>
+          <a:xfrm>
+            <a:off x="1927123" y="4777007"/>
+            <a:ext cx="4365049" cy="994528"/>
+          </a:xfrm>
+          <a:prstGeom prst="rect">
+            <a:avLst/>
+          </a:prstGeom>
+          <a:noFill/>
+          <a:ln>
+            <a:solidFill>
+              <a:schemeClr val="accent1"/>
+            </a:solidFill>
+          </a:ln>
+        </p:spPr>
+        <p:style>
+          <a:lnRef idx="2">
+            <a:schemeClr val="accent1">
+              <a:shade val="50000"/>
+            </a:schemeClr>
+          </a:lnRef>
+          <a:fillRef idx="1">
+            <a:schemeClr val="accent1"/>
+          </a:fillRef>
+          <a:effectRef idx="0">
+            <a:schemeClr val="accent1"/>
+          </a:effectRef>
+          <a:fontRef idx="minor">
+            <a:schemeClr val="lt1"/>
+          </a:fontRef>
+        </p:style>
+        <p:txBody>
+          <a:bodyPr rtlCol="0" anchor="ctr"/>
+          <a:lstStyle/>
+          <a:p>
+            <a:r>
+              <a:rPr lang="en-US" altLang="zh-TW" sz="1600" dirty="0" smtClean="0">
+                <a:solidFill>
+                  <a:schemeClr val="tx1"/>
+                </a:solidFill>
+              </a:rPr>
+              <a:t>1.</a:t>
+            </a:r>
+            <a:r>
+              <a:rPr lang="zh-TW" altLang="en-US" sz="1600" dirty="0" smtClean="0">
+                <a:solidFill>
+                  <a:schemeClr val="tx1"/>
+                </a:solidFill>
+              </a:rPr>
+              <a:t>新增單字及搜尋到的資料至資料表單中儲存</a:t>
+            </a:r>
+            <a:endParaRPr lang="en-US" altLang="zh-TW" sz="1600" dirty="0" smtClean="0">
+              <a:solidFill>
+                <a:schemeClr val="tx1"/>
+              </a:solidFill>
+            </a:endParaRPr>
+          </a:p>
+          <a:p>
+            <a:r>
+              <a:rPr lang="en-US" altLang="zh-TW" sz="1600" dirty="0" smtClean="0">
+                <a:solidFill>
+                  <a:schemeClr val="tx1"/>
+                </a:solidFill>
+              </a:rPr>
+              <a:t>2.</a:t>
+            </a:r>
+            <a:r>
+              <a:rPr lang="zh-TW" altLang="en-US" sz="1600" dirty="0" smtClean="0">
+                <a:solidFill>
+                  <a:schemeClr val="tx1"/>
+                </a:solidFill>
+              </a:rPr>
+              <a:t>鋪陳資料至介面中</a:t>
+            </a:r>
+            <a:endParaRPr lang="zh-TW" altLang="en-US" sz="1600" dirty="0">
+              <a:solidFill>
+                <a:schemeClr val="tx1"/>
+              </a:solidFill>
+            </a:endParaRPr>
+          </a:p>
+        </p:txBody>
+      </p:sp>
+      <p:sp>
+        <p:nvSpPr>
+          <p:cNvPr id="89" name="文字方塊 88"/>
+          <p:cNvSpPr txBox="1"/>
+          <p:nvPr/>
+        </p:nvSpPr>
+        <p:spPr>
+          <a:xfrm>
+            <a:off x="10690338" y="3056725"/>
+            <a:ext cx="467194" cy="307777"/>
+          </a:xfrm>
+          <a:prstGeom prst="rect">
+            <a:avLst/>
+          </a:prstGeom>
+          <a:noFill/>
+        </p:spPr>
+        <p:txBody>
+          <a:bodyPr wrap="square" rtlCol="0">
+            <a:spAutoFit/>
+          </a:bodyPr>
+          <a:lstStyle/>
+          <a:p>
+            <a:r>
+              <a:rPr lang="en-US" altLang="zh-TW" sz="1400" dirty="0" smtClean="0"/>
+              <a:t>Yes</a:t>
+            </a:r>
+            <a:endParaRPr lang="zh-TW" altLang="en-US" sz="1400" dirty="0"/>
+          </a:p>
+        </p:txBody>
+      </p:sp>
+    </p:spTree>
+    <p:extLst>
+      <p:ext uri="{BB962C8B-B14F-4D97-AF65-F5344CB8AC3E}">
+        <p14:creationId xmlns:p14="http://schemas.microsoft.com/office/powerpoint/2010/main" val="268027394"/>
+      </p:ext>
+    </p:extLst>
+  </p:cSld>
+  <p:clrMapOvr>
+    <a:masterClrMapping/>
+  </p:clrMapOvr>
+  <p:timing>
+    <p:tnLst>
+      <p:par>
+        <p:cTn id="1" dur="indefinite" restart="never" nodeType="tmRoot"/>
+      </p:par>
+    </p:tnLst>
+  </p:timing>
+</p:sld>
+</file>
+
+<file path=ppt/slides/slide4.xml><?xml version="1.0" encoding="utf-8"?>
+<p:sld xmlns:a="http://schemas.openxmlformats.org/drawingml/2006/main" xmlns:r="http://schemas.openxmlformats.org/officeDocument/2006/relationships" xmlns:p="http://schemas.openxmlformats.org/presentationml/2006/main">
+  <p:cSld>
+    <p:spTree>
+      <p:nvGrpSpPr>
+        <p:cNvPr id="1" name=""/>
+        <p:cNvGrpSpPr/>
+        <p:nvPr/>
+      </p:nvGrpSpPr>
+      <p:grpSpPr>
+        <a:xfrm>
+          <a:off x="0" y="0"/>
+          <a:ext cx="0" cy="0"/>
+          <a:chOff x="0" y="0"/>
+          <a:chExt cx="0" cy="0"/>
+        </a:xfrm>
+      </p:grpSpPr>
+      <p:sp>
+        <p:nvSpPr>
+          <p:cNvPr id="9" name="圓角矩形 8"/>
+          <p:cNvSpPr/>
+          <p:nvPr/>
+        </p:nvSpPr>
+        <p:spPr>
+          <a:xfrm>
+            <a:off x="157316" y="943898"/>
+            <a:ext cx="11847871" cy="5673212"/>
+          </a:xfrm>
+          <a:prstGeom prst="roundRect">
+            <a:avLst/>
+          </a:prstGeom>
+          <a:noFill/>
+          <a:ln>
+            <a:solidFill>
+              <a:srgbClr val="FF0000"/>
+            </a:solidFill>
+          </a:ln>
+        </p:spPr>
+        <p:style>
+          <a:lnRef idx="2">
+            <a:schemeClr val="accent1">
+              <a:shade val="50000"/>
+            </a:schemeClr>
+          </a:lnRef>
+          <a:fillRef idx="1">
+            <a:schemeClr val="accent1"/>
+          </a:fillRef>
+          <a:effectRef idx="0">
+            <a:schemeClr val="accent1"/>
+          </a:effectRef>
+          <a:fontRef idx="minor">
+            <a:schemeClr val="lt1"/>
+          </a:fontRef>
+        </p:style>
+        <p:txBody>
+          <a:bodyPr rtlCol="0" anchor="ctr">
+            <a:prstTxWarp prst="textSlantDown">
+              <a:avLst/>
+            </a:prstTxWarp>
+          </a:bodyPr>
+          <a:lstStyle/>
+          <a:p>
+            <a:pPr algn="ctr"/>
+            <a:r>
+              <a:rPr lang="zh-TW" altLang="en-US" sz="10000" dirty="0" smtClean="0">
+                <a:solidFill>
+                  <a:schemeClr val="tx1">
+                    <a:alpha val="5000"/>
+                  </a:schemeClr>
+                </a:solidFill>
+              </a:rPr>
+              <a:t>資料</a:t>
+            </a:r>
+            <a:r>
+              <a:rPr lang="zh-TW" altLang="en-US" sz="10000" dirty="0">
+                <a:solidFill>
+                  <a:schemeClr val="tx1">
+                    <a:alpha val="5000"/>
+                  </a:schemeClr>
+                </a:solidFill>
+              </a:rPr>
+              <a:t>查詢</a:t>
+            </a:r>
+            <a:r>
+              <a:rPr lang="zh-TW" altLang="en-US" sz="10000" dirty="0" smtClean="0">
+                <a:solidFill>
+                  <a:schemeClr val="tx1">
+                    <a:alpha val="5000"/>
+                  </a:schemeClr>
+                </a:solidFill>
+              </a:rPr>
+              <a:t>流程</a:t>
+            </a:r>
+            <a:endParaRPr lang="zh-TW" altLang="en-US" sz="10000" dirty="0">
+              <a:solidFill>
+                <a:schemeClr val="tx1">
+                  <a:alpha val="5000"/>
+                </a:schemeClr>
+              </a:solidFill>
+            </a:endParaRPr>
+          </a:p>
+        </p:txBody>
+      </p:sp>
+      <p:sp>
+        <p:nvSpPr>
+          <p:cNvPr id="3" name="副標題 2"/>
+          <p:cNvSpPr>
+            <a:spLocks noGrp="1"/>
+          </p:cNvSpPr>
+          <p:nvPr>
+            <p:ph type="subTitle" idx="1"/>
+          </p:nvPr>
+        </p:nvSpPr>
+        <p:spPr>
+          <a:xfrm>
+            <a:off x="1500249" y="47501"/>
+            <a:ext cx="9144000" cy="694707"/>
+          </a:xfrm>
+        </p:spPr>
+        <p:txBody>
+          <a:bodyPr>
+            <a:noAutofit/>
+          </a:bodyPr>
+          <a:lstStyle/>
+          <a:p>
+            <a:r>
+              <a:rPr lang="zh-TW" altLang="en-US" sz="5000" dirty="0" smtClean="0">
+                <a:solidFill>
+                  <a:srgbClr val="FF0000"/>
+                </a:solidFill>
+              </a:rPr>
+              <a:t>資料庫</a:t>
+            </a:r>
+            <a:r>
+              <a:rPr lang="en-US" altLang="zh-TW" sz="5000" dirty="0" smtClean="0">
+                <a:solidFill>
+                  <a:srgbClr val="FF0000"/>
+                </a:solidFill>
+              </a:rPr>
+              <a:t>『</a:t>
+            </a:r>
+            <a:r>
+              <a:rPr lang="zh-TW" altLang="en-US" sz="5000" dirty="0" smtClean="0">
+                <a:solidFill>
+                  <a:srgbClr val="FF0000"/>
+                </a:solidFill>
+              </a:rPr>
+              <a:t>資料查詢</a:t>
+            </a:r>
+            <a:r>
+              <a:rPr lang="en-US" altLang="zh-TW" sz="5000" dirty="0" smtClean="0">
+                <a:solidFill>
+                  <a:srgbClr val="FF0000"/>
+                </a:solidFill>
+              </a:rPr>
+              <a:t>』</a:t>
+            </a:r>
+            <a:r>
+              <a:rPr lang="zh-TW" altLang="en-US" sz="5000" dirty="0">
+                <a:solidFill>
+                  <a:srgbClr val="FF0000"/>
+                </a:solidFill>
+              </a:rPr>
+              <a:t>流程</a:t>
+            </a:r>
+            <a:endParaRPr lang="zh-TW" altLang="en-US" sz="5000" dirty="0">
+              <a:solidFill>
+                <a:srgbClr val="FF0000"/>
+              </a:solidFill>
+            </a:endParaRPr>
+          </a:p>
+        </p:txBody>
+      </p:sp>
+      <p:sp>
+        <p:nvSpPr>
+          <p:cNvPr id="25" name="橢圓 24"/>
+          <p:cNvSpPr/>
+          <p:nvPr/>
+        </p:nvSpPr>
+        <p:spPr>
+          <a:xfrm>
+            <a:off x="2419609" y="1782141"/>
+            <a:ext cx="2650782" cy="651818"/>
+          </a:xfrm>
+          <a:prstGeom prst="ellipse">
+            <a:avLst/>
+          </a:prstGeom>
+          <a:noFill/>
+          <a:ln>
+            <a:solidFill>
+              <a:schemeClr val="accent2">
+                <a:lumMod val="60000"/>
+                <a:lumOff val="40000"/>
+              </a:schemeClr>
+            </a:solidFill>
+          </a:ln>
+        </p:spPr>
+        <p:style>
+          <a:lnRef idx="2">
+            <a:schemeClr val="accent1">
+              <a:shade val="50000"/>
+            </a:schemeClr>
+          </a:lnRef>
+          <a:fillRef idx="1">
+            <a:schemeClr val="accent1"/>
+          </a:fillRef>
+          <a:effectRef idx="0">
+            <a:schemeClr val="accent1"/>
+          </a:effectRef>
+          <a:fontRef idx="minor">
+            <a:schemeClr val="lt1"/>
+          </a:fontRef>
+        </p:style>
+        <p:txBody>
+          <a:bodyPr rtlCol="0" anchor="ctr"/>
+          <a:lstStyle/>
+          <a:p>
+            <a:pPr algn="ctr"/>
+            <a:r>
+              <a:rPr lang="en-US" altLang="zh-TW" sz="1600" dirty="0" smtClean="0">
+                <a:solidFill>
+                  <a:schemeClr val="tx1"/>
+                </a:solidFill>
+              </a:rPr>
+              <a:t>『</a:t>
+            </a:r>
+            <a:r>
+              <a:rPr lang="zh-TW" altLang="en-US" sz="1600" dirty="0">
+                <a:solidFill>
+                  <a:schemeClr val="tx1"/>
+                </a:solidFill>
+              </a:rPr>
+              <a:t>已</a:t>
+            </a:r>
+            <a:r>
+              <a:rPr lang="zh-TW" altLang="en-US" sz="1600" dirty="0" smtClean="0">
+                <a:solidFill>
+                  <a:schemeClr val="tx1"/>
+                </a:solidFill>
+              </a:rPr>
+              <a:t>學習</a:t>
+            </a:r>
+            <a:r>
+              <a:rPr lang="en-US" altLang="zh-TW" sz="1600" dirty="0">
+                <a:solidFill>
+                  <a:schemeClr val="tx1"/>
+                </a:solidFill>
+              </a:rPr>
+              <a:t>』</a:t>
+            </a:r>
+            <a:r>
+              <a:rPr lang="zh-TW" altLang="en-US" sz="1600" dirty="0" smtClean="0">
+                <a:solidFill>
+                  <a:schemeClr val="tx1"/>
+                </a:solidFill>
+              </a:rPr>
+              <a:t>頁</a:t>
+            </a:r>
+            <a:r>
+              <a:rPr lang="zh-TW" altLang="en-US" sz="1600" dirty="0">
+                <a:solidFill>
+                  <a:schemeClr val="tx1"/>
+                </a:solidFill>
+              </a:rPr>
+              <a:t>面</a:t>
+            </a:r>
+          </a:p>
+        </p:txBody>
+      </p:sp>
+      <p:sp>
+        <p:nvSpPr>
+          <p:cNvPr id="102" name="橢圓 101"/>
+          <p:cNvSpPr/>
+          <p:nvPr/>
+        </p:nvSpPr>
+        <p:spPr>
+          <a:xfrm>
+            <a:off x="9522105" y="1777255"/>
+            <a:ext cx="1863649" cy="656704"/>
+          </a:xfrm>
+          <a:prstGeom prst="ellipse">
+            <a:avLst/>
+          </a:prstGeom>
+          <a:noFill/>
+          <a:ln>
+            <a:solidFill>
+              <a:schemeClr val="accent2">
+                <a:lumMod val="60000"/>
+                <a:lumOff val="40000"/>
+              </a:schemeClr>
+            </a:solidFill>
+          </a:ln>
+        </p:spPr>
+        <p:style>
+          <a:lnRef idx="2">
+            <a:schemeClr val="accent1">
+              <a:shade val="50000"/>
+            </a:schemeClr>
+          </a:lnRef>
+          <a:fillRef idx="1">
+            <a:schemeClr val="accent1"/>
+          </a:fillRef>
+          <a:effectRef idx="0">
+            <a:schemeClr val="accent1"/>
+          </a:effectRef>
+          <a:fontRef idx="minor">
+            <a:schemeClr val="lt1"/>
+          </a:fontRef>
+        </p:style>
+        <p:txBody>
+          <a:bodyPr rtlCol="0" anchor="ctr"/>
+          <a:lstStyle/>
+          <a:p>
+            <a:pPr algn="ctr"/>
+            <a:r>
+              <a:rPr lang="zh-TW" altLang="en-US" sz="1600" dirty="0" smtClean="0">
+                <a:solidFill>
+                  <a:schemeClr val="tx1"/>
+                </a:solidFill>
+              </a:rPr>
+              <a:t>結束</a:t>
+            </a:r>
+            <a:endParaRPr lang="zh-TW" altLang="en-US" sz="1600" dirty="0">
+              <a:solidFill>
+                <a:schemeClr val="tx1"/>
+              </a:solidFill>
+            </a:endParaRPr>
+          </a:p>
+        </p:txBody>
+      </p:sp>
+      <p:sp>
+        <p:nvSpPr>
+          <p:cNvPr id="33" name="矩形 32"/>
+          <p:cNvSpPr/>
+          <p:nvPr/>
+        </p:nvSpPr>
+        <p:spPr>
+          <a:xfrm>
+            <a:off x="5931092" y="1616359"/>
+            <a:ext cx="2878612" cy="983197"/>
+          </a:xfrm>
+          <a:prstGeom prst="rect">
+            <a:avLst/>
+          </a:prstGeom>
+          <a:noFill/>
+          <a:ln>
+            <a:solidFill>
+              <a:schemeClr val="accent1"/>
+            </a:solidFill>
+          </a:ln>
+        </p:spPr>
+        <p:style>
+          <a:lnRef idx="2">
+            <a:schemeClr val="accent1">
+              <a:shade val="50000"/>
+            </a:schemeClr>
+          </a:lnRef>
+          <a:fillRef idx="1">
+            <a:schemeClr val="accent1"/>
+          </a:fillRef>
+          <a:effectRef idx="0">
+            <a:schemeClr val="accent1"/>
+          </a:effectRef>
+          <a:fontRef idx="minor">
+            <a:schemeClr val="lt1"/>
+          </a:fontRef>
+        </p:style>
+        <p:txBody>
+          <a:bodyPr rtlCol="0" anchor="ctr"/>
+          <a:lstStyle/>
+          <a:p>
+            <a:r>
+              <a:rPr lang="en-US" altLang="zh-TW" sz="1600" dirty="0" smtClean="0">
+                <a:solidFill>
+                  <a:schemeClr val="tx1"/>
+                </a:solidFill>
+              </a:rPr>
+              <a:t>1.</a:t>
+            </a:r>
+            <a:r>
+              <a:rPr lang="zh-TW" altLang="en-US" sz="1600" dirty="0" smtClean="0">
+                <a:solidFill>
+                  <a:schemeClr val="tx1"/>
+                </a:solidFill>
+              </a:rPr>
+              <a:t>將資料庫中所有單字抓出</a:t>
+            </a:r>
+            <a:endParaRPr lang="en-US" altLang="zh-TW" sz="1600" dirty="0" smtClean="0">
+              <a:solidFill>
+                <a:schemeClr val="tx1"/>
+              </a:solidFill>
+            </a:endParaRPr>
+          </a:p>
+          <a:p>
+            <a:r>
+              <a:rPr lang="en-US" altLang="zh-TW" sz="1600" dirty="0" smtClean="0">
+                <a:solidFill>
+                  <a:schemeClr val="tx1"/>
+                </a:solidFill>
+              </a:rPr>
+              <a:t>2.</a:t>
+            </a:r>
+            <a:r>
+              <a:rPr lang="zh-TW" altLang="en-US" sz="1600" dirty="0" smtClean="0">
+                <a:solidFill>
+                  <a:schemeClr val="tx1"/>
+                </a:solidFill>
+              </a:rPr>
+              <a:t>單字依照字母順序排序</a:t>
+            </a:r>
+            <a:endParaRPr lang="en-US" altLang="zh-TW" sz="1600" dirty="0" smtClean="0">
+              <a:solidFill>
+                <a:schemeClr val="tx1"/>
+              </a:solidFill>
+            </a:endParaRPr>
+          </a:p>
+          <a:p>
+            <a:r>
+              <a:rPr lang="en-US" altLang="zh-TW" sz="1600" dirty="0" smtClean="0">
+                <a:solidFill>
+                  <a:schemeClr val="tx1"/>
+                </a:solidFill>
+              </a:rPr>
+              <a:t>3.</a:t>
+            </a:r>
+            <a:r>
+              <a:rPr lang="zh-TW" altLang="en-US" sz="1600" dirty="0" smtClean="0">
+                <a:solidFill>
+                  <a:schemeClr val="tx1"/>
+                </a:solidFill>
+              </a:rPr>
+              <a:t>鋪陳至介面中</a:t>
+            </a:r>
+            <a:endParaRPr lang="zh-TW" altLang="en-US" sz="1600" dirty="0">
+              <a:solidFill>
+                <a:schemeClr val="tx1"/>
+              </a:solidFill>
+            </a:endParaRPr>
+          </a:p>
+        </p:txBody>
+      </p:sp>
+      <p:cxnSp>
+        <p:nvCxnSpPr>
+          <p:cNvPr id="58" name="直線單箭頭接點 57"/>
+          <p:cNvCxnSpPr>
+            <a:stCxn id="25" idx="6"/>
+            <a:endCxn id="33" idx="1"/>
+          </p:cNvCxnSpPr>
+          <p:nvPr/>
+        </p:nvCxnSpPr>
+        <p:spPr>
+          <a:xfrm flipV="1">
+            <a:off x="5070391" y="2107958"/>
+            <a:ext cx="860701" cy="92"/>
+          </a:xfrm>
+          <a:prstGeom prst="straightConnector1">
+            <a:avLst/>
+          </a:prstGeom>
+          <a:ln>
+            <a:tailEnd type="triangle"/>
+          </a:ln>
+        </p:spPr>
+        <p:style>
+          <a:lnRef idx="1">
+            <a:schemeClr val="accent1"/>
+          </a:lnRef>
+          <a:fillRef idx="0">
+            <a:schemeClr val="accent1"/>
+          </a:fillRef>
+          <a:effectRef idx="0">
+            <a:schemeClr val="accent1"/>
+          </a:effectRef>
+          <a:fontRef idx="minor">
+            <a:schemeClr val="tx1"/>
+          </a:fontRef>
+        </p:style>
+      </p:cxnSp>
+      <p:sp>
+        <p:nvSpPr>
+          <p:cNvPr id="27" name="文字方塊 26"/>
+          <p:cNvSpPr txBox="1"/>
+          <p:nvPr/>
+        </p:nvSpPr>
+        <p:spPr>
+          <a:xfrm>
+            <a:off x="5112201" y="1804307"/>
+            <a:ext cx="631603" cy="307777"/>
+          </a:xfrm>
+          <a:prstGeom prst="rect">
+            <a:avLst/>
+          </a:prstGeom>
+          <a:noFill/>
+        </p:spPr>
+        <p:txBody>
+          <a:bodyPr wrap="square" rtlCol="0">
+            <a:spAutoFit/>
+          </a:bodyPr>
+          <a:lstStyle/>
+          <a:p>
+            <a:r>
+              <a:rPr lang="zh-TW" altLang="en-US" sz="1400" dirty="0"/>
+              <a:t>點擊</a:t>
+            </a:r>
+            <a:endParaRPr lang="zh-TW" altLang="en-US" sz="1400" dirty="0"/>
+          </a:p>
+        </p:txBody>
+      </p:sp>
+      <p:cxnSp>
+        <p:nvCxnSpPr>
+          <p:cNvPr id="14" name="直線單箭頭接點 13"/>
+          <p:cNvCxnSpPr>
+            <a:stCxn id="33" idx="3"/>
+            <a:endCxn id="102" idx="2"/>
+          </p:cNvCxnSpPr>
+          <p:nvPr/>
+        </p:nvCxnSpPr>
+        <p:spPr>
+          <a:xfrm flipV="1">
+            <a:off x="8809704" y="2105607"/>
+            <a:ext cx="712401" cy="2351"/>
+          </a:xfrm>
+          <a:prstGeom prst="straightConnector1">
+            <a:avLst/>
+          </a:prstGeom>
+          <a:ln>
+            <a:tailEnd type="triangle"/>
+          </a:ln>
+        </p:spPr>
+        <p:style>
+          <a:lnRef idx="1">
+            <a:schemeClr val="accent1"/>
+          </a:lnRef>
+          <a:fillRef idx="0">
+            <a:schemeClr val="accent1"/>
+          </a:fillRef>
+          <a:effectRef idx="0">
+            <a:schemeClr val="accent1"/>
+          </a:effectRef>
+          <a:fontRef idx="minor">
+            <a:schemeClr val="tx1"/>
+          </a:fontRef>
+        </p:style>
+      </p:cxnSp>
+      <p:sp>
+        <p:nvSpPr>
+          <p:cNvPr id="19" name="文字方塊 18"/>
+          <p:cNvSpPr txBox="1"/>
+          <p:nvPr/>
+        </p:nvSpPr>
+        <p:spPr>
+          <a:xfrm>
+            <a:off x="438705" y="1867080"/>
+            <a:ext cx="1980904" cy="477054"/>
+          </a:xfrm>
+          <a:prstGeom prst="rect">
+            <a:avLst/>
+          </a:prstGeom>
+          <a:noFill/>
+        </p:spPr>
+        <p:txBody>
+          <a:bodyPr wrap="square" rtlCol="0">
+            <a:spAutoFit/>
+          </a:bodyPr>
+          <a:lstStyle/>
+          <a:p>
+            <a:r>
+              <a:rPr lang="zh-TW" altLang="en-US" sz="2500" dirty="0" smtClean="0">
+                <a:solidFill>
+                  <a:srgbClr val="FF0000"/>
+                </a:solidFill>
+              </a:rPr>
+              <a:t>全資料查詢：</a:t>
+            </a:r>
+            <a:endParaRPr lang="zh-TW" altLang="en-US" sz="2500" dirty="0">
+              <a:solidFill>
+                <a:srgbClr val="FF0000"/>
+              </a:solidFill>
+            </a:endParaRPr>
+          </a:p>
+        </p:txBody>
+      </p:sp>
+      <p:sp>
+        <p:nvSpPr>
+          <p:cNvPr id="39" name="文字方塊 38"/>
+          <p:cNvSpPr txBox="1"/>
+          <p:nvPr/>
+        </p:nvSpPr>
+        <p:spPr>
+          <a:xfrm>
+            <a:off x="438705" y="4611676"/>
+            <a:ext cx="1980904" cy="477054"/>
+          </a:xfrm>
+          <a:prstGeom prst="rect">
+            <a:avLst/>
+          </a:prstGeom>
+          <a:noFill/>
+        </p:spPr>
+        <p:txBody>
+          <a:bodyPr wrap="square" rtlCol="0">
+            <a:spAutoFit/>
+          </a:bodyPr>
+          <a:lstStyle/>
+          <a:p>
+            <a:r>
+              <a:rPr lang="zh-TW" altLang="en-US" sz="2500" dirty="0" smtClean="0">
+                <a:solidFill>
+                  <a:srgbClr val="FF0000"/>
+                </a:solidFill>
+              </a:rPr>
+              <a:t>單資</a:t>
+            </a:r>
+            <a:r>
+              <a:rPr lang="zh-TW" altLang="en-US" sz="2500" dirty="0">
+                <a:solidFill>
+                  <a:srgbClr val="FF0000"/>
+                </a:solidFill>
+              </a:rPr>
+              <a:t>料</a:t>
+            </a:r>
+            <a:r>
+              <a:rPr lang="zh-TW" altLang="en-US" sz="2500" dirty="0" smtClean="0">
+                <a:solidFill>
+                  <a:srgbClr val="FF0000"/>
+                </a:solidFill>
+              </a:rPr>
+              <a:t>查詢：</a:t>
+            </a:r>
+            <a:endParaRPr lang="zh-TW" altLang="en-US" sz="2500" dirty="0">
+              <a:solidFill>
+                <a:srgbClr val="FF0000"/>
+              </a:solidFill>
+            </a:endParaRPr>
+          </a:p>
+        </p:txBody>
+      </p:sp>
+      <p:sp>
+        <p:nvSpPr>
+          <p:cNvPr id="40" name="橢圓 39"/>
+          <p:cNvSpPr/>
+          <p:nvPr/>
+        </p:nvSpPr>
+        <p:spPr>
+          <a:xfrm>
+            <a:off x="2326203" y="4520260"/>
+            <a:ext cx="1803345" cy="651818"/>
+          </a:xfrm>
+          <a:prstGeom prst="ellipse">
+            <a:avLst/>
+          </a:prstGeom>
+          <a:noFill/>
+          <a:ln>
+            <a:solidFill>
+              <a:schemeClr val="accent2">
+                <a:lumMod val="60000"/>
+                <a:lumOff val="40000"/>
+              </a:schemeClr>
+            </a:solidFill>
+          </a:ln>
+        </p:spPr>
+        <p:style>
+          <a:lnRef idx="2">
+            <a:schemeClr val="accent1">
+              <a:shade val="50000"/>
+            </a:schemeClr>
+          </a:lnRef>
+          <a:fillRef idx="1">
+            <a:schemeClr val="accent1"/>
+          </a:fillRef>
+          <a:effectRef idx="0">
+            <a:schemeClr val="accent1"/>
+          </a:effectRef>
+          <a:fontRef idx="minor">
+            <a:schemeClr val="lt1"/>
+          </a:fontRef>
+        </p:style>
+        <p:txBody>
+          <a:bodyPr rtlCol="0" anchor="ctr"/>
+          <a:lstStyle/>
+          <a:p>
+            <a:pPr algn="ctr"/>
+            <a:r>
+              <a:rPr lang="zh-TW" altLang="en-US" sz="1600" dirty="0" smtClean="0">
+                <a:solidFill>
+                  <a:schemeClr val="tx1"/>
+                </a:solidFill>
+              </a:rPr>
+              <a:t>單字</a:t>
+            </a:r>
+            <a:r>
+              <a:rPr lang="en-US" altLang="zh-TW" sz="1600" dirty="0" smtClean="0">
+                <a:solidFill>
+                  <a:schemeClr val="tx1"/>
+                </a:solidFill>
+              </a:rPr>
+              <a:t>『</a:t>
+            </a:r>
+            <a:r>
+              <a:rPr lang="zh-TW" altLang="en-US" sz="1600" dirty="0" smtClean="0">
+                <a:solidFill>
+                  <a:schemeClr val="tx1"/>
+                </a:solidFill>
+              </a:rPr>
+              <a:t>查看</a:t>
+            </a:r>
+            <a:r>
+              <a:rPr lang="en-US" altLang="zh-TW" sz="1600" dirty="0" smtClean="0">
+                <a:solidFill>
+                  <a:schemeClr val="tx1"/>
+                </a:solidFill>
+              </a:rPr>
+              <a:t>』</a:t>
+            </a:r>
+            <a:endParaRPr lang="zh-TW" altLang="en-US" sz="1600" dirty="0">
+              <a:solidFill>
+                <a:schemeClr val="tx1"/>
+              </a:solidFill>
+            </a:endParaRPr>
+          </a:p>
+        </p:txBody>
+      </p:sp>
+      <p:sp>
+        <p:nvSpPr>
+          <p:cNvPr id="41" name="橢圓 40"/>
+          <p:cNvSpPr/>
+          <p:nvPr/>
+        </p:nvSpPr>
+        <p:spPr>
+          <a:xfrm>
+            <a:off x="10644249" y="4542426"/>
+            <a:ext cx="1072153" cy="656704"/>
+          </a:xfrm>
+          <a:prstGeom prst="ellipse">
+            <a:avLst/>
+          </a:prstGeom>
+          <a:noFill/>
+          <a:ln>
+            <a:solidFill>
+              <a:schemeClr val="accent2">
+                <a:lumMod val="60000"/>
+                <a:lumOff val="40000"/>
+              </a:schemeClr>
+            </a:solidFill>
+          </a:ln>
+        </p:spPr>
+        <p:style>
+          <a:lnRef idx="2">
+            <a:schemeClr val="accent1">
+              <a:shade val="50000"/>
+            </a:schemeClr>
+          </a:lnRef>
+          <a:fillRef idx="1">
+            <a:schemeClr val="accent1"/>
+          </a:fillRef>
+          <a:effectRef idx="0">
+            <a:schemeClr val="accent1"/>
+          </a:effectRef>
+          <a:fontRef idx="minor">
+            <a:schemeClr val="lt1"/>
+          </a:fontRef>
+        </p:style>
+        <p:txBody>
+          <a:bodyPr rtlCol="0" anchor="ctr"/>
+          <a:lstStyle/>
+          <a:p>
+            <a:pPr algn="ctr"/>
+            <a:r>
+              <a:rPr lang="zh-TW" altLang="en-US" sz="1600" dirty="0" smtClean="0">
+                <a:solidFill>
+                  <a:schemeClr val="tx1"/>
+                </a:solidFill>
+              </a:rPr>
+              <a:t>結束</a:t>
+            </a:r>
+            <a:endParaRPr lang="zh-TW" altLang="en-US" sz="1600" dirty="0">
+              <a:solidFill>
+                <a:schemeClr val="tx1"/>
+              </a:solidFill>
+            </a:endParaRPr>
+          </a:p>
+        </p:txBody>
+      </p:sp>
+      <p:sp>
+        <p:nvSpPr>
+          <p:cNvPr id="42" name="矩形 41"/>
+          <p:cNvSpPr/>
+          <p:nvPr/>
+        </p:nvSpPr>
+        <p:spPr>
+          <a:xfrm>
+            <a:off x="5112201" y="4402919"/>
+            <a:ext cx="4700393" cy="898299"/>
+          </a:xfrm>
+          <a:prstGeom prst="rect">
+            <a:avLst/>
+          </a:prstGeom>
+          <a:noFill/>
+          <a:ln>
+            <a:solidFill>
+              <a:schemeClr val="accent1"/>
+            </a:solidFill>
+          </a:ln>
+        </p:spPr>
+        <p:style>
+          <a:lnRef idx="2">
+            <a:schemeClr val="accent1">
+              <a:shade val="50000"/>
+            </a:schemeClr>
+          </a:lnRef>
+          <a:fillRef idx="1">
+            <a:schemeClr val="accent1"/>
+          </a:fillRef>
+          <a:effectRef idx="0">
+            <a:schemeClr val="accent1"/>
+          </a:effectRef>
+          <a:fontRef idx="minor">
+            <a:schemeClr val="lt1"/>
+          </a:fontRef>
+        </p:style>
+        <p:txBody>
+          <a:bodyPr rtlCol="0" anchor="ctr"/>
+          <a:lstStyle/>
+          <a:p>
+            <a:r>
+              <a:rPr lang="en-US" altLang="zh-TW" sz="1600" dirty="0" smtClean="0">
+                <a:solidFill>
+                  <a:schemeClr val="tx1"/>
+                </a:solidFill>
+              </a:rPr>
+              <a:t>1.</a:t>
+            </a:r>
+            <a:r>
+              <a:rPr lang="zh-TW" altLang="en-US" sz="1600" dirty="0" smtClean="0">
+                <a:solidFill>
+                  <a:schemeClr val="tx1"/>
+                </a:solidFill>
+              </a:rPr>
+              <a:t>將所查詢單字資料抓出</a:t>
+            </a:r>
+            <a:endParaRPr lang="en-US" altLang="zh-TW" sz="1600" dirty="0" smtClean="0">
+              <a:solidFill>
+                <a:schemeClr val="tx1"/>
+              </a:solidFill>
+            </a:endParaRPr>
+          </a:p>
+          <a:p>
+            <a:r>
+              <a:rPr lang="en-US" altLang="zh-TW" sz="1600" dirty="0" smtClean="0">
+                <a:solidFill>
+                  <a:schemeClr val="tx1"/>
+                </a:solidFill>
+              </a:rPr>
+              <a:t>2.</a:t>
+            </a:r>
+            <a:r>
+              <a:rPr lang="zh-TW" altLang="en-US" sz="1600" dirty="0" smtClean="0">
+                <a:solidFill>
+                  <a:schemeClr val="tx1"/>
+                </a:solidFill>
+              </a:rPr>
+              <a:t>資料依照</a:t>
+            </a:r>
+            <a:r>
+              <a:rPr lang="en-US" altLang="zh-TW" sz="1600" dirty="0" smtClean="0">
+                <a:solidFill>
+                  <a:schemeClr val="tx1"/>
+                </a:solidFill>
+              </a:rPr>
+              <a:t>『</a:t>
+            </a:r>
+            <a:r>
+              <a:rPr lang="zh-TW" altLang="en-US" sz="1600" dirty="0" smtClean="0">
+                <a:solidFill>
+                  <a:schemeClr val="tx1"/>
+                </a:solidFill>
+              </a:rPr>
+              <a:t>單字翻譯</a:t>
+            </a:r>
+            <a:r>
+              <a:rPr lang="en-US" altLang="zh-TW" sz="1600" dirty="0" smtClean="0">
+                <a:solidFill>
+                  <a:schemeClr val="tx1"/>
+                </a:solidFill>
+              </a:rPr>
+              <a:t>』</a:t>
+            </a:r>
+            <a:r>
+              <a:rPr lang="zh-TW" altLang="en-US" sz="1600" dirty="0" smtClean="0">
+                <a:solidFill>
+                  <a:schemeClr val="tx1"/>
+                </a:solidFill>
+              </a:rPr>
+              <a:t>以及延伸學習片語</a:t>
+            </a:r>
+            <a:r>
+              <a:rPr lang="en-US" altLang="zh-TW" sz="1600" dirty="0" smtClean="0">
+                <a:solidFill>
+                  <a:schemeClr val="tx1"/>
+                </a:solidFill>
+              </a:rPr>
+              <a:t>』</a:t>
+            </a:r>
+            <a:r>
+              <a:rPr lang="zh-TW" altLang="en-US" sz="1600" dirty="0" smtClean="0">
+                <a:solidFill>
+                  <a:schemeClr val="tx1"/>
+                </a:solidFill>
+              </a:rPr>
+              <a:t>排序</a:t>
+            </a:r>
+            <a:endParaRPr lang="en-US" altLang="zh-TW" sz="1600" dirty="0" smtClean="0">
+              <a:solidFill>
+                <a:schemeClr val="tx1"/>
+              </a:solidFill>
+            </a:endParaRPr>
+          </a:p>
+          <a:p>
+            <a:r>
+              <a:rPr lang="en-US" altLang="zh-TW" sz="1600" dirty="0" smtClean="0">
+                <a:solidFill>
+                  <a:schemeClr val="tx1"/>
+                </a:solidFill>
+              </a:rPr>
+              <a:t>3.</a:t>
+            </a:r>
+            <a:r>
+              <a:rPr lang="zh-TW" altLang="en-US" sz="1600" dirty="0" smtClean="0">
+                <a:solidFill>
+                  <a:schemeClr val="tx1"/>
+                </a:solidFill>
+              </a:rPr>
+              <a:t>鋪陳至</a:t>
+            </a:r>
+            <a:r>
+              <a:rPr lang="en-US" altLang="zh-TW" sz="1600" dirty="0" err="1" smtClean="0">
+                <a:solidFill>
+                  <a:schemeClr val="tx1"/>
+                </a:solidFill>
+              </a:rPr>
+              <a:t>Toplevel</a:t>
+            </a:r>
+            <a:r>
+              <a:rPr lang="zh-TW" altLang="en-US" sz="1600" dirty="0" smtClean="0">
+                <a:solidFill>
+                  <a:schemeClr val="tx1"/>
+                </a:solidFill>
+              </a:rPr>
+              <a:t>提示框</a:t>
+            </a:r>
+            <a:endParaRPr lang="zh-TW" altLang="en-US" sz="1600" dirty="0">
+              <a:solidFill>
+                <a:schemeClr val="tx1"/>
+              </a:solidFill>
+            </a:endParaRPr>
+          </a:p>
+        </p:txBody>
+      </p:sp>
+      <p:cxnSp>
+        <p:nvCxnSpPr>
+          <p:cNvPr id="43" name="直線單箭頭接點 42"/>
+          <p:cNvCxnSpPr>
+            <a:stCxn id="40" idx="6"/>
+            <a:endCxn id="42" idx="1"/>
+          </p:cNvCxnSpPr>
+          <p:nvPr/>
+        </p:nvCxnSpPr>
+        <p:spPr>
+          <a:xfrm>
+            <a:off x="4129548" y="4846169"/>
+            <a:ext cx="982653" cy="5900"/>
+          </a:xfrm>
+          <a:prstGeom prst="straightConnector1">
+            <a:avLst/>
+          </a:prstGeom>
+          <a:ln>
+            <a:tailEnd type="triangle"/>
+          </a:ln>
+        </p:spPr>
+        <p:style>
+          <a:lnRef idx="1">
+            <a:schemeClr val="accent1"/>
+          </a:lnRef>
+          <a:fillRef idx="0">
+            <a:schemeClr val="accent1"/>
+          </a:fillRef>
+          <a:effectRef idx="0">
+            <a:schemeClr val="accent1"/>
+          </a:effectRef>
+          <a:fontRef idx="minor">
+            <a:schemeClr val="tx1"/>
+          </a:fontRef>
+        </p:style>
+      </p:cxnSp>
+      <p:sp>
+        <p:nvSpPr>
+          <p:cNvPr id="44" name="文字方塊 43"/>
+          <p:cNvSpPr txBox="1"/>
+          <p:nvPr/>
+        </p:nvSpPr>
+        <p:spPr>
+          <a:xfrm>
+            <a:off x="4272694" y="4542426"/>
+            <a:ext cx="631603" cy="307777"/>
+          </a:xfrm>
+          <a:prstGeom prst="rect">
+            <a:avLst/>
+          </a:prstGeom>
+          <a:noFill/>
+        </p:spPr>
+        <p:txBody>
+          <a:bodyPr wrap="square" rtlCol="0">
+            <a:spAutoFit/>
+          </a:bodyPr>
+          <a:lstStyle/>
+          <a:p>
+            <a:r>
+              <a:rPr lang="zh-TW" altLang="en-US" sz="1400" dirty="0"/>
+              <a:t>點擊</a:t>
+            </a:r>
+            <a:endParaRPr lang="zh-TW" altLang="en-US" sz="1400" dirty="0"/>
+          </a:p>
+        </p:txBody>
+      </p:sp>
+      <p:cxnSp>
+        <p:nvCxnSpPr>
+          <p:cNvPr id="45" name="直線單箭頭接點 44"/>
+          <p:cNvCxnSpPr>
+            <a:stCxn id="42" idx="3"/>
+            <a:endCxn id="41" idx="2"/>
+          </p:cNvCxnSpPr>
+          <p:nvPr/>
+        </p:nvCxnSpPr>
+        <p:spPr>
+          <a:xfrm>
+            <a:off x="9812594" y="4852069"/>
+            <a:ext cx="831655" cy="18709"/>
+          </a:xfrm>
+          <a:prstGeom prst="straightConnector1">
+            <a:avLst/>
+          </a:prstGeom>
+          <a:ln>
+            <a:tailEnd type="triangle"/>
+          </a:ln>
+        </p:spPr>
+        <p:style>
+          <a:lnRef idx="1">
+            <a:schemeClr val="accent1"/>
+          </a:lnRef>
+          <a:fillRef idx="0">
+            <a:schemeClr val="accent1"/>
+          </a:fillRef>
+          <a:effectRef idx="0">
+            <a:schemeClr val="accent1"/>
+          </a:effectRef>
+          <a:fontRef idx="minor">
+            <a:schemeClr val="tx1"/>
+          </a:fontRef>
+        </p:style>
+      </p:cxnSp>
+    </p:spTree>
+    <p:extLst>
+      <p:ext uri="{BB962C8B-B14F-4D97-AF65-F5344CB8AC3E}">
+        <p14:creationId xmlns:p14="http://schemas.microsoft.com/office/powerpoint/2010/main" val="561200351"/>
+      </p:ext>
+    </p:extLst>
+  </p:cSld>
+  <p:clrMapOvr>
+    <a:masterClrMapping/>
+  </p:clrMapOvr>
+  <p:timing>
+    <p:tnLst>
+      <p:par>
+        <p:cTn id="1" dur="indefinite" restart="never" nodeType="tmRoot"/>
+      </p:par>
+    </p:tnLst>
+  </p:timing>
+</p:sld>
+</file>
+
+<file path=ppt/slides/slide5.xml><?xml version="1.0" encoding="utf-8"?>
+<p:sld xmlns:a="http://schemas.openxmlformats.org/drawingml/2006/main" xmlns:r="http://schemas.openxmlformats.org/officeDocument/2006/relationships" xmlns:p="http://schemas.openxmlformats.org/presentationml/2006/main">
+  <p:cSld>
+    <p:spTree>
+      <p:nvGrpSpPr>
+        <p:cNvPr id="1" name=""/>
+        <p:cNvGrpSpPr/>
+        <p:nvPr/>
+      </p:nvGrpSpPr>
+      <p:grpSpPr>
+        <a:xfrm>
+          <a:off x="0" y="0"/>
+          <a:ext cx="0" cy="0"/>
+          <a:chOff x="0" y="0"/>
+          <a:chExt cx="0" cy="0"/>
+        </a:xfrm>
+      </p:grpSpPr>
+      <p:sp>
+        <p:nvSpPr>
+          <p:cNvPr id="9" name="圓角矩形 8"/>
+          <p:cNvSpPr/>
+          <p:nvPr/>
+        </p:nvSpPr>
+        <p:spPr>
+          <a:xfrm>
+            <a:off x="211393" y="1065412"/>
+            <a:ext cx="11847871" cy="5673212"/>
+          </a:xfrm>
+          <a:prstGeom prst="roundRect">
+            <a:avLst/>
+          </a:prstGeom>
+          <a:noFill/>
+          <a:ln>
+            <a:solidFill>
+              <a:srgbClr val="FF0000"/>
+            </a:solidFill>
+          </a:ln>
+        </p:spPr>
+        <p:style>
+          <a:lnRef idx="2">
+            <a:schemeClr val="accent1">
+              <a:shade val="50000"/>
+            </a:schemeClr>
+          </a:lnRef>
+          <a:fillRef idx="1">
+            <a:schemeClr val="accent1"/>
+          </a:fillRef>
+          <a:effectRef idx="0">
+            <a:schemeClr val="accent1"/>
+          </a:effectRef>
+          <a:fontRef idx="minor">
+            <a:schemeClr val="lt1"/>
+          </a:fontRef>
+        </p:style>
+        <p:txBody>
+          <a:bodyPr rtlCol="0" anchor="ctr">
+            <a:prstTxWarp prst="textSlantDown">
+              <a:avLst/>
+            </a:prstTxWarp>
+          </a:bodyPr>
+          <a:lstStyle/>
+          <a:p>
+            <a:pPr algn="ctr"/>
+            <a:r>
+              <a:rPr lang="zh-TW" altLang="en-US" sz="10000" dirty="0" smtClean="0">
+                <a:solidFill>
+                  <a:schemeClr val="tx1">
+                    <a:alpha val="5000"/>
+                  </a:schemeClr>
+                </a:solidFill>
+              </a:rPr>
+              <a:t>資料修改流程</a:t>
+            </a:r>
+            <a:endParaRPr lang="zh-TW" altLang="en-US" sz="10000" dirty="0">
+              <a:solidFill>
+                <a:schemeClr val="tx1">
+                  <a:alpha val="5000"/>
+                </a:schemeClr>
+              </a:solidFill>
+            </a:endParaRPr>
+          </a:p>
+        </p:txBody>
+      </p:sp>
+      <p:sp>
+        <p:nvSpPr>
+          <p:cNvPr id="3" name="副標題 2"/>
+          <p:cNvSpPr>
+            <a:spLocks noGrp="1"/>
+          </p:cNvSpPr>
+          <p:nvPr>
+            <p:ph type="subTitle" idx="1"/>
+          </p:nvPr>
+        </p:nvSpPr>
+        <p:spPr>
+          <a:xfrm>
+            <a:off x="1500249" y="47501"/>
+            <a:ext cx="9144000" cy="694707"/>
+          </a:xfrm>
+        </p:spPr>
+        <p:txBody>
+          <a:bodyPr>
+            <a:noAutofit/>
+          </a:bodyPr>
+          <a:lstStyle/>
+          <a:p>
+            <a:r>
+              <a:rPr lang="zh-TW" altLang="en-US" sz="5000" dirty="0" smtClean="0">
+                <a:solidFill>
+                  <a:srgbClr val="FF0000"/>
+                </a:solidFill>
+              </a:rPr>
+              <a:t>資料庫</a:t>
+            </a:r>
+            <a:r>
+              <a:rPr lang="en-US" altLang="zh-TW" sz="5000" dirty="0" smtClean="0">
+                <a:solidFill>
+                  <a:srgbClr val="FF0000"/>
+                </a:solidFill>
+              </a:rPr>
+              <a:t>『</a:t>
+            </a:r>
+            <a:r>
+              <a:rPr lang="zh-TW" altLang="en-US" sz="5000" dirty="0" smtClean="0">
+                <a:solidFill>
+                  <a:srgbClr val="FF0000"/>
+                </a:solidFill>
+              </a:rPr>
+              <a:t>資料修</a:t>
+            </a:r>
+            <a:r>
+              <a:rPr lang="zh-TW" altLang="en-US" sz="5000" dirty="0">
+                <a:solidFill>
+                  <a:srgbClr val="FF0000"/>
+                </a:solidFill>
+              </a:rPr>
+              <a:t>改</a:t>
+            </a:r>
+            <a:r>
+              <a:rPr lang="en-US" altLang="zh-TW" sz="5000" dirty="0" smtClean="0">
+                <a:solidFill>
+                  <a:srgbClr val="FF0000"/>
+                </a:solidFill>
+              </a:rPr>
+              <a:t>』</a:t>
+            </a:r>
+            <a:r>
+              <a:rPr lang="zh-TW" altLang="en-US" sz="5000" dirty="0">
+                <a:solidFill>
+                  <a:srgbClr val="FF0000"/>
+                </a:solidFill>
+              </a:rPr>
+              <a:t>流程</a:t>
+            </a:r>
+            <a:endParaRPr lang="zh-TW" altLang="en-US" sz="5000" dirty="0">
+              <a:solidFill>
+                <a:srgbClr val="FF0000"/>
+              </a:solidFill>
+            </a:endParaRPr>
+          </a:p>
+        </p:txBody>
+      </p:sp>
+      <p:sp>
+        <p:nvSpPr>
+          <p:cNvPr id="25" name="橢圓 24"/>
+          <p:cNvSpPr/>
+          <p:nvPr/>
+        </p:nvSpPr>
+        <p:spPr>
+          <a:xfrm>
+            <a:off x="1164542" y="1649436"/>
+            <a:ext cx="1814632" cy="651818"/>
+          </a:xfrm>
+          <a:prstGeom prst="ellipse">
+            <a:avLst/>
+          </a:prstGeom>
+          <a:noFill/>
+          <a:ln>
+            <a:solidFill>
+              <a:schemeClr val="accent2">
+                <a:lumMod val="60000"/>
+                <a:lumOff val="40000"/>
+              </a:schemeClr>
+            </a:solidFill>
+          </a:ln>
+        </p:spPr>
+        <p:style>
+          <a:lnRef idx="2">
+            <a:schemeClr val="accent1">
+              <a:shade val="50000"/>
+            </a:schemeClr>
+          </a:lnRef>
+          <a:fillRef idx="1">
+            <a:schemeClr val="accent1"/>
+          </a:fillRef>
+          <a:effectRef idx="0">
+            <a:schemeClr val="accent1"/>
+          </a:effectRef>
+          <a:fontRef idx="minor">
+            <a:schemeClr val="lt1"/>
+          </a:fontRef>
+        </p:style>
+        <p:txBody>
+          <a:bodyPr rtlCol="0" anchor="ctr"/>
+          <a:lstStyle/>
+          <a:p>
+            <a:pPr algn="ctr"/>
+            <a:r>
+              <a:rPr lang="zh-TW" altLang="en-US" sz="1600" dirty="0" smtClean="0">
+                <a:solidFill>
+                  <a:schemeClr val="tx1"/>
+                </a:solidFill>
+              </a:rPr>
+              <a:t>單字</a:t>
+            </a:r>
+            <a:r>
+              <a:rPr lang="en-US" altLang="zh-TW" sz="1600" dirty="0" smtClean="0">
+                <a:solidFill>
+                  <a:schemeClr val="tx1"/>
+                </a:solidFill>
+              </a:rPr>
+              <a:t>『</a:t>
+            </a:r>
+            <a:r>
+              <a:rPr lang="zh-TW" altLang="en-US" sz="1600" dirty="0" smtClean="0">
+                <a:solidFill>
+                  <a:schemeClr val="tx1"/>
+                </a:solidFill>
+              </a:rPr>
+              <a:t>修改</a:t>
+            </a:r>
+            <a:r>
+              <a:rPr lang="en-US" altLang="zh-TW" sz="1600" dirty="0">
+                <a:solidFill>
+                  <a:schemeClr val="tx1"/>
+                </a:solidFill>
+              </a:rPr>
+              <a:t>』</a:t>
+            </a:r>
+            <a:endParaRPr lang="zh-TW" altLang="en-US" sz="1600" dirty="0">
+              <a:solidFill>
+                <a:schemeClr val="tx1"/>
+              </a:solidFill>
+            </a:endParaRPr>
+          </a:p>
+        </p:txBody>
+      </p:sp>
+      <p:sp>
+        <p:nvSpPr>
+          <p:cNvPr id="102" name="橢圓 101"/>
+          <p:cNvSpPr/>
+          <p:nvPr/>
+        </p:nvSpPr>
+        <p:spPr>
+          <a:xfrm>
+            <a:off x="8226924" y="5887663"/>
+            <a:ext cx="1863649" cy="656704"/>
+          </a:xfrm>
+          <a:prstGeom prst="ellipse">
+            <a:avLst/>
+          </a:prstGeom>
+          <a:noFill/>
+          <a:ln>
+            <a:solidFill>
+              <a:schemeClr val="accent2">
+                <a:lumMod val="60000"/>
+                <a:lumOff val="40000"/>
+              </a:schemeClr>
+            </a:solidFill>
+          </a:ln>
+        </p:spPr>
+        <p:style>
+          <a:lnRef idx="2">
+            <a:schemeClr val="accent1">
+              <a:shade val="50000"/>
+            </a:schemeClr>
+          </a:lnRef>
+          <a:fillRef idx="1">
+            <a:schemeClr val="accent1"/>
+          </a:fillRef>
+          <a:effectRef idx="0">
+            <a:schemeClr val="accent1"/>
+          </a:effectRef>
+          <a:fontRef idx="minor">
+            <a:schemeClr val="lt1"/>
+          </a:fontRef>
+        </p:style>
+        <p:txBody>
+          <a:bodyPr rtlCol="0" anchor="ctr"/>
+          <a:lstStyle/>
+          <a:p>
+            <a:pPr algn="ctr"/>
+            <a:r>
+              <a:rPr lang="zh-TW" altLang="en-US" sz="1600" dirty="0" smtClean="0">
+                <a:solidFill>
+                  <a:schemeClr val="tx1"/>
+                </a:solidFill>
+              </a:rPr>
+              <a:t>結束</a:t>
+            </a:r>
+            <a:endParaRPr lang="zh-TW" altLang="en-US" sz="1600" dirty="0">
+              <a:solidFill>
+                <a:schemeClr val="tx1"/>
+              </a:solidFill>
+            </a:endParaRPr>
+          </a:p>
+        </p:txBody>
+      </p:sp>
+      <p:sp>
+        <p:nvSpPr>
+          <p:cNvPr id="33" name="矩形 32"/>
+          <p:cNvSpPr/>
+          <p:nvPr/>
+        </p:nvSpPr>
+        <p:spPr>
+          <a:xfrm>
+            <a:off x="3712607" y="1521685"/>
+            <a:ext cx="4364299" cy="925158"/>
+          </a:xfrm>
+          <a:prstGeom prst="rect">
+            <a:avLst/>
+          </a:prstGeom>
+          <a:noFill/>
+          <a:ln>
+            <a:solidFill>
+              <a:schemeClr val="accent1"/>
+            </a:solidFill>
+          </a:ln>
+        </p:spPr>
+        <p:style>
+          <a:lnRef idx="2">
+            <a:schemeClr val="accent1">
+              <a:shade val="50000"/>
+            </a:schemeClr>
+          </a:lnRef>
+          <a:fillRef idx="1">
+            <a:schemeClr val="accent1"/>
+          </a:fillRef>
+          <a:effectRef idx="0">
+            <a:schemeClr val="accent1"/>
+          </a:effectRef>
+          <a:fontRef idx="minor">
+            <a:schemeClr val="lt1"/>
+          </a:fontRef>
+        </p:style>
+        <p:txBody>
+          <a:bodyPr rtlCol="0" anchor="ctr"/>
+          <a:lstStyle/>
+          <a:p>
+            <a:r>
+              <a:rPr lang="en-US" altLang="zh-TW" sz="1600" dirty="0" smtClean="0">
+                <a:solidFill>
+                  <a:schemeClr val="tx1"/>
+                </a:solidFill>
+              </a:rPr>
+              <a:t>1.</a:t>
+            </a:r>
+            <a:r>
+              <a:rPr lang="zh-TW" altLang="en-US" sz="1600" dirty="0" smtClean="0">
+                <a:solidFill>
+                  <a:schemeClr val="tx1"/>
+                </a:solidFill>
+              </a:rPr>
+              <a:t>查詢欲修改的單字資料</a:t>
+            </a:r>
+            <a:endParaRPr lang="en-US" altLang="zh-TW" sz="1600" dirty="0" smtClean="0">
+              <a:solidFill>
+                <a:schemeClr val="tx1"/>
+              </a:solidFill>
+            </a:endParaRPr>
+          </a:p>
+          <a:p>
+            <a:r>
+              <a:rPr lang="en-US" altLang="zh-TW" sz="1600" dirty="0" smtClean="0">
+                <a:solidFill>
+                  <a:schemeClr val="tx1"/>
+                </a:solidFill>
+              </a:rPr>
+              <a:t>2.</a:t>
+            </a:r>
+            <a:r>
+              <a:rPr lang="zh-TW" altLang="en-US" sz="1600" dirty="0" smtClean="0">
+                <a:solidFill>
+                  <a:schemeClr val="tx1"/>
+                </a:solidFill>
+              </a:rPr>
+              <a:t>鋪陳至</a:t>
+            </a:r>
+            <a:r>
+              <a:rPr lang="en-US" altLang="zh-TW" sz="1600" dirty="0" err="1" smtClean="0">
+                <a:solidFill>
+                  <a:schemeClr val="tx1"/>
+                </a:solidFill>
+              </a:rPr>
+              <a:t>Toplevel</a:t>
+            </a:r>
+            <a:r>
+              <a:rPr lang="zh-TW" altLang="en-US" sz="1600" dirty="0" smtClean="0">
+                <a:solidFill>
+                  <a:schemeClr val="tx1"/>
+                </a:solidFill>
+              </a:rPr>
+              <a:t>視窗中的</a:t>
+            </a:r>
+            <a:r>
+              <a:rPr lang="en-US" altLang="zh-TW" sz="1600" dirty="0" smtClean="0">
+                <a:solidFill>
+                  <a:schemeClr val="tx1"/>
+                </a:solidFill>
+              </a:rPr>
+              <a:t>Text</a:t>
+            </a:r>
+            <a:r>
+              <a:rPr lang="zh-TW" altLang="en-US" sz="1600" dirty="0" smtClean="0">
+                <a:solidFill>
+                  <a:schemeClr val="tx1"/>
+                </a:solidFill>
+              </a:rPr>
+              <a:t>表格</a:t>
+            </a:r>
+            <a:endParaRPr lang="en-US" altLang="zh-TW" sz="1600" dirty="0" smtClean="0">
+              <a:solidFill>
+                <a:schemeClr val="tx1"/>
+              </a:solidFill>
+            </a:endParaRPr>
+          </a:p>
+          <a:p>
+            <a:r>
+              <a:rPr lang="en-US" altLang="zh-TW" sz="1600" dirty="0" smtClean="0">
+                <a:solidFill>
+                  <a:schemeClr val="tx1"/>
+                </a:solidFill>
+              </a:rPr>
+              <a:t>3.</a:t>
+            </a:r>
+            <a:r>
+              <a:rPr lang="zh-TW" altLang="en-US" sz="1600" dirty="0" smtClean="0">
+                <a:solidFill>
+                  <a:schemeClr val="tx1"/>
+                </a:solidFill>
+              </a:rPr>
+              <a:t>創建</a:t>
+            </a:r>
+            <a:r>
+              <a:rPr lang="en-US" altLang="zh-TW" sz="1600" dirty="0" err="1" smtClean="0">
+                <a:solidFill>
+                  <a:schemeClr val="tx1"/>
+                </a:solidFill>
+              </a:rPr>
+              <a:t>entry_</a:t>
+            </a:r>
+            <a:r>
+              <a:rPr lang="en-US" altLang="zh-TW" sz="1600" dirty="0" err="1" smtClean="0">
+                <a:solidFill>
+                  <a:schemeClr val="tx1"/>
+                </a:solidFill>
+              </a:rPr>
+              <a:t>mapping</a:t>
+            </a:r>
+            <a:r>
+              <a:rPr lang="zh-TW" altLang="en-US" sz="1600" dirty="0" smtClean="0">
+                <a:solidFill>
+                  <a:schemeClr val="tx1"/>
+                </a:solidFill>
+              </a:rPr>
+              <a:t>、</a:t>
+            </a:r>
+            <a:r>
+              <a:rPr lang="en-US" altLang="zh-TW" sz="1600" dirty="0" err="1" smtClean="0">
+                <a:solidFill>
+                  <a:schemeClr val="tx1"/>
+                </a:solidFill>
+              </a:rPr>
+              <a:t>update_datas</a:t>
+            </a:r>
+            <a:r>
+              <a:rPr lang="zh-TW" altLang="en-US" sz="1600" dirty="0" smtClean="0">
+                <a:solidFill>
+                  <a:schemeClr val="tx1"/>
+                </a:solidFill>
+              </a:rPr>
+              <a:t>字典參數</a:t>
+            </a:r>
+            <a:endParaRPr lang="zh-TW" altLang="en-US" sz="1600" dirty="0">
+              <a:solidFill>
+                <a:schemeClr val="tx1"/>
+              </a:solidFill>
+            </a:endParaRPr>
+          </a:p>
+        </p:txBody>
+      </p:sp>
+      <p:cxnSp>
+        <p:nvCxnSpPr>
+          <p:cNvPr id="58" name="直線單箭頭接點 57"/>
+          <p:cNvCxnSpPr>
+            <a:stCxn id="25" idx="6"/>
+            <a:endCxn id="33" idx="1"/>
+          </p:cNvCxnSpPr>
+          <p:nvPr/>
+        </p:nvCxnSpPr>
+        <p:spPr>
+          <a:xfrm>
+            <a:off x="2979174" y="1975345"/>
+            <a:ext cx="733433" cy="8919"/>
+          </a:xfrm>
+          <a:prstGeom prst="straightConnector1">
+            <a:avLst/>
+          </a:prstGeom>
+          <a:ln>
+            <a:tailEnd type="triangle"/>
+          </a:ln>
+        </p:spPr>
+        <p:style>
+          <a:lnRef idx="1">
+            <a:schemeClr val="accent1"/>
+          </a:lnRef>
+          <a:fillRef idx="0">
+            <a:schemeClr val="accent1"/>
+          </a:fillRef>
+          <a:effectRef idx="0">
+            <a:schemeClr val="accent1"/>
+          </a:effectRef>
+          <a:fontRef idx="minor">
+            <a:schemeClr val="tx1"/>
+          </a:fontRef>
+        </p:style>
+      </p:cxnSp>
+      <p:sp>
+        <p:nvSpPr>
+          <p:cNvPr id="27" name="文字方塊 26"/>
+          <p:cNvSpPr txBox="1"/>
+          <p:nvPr/>
+        </p:nvSpPr>
+        <p:spPr>
+          <a:xfrm>
+            <a:off x="3033890" y="1676487"/>
+            <a:ext cx="631603" cy="307777"/>
+          </a:xfrm>
+          <a:prstGeom prst="rect">
+            <a:avLst/>
+          </a:prstGeom>
+          <a:noFill/>
+        </p:spPr>
+        <p:txBody>
+          <a:bodyPr wrap="square" rtlCol="0">
+            <a:spAutoFit/>
+          </a:bodyPr>
+          <a:lstStyle/>
+          <a:p>
+            <a:r>
+              <a:rPr lang="zh-TW" altLang="en-US" sz="1400" dirty="0"/>
+              <a:t>點擊</a:t>
+            </a:r>
+            <a:endParaRPr lang="zh-TW" altLang="en-US" sz="1400" dirty="0"/>
+          </a:p>
+        </p:txBody>
+      </p:sp>
+      <p:cxnSp>
+        <p:nvCxnSpPr>
+          <p:cNvPr id="14" name="直線單箭頭接點 13"/>
+          <p:cNvCxnSpPr>
+            <a:stCxn id="33" idx="3"/>
+            <a:endCxn id="24" idx="5"/>
+          </p:cNvCxnSpPr>
+          <p:nvPr/>
+        </p:nvCxnSpPr>
+        <p:spPr>
+          <a:xfrm>
+            <a:off x="8076906" y="1984264"/>
+            <a:ext cx="887924" cy="0"/>
+          </a:xfrm>
+          <a:prstGeom prst="straightConnector1">
+            <a:avLst/>
+          </a:prstGeom>
+          <a:ln>
+            <a:tailEnd type="triangle"/>
+          </a:ln>
+        </p:spPr>
+        <p:style>
+          <a:lnRef idx="1">
+            <a:schemeClr val="accent1"/>
+          </a:lnRef>
+          <a:fillRef idx="0">
+            <a:schemeClr val="accent1"/>
+          </a:fillRef>
+          <a:effectRef idx="0">
+            <a:schemeClr val="accent1"/>
+          </a:effectRef>
+          <a:fontRef idx="minor">
+            <a:schemeClr val="tx1"/>
+          </a:fontRef>
+        </p:style>
+      </p:cxnSp>
+      <p:sp>
+        <p:nvSpPr>
+          <p:cNvPr id="24" name="平行四邊形 23"/>
+          <p:cNvSpPr/>
+          <p:nvPr/>
+        </p:nvSpPr>
+        <p:spPr>
+          <a:xfrm>
+            <a:off x="8897782" y="1716073"/>
+            <a:ext cx="1387721" cy="536381"/>
+          </a:xfrm>
+          <a:prstGeom prst="parallelogram">
+            <a:avLst/>
+          </a:prstGeom>
+          <a:noFill/>
+        </p:spPr>
+        <p:style>
+          <a:lnRef idx="2">
+            <a:schemeClr val="accent1">
+              <a:shade val="50000"/>
+            </a:schemeClr>
+          </a:lnRef>
+          <a:fillRef idx="1">
+            <a:schemeClr val="accent1"/>
+          </a:fillRef>
+          <a:effectRef idx="0">
+            <a:schemeClr val="accent1"/>
+          </a:effectRef>
+          <a:fontRef idx="minor">
+            <a:schemeClr val="lt1"/>
+          </a:fontRef>
+        </p:style>
+        <p:txBody>
+          <a:bodyPr rtlCol="0" anchor="ctr"/>
+          <a:lstStyle/>
+          <a:p>
+            <a:pPr algn="ctr"/>
+            <a:r>
+              <a:rPr lang="zh-TW" altLang="en-US" sz="1600" dirty="0" smtClean="0">
+                <a:solidFill>
+                  <a:schemeClr val="tx1"/>
+                </a:solidFill>
+              </a:rPr>
+              <a:t>修改資料</a:t>
+            </a:r>
+            <a:endParaRPr lang="zh-TW" altLang="en-US" sz="1600" dirty="0">
+              <a:solidFill>
+                <a:schemeClr val="tx1"/>
+              </a:solidFill>
+            </a:endParaRPr>
+          </a:p>
+        </p:txBody>
+      </p:sp>
+      <p:cxnSp>
+        <p:nvCxnSpPr>
+          <p:cNvPr id="13" name="肘形接點 12"/>
+          <p:cNvCxnSpPr>
+            <a:stCxn id="24" idx="2"/>
+            <a:endCxn id="32" idx="3"/>
+          </p:cNvCxnSpPr>
+          <p:nvPr/>
+        </p:nvCxnSpPr>
+        <p:spPr>
+          <a:xfrm>
+            <a:off x="10218455" y="1984264"/>
+            <a:ext cx="302062" cy="1789935"/>
+          </a:xfrm>
+          <a:prstGeom prst="bentConnector3">
+            <a:avLst>
+              <a:gd name="adj1" fmla="val 175680"/>
+            </a:avLst>
+          </a:prstGeom>
+          <a:ln>
+            <a:tailEnd type="triangle"/>
+          </a:ln>
+        </p:spPr>
+        <p:style>
+          <a:lnRef idx="1">
+            <a:schemeClr val="accent1"/>
+          </a:lnRef>
+          <a:fillRef idx="0">
+            <a:schemeClr val="accent1"/>
+          </a:fillRef>
+          <a:effectRef idx="0">
+            <a:schemeClr val="accent1"/>
+          </a:effectRef>
+          <a:fontRef idx="minor">
+            <a:schemeClr val="tx1"/>
+          </a:fontRef>
+        </p:style>
+      </p:cxnSp>
+      <p:sp>
+        <p:nvSpPr>
+          <p:cNvPr id="30" name="文字方塊 29"/>
+          <p:cNvSpPr txBox="1"/>
+          <p:nvPr/>
+        </p:nvSpPr>
+        <p:spPr>
+          <a:xfrm>
+            <a:off x="6131821" y="3389021"/>
+            <a:ext cx="631603" cy="307777"/>
+          </a:xfrm>
+          <a:prstGeom prst="rect">
+            <a:avLst/>
+          </a:prstGeom>
+          <a:noFill/>
+        </p:spPr>
+        <p:txBody>
+          <a:bodyPr wrap="square" rtlCol="0">
+            <a:spAutoFit/>
+          </a:bodyPr>
+          <a:lstStyle/>
+          <a:p>
+            <a:r>
+              <a:rPr lang="zh-TW" altLang="en-US" sz="1400" dirty="0"/>
+              <a:t>儲存</a:t>
+            </a:r>
+            <a:endParaRPr lang="zh-TW" altLang="en-US" sz="1400" dirty="0"/>
+          </a:p>
+        </p:txBody>
+      </p:sp>
+      <p:sp>
+        <p:nvSpPr>
+          <p:cNvPr id="32" name="矩形 31"/>
+          <p:cNvSpPr/>
+          <p:nvPr/>
+        </p:nvSpPr>
+        <p:spPr>
+          <a:xfrm>
+            <a:off x="6784258" y="3311620"/>
+            <a:ext cx="3736259" cy="925158"/>
+          </a:xfrm>
+          <a:prstGeom prst="rect">
+            <a:avLst/>
+          </a:prstGeom>
+          <a:noFill/>
+          <a:ln>
+            <a:solidFill>
+              <a:schemeClr val="accent1"/>
+            </a:solidFill>
+          </a:ln>
+        </p:spPr>
+        <p:style>
+          <a:lnRef idx="2">
+            <a:schemeClr val="accent1">
+              <a:shade val="50000"/>
+            </a:schemeClr>
+          </a:lnRef>
+          <a:fillRef idx="1">
+            <a:schemeClr val="accent1"/>
+          </a:fillRef>
+          <a:effectRef idx="0">
+            <a:schemeClr val="accent1"/>
+          </a:effectRef>
+          <a:fontRef idx="minor">
+            <a:schemeClr val="lt1"/>
+          </a:fontRef>
+        </p:style>
+        <p:txBody>
+          <a:bodyPr rtlCol="0" anchor="ctr"/>
+          <a:lstStyle/>
+          <a:p>
+            <a:r>
+              <a:rPr lang="en-US" altLang="zh-TW" sz="1600" dirty="0" smtClean="0">
+                <a:solidFill>
+                  <a:schemeClr val="tx1"/>
+                </a:solidFill>
+              </a:rPr>
+              <a:t>1.update_datas</a:t>
+            </a:r>
+            <a:r>
+              <a:rPr lang="zh-TW" altLang="en-US" sz="1600" dirty="0" smtClean="0">
+                <a:solidFill>
+                  <a:schemeClr val="tx1"/>
+                </a:solidFill>
+              </a:rPr>
+              <a:t>複製原資料</a:t>
+            </a:r>
+            <a:endParaRPr lang="en-US" altLang="zh-TW" sz="1600" dirty="0" smtClean="0">
+              <a:solidFill>
+                <a:schemeClr val="tx1"/>
+              </a:solidFill>
+            </a:endParaRPr>
+          </a:p>
+          <a:p>
+            <a:r>
+              <a:rPr lang="en-US" altLang="zh-TW" sz="1600" dirty="0">
+                <a:solidFill>
+                  <a:schemeClr val="tx1"/>
+                </a:solidFill>
+              </a:rPr>
+              <a:t>2</a:t>
+            </a:r>
+            <a:r>
+              <a:rPr lang="en-US" altLang="zh-TW" sz="1600" dirty="0" smtClean="0">
+                <a:solidFill>
+                  <a:schemeClr val="tx1"/>
+                </a:solidFill>
+              </a:rPr>
+              <a:t>.</a:t>
+            </a:r>
+            <a:r>
+              <a:rPr lang="zh-TW" altLang="en-US" sz="1600" dirty="0" smtClean="0">
+                <a:solidFill>
+                  <a:schemeClr val="tx1"/>
+                </a:solidFill>
+              </a:rPr>
+              <a:t>抓取</a:t>
+            </a:r>
+            <a:r>
+              <a:rPr lang="en-US" altLang="zh-TW" sz="1600" dirty="0" smtClean="0">
+                <a:solidFill>
+                  <a:schemeClr val="tx1"/>
+                </a:solidFill>
+              </a:rPr>
+              <a:t>Text</a:t>
+            </a:r>
+            <a:r>
+              <a:rPr lang="zh-TW" altLang="en-US" sz="1600" dirty="0" smtClean="0">
+                <a:solidFill>
+                  <a:schemeClr val="tx1"/>
+                </a:solidFill>
+              </a:rPr>
+              <a:t>中的值</a:t>
+            </a:r>
+            <a:r>
+              <a:rPr lang="en-US" altLang="zh-TW" sz="1600" dirty="0" smtClean="0">
+                <a:solidFill>
+                  <a:schemeClr val="tx1"/>
+                </a:solidFill>
+              </a:rPr>
+              <a:t/>
+            </a:r>
+            <a:br>
+              <a:rPr lang="en-US" altLang="zh-TW" sz="1600" dirty="0" smtClean="0">
+                <a:solidFill>
+                  <a:schemeClr val="tx1"/>
+                </a:solidFill>
+              </a:rPr>
+            </a:br>
+            <a:r>
+              <a:rPr lang="en-US" altLang="zh-TW" sz="1600" dirty="0" smtClean="0">
+                <a:solidFill>
+                  <a:schemeClr val="tx1"/>
+                </a:solidFill>
+              </a:rPr>
+              <a:t>3.</a:t>
+            </a:r>
+            <a:r>
+              <a:rPr lang="zh-TW" altLang="en-US" sz="1600" dirty="0" smtClean="0">
+                <a:solidFill>
+                  <a:schemeClr val="tx1"/>
+                </a:solidFill>
+              </a:rPr>
+              <a:t>抓取到的值，覆蓋掉</a:t>
+            </a:r>
+            <a:r>
+              <a:rPr lang="en-US" altLang="zh-TW" sz="1600" dirty="0" err="1" smtClean="0">
+                <a:solidFill>
+                  <a:schemeClr val="tx1"/>
+                </a:solidFill>
+              </a:rPr>
+              <a:t>update_datas</a:t>
+            </a:r>
+            <a:r>
+              <a:rPr lang="zh-TW" altLang="en-US" sz="1600" dirty="0" smtClean="0">
+                <a:solidFill>
+                  <a:schemeClr val="tx1"/>
+                </a:solidFill>
+              </a:rPr>
+              <a:t>資料</a:t>
+            </a:r>
+            <a:endParaRPr lang="en-US" altLang="zh-TW" sz="1600" dirty="0" smtClean="0">
+              <a:solidFill>
+                <a:schemeClr val="tx1"/>
+              </a:solidFill>
+            </a:endParaRPr>
+          </a:p>
+        </p:txBody>
+      </p:sp>
+      <p:cxnSp>
+        <p:nvCxnSpPr>
+          <p:cNvPr id="36" name="直線單箭頭接點 35"/>
+          <p:cNvCxnSpPr>
+            <a:stCxn id="32" idx="1"/>
+          </p:cNvCxnSpPr>
+          <p:nvPr/>
+        </p:nvCxnSpPr>
+        <p:spPr>
+          <a:xfrm flipH="1">
+            <a:off x="5978013" y="3774199"/>
+            <a:ext cx="806245" cy="1388"/>
+          </a:xfrm>
+          <a:prstGeom prst="straightConnector1">
+            <a:avLst/>
+          </a:prstGeom>
+          <a:ln>
+            <a:tailEnd type="triangle"/>
+          </a:ln>
+        </p:spPr>
+        <p:style>
+          <a:lnRef idx="1">
+            <a:schemeClr val="accent1"/>
+          </a:lnRef>
+          <a:fillRef idx="0">
+            <a:schemeClr val="accent1"/>
+          </a:fillRef>
+          <a:effectRef idx="0">
+            <a:schemeClr val="accent1"/>
+          </a:effectRef>
+          <a:fontRef idx="minor">
+            <a:schemeClr val="tx1"/>
+          </a:fontRef>
+        </p:style>
+      </p:cxnSp>
+      <p:sp>
+        <p:nvSpPr>
+          <p:cNvPr id="46" name="矩形 45"/>
+          <p:cNvSpPr/>
+          <p:nvPr/>
+        </p:nvSpPr>
+        <p:spPr>
+          <a:xfrm>
+            <a:off x="2979174" y="3292403"/>
+            <a:ext cx="3018197" cy="925158"/>
+          </a:xfrm>
+          <a:prstGeom prst="rect">
+            <a:avLst/>
+          </a:prstGeom>
+          <a:noFill/>
+          <a:ln>
+            <a:solidFill>
+              <a:schemeClr val="accent1"/>
+            </a:solidFill>
+          </a:ln>
+        </p:spPr>
+        <p:style>
+          <a:lnRef idx="2">
+            <a:schemeClr val="accent1">
+              <a:shade val="50000"/>
+            </a:schemeClr>
+          </a:lnRef>
+          <a:fillRef idx="1">
+            <a:schemeClr val="accent1"/>
+          </a:fillRef>
+          <a:effectRef idx="0">
+            <a:schemeClr val="accent1"/>
+          </a:effectRef>
+          <a:fontRef idx="minor">
+            <a:schemeClr val="lt1"/>
+          </a:fontRef>
+        </p:style>
+        <p:txBody>
+          <a:bodyPr rtlCol="0" anchor="ctr"/>
+          <a:lstStyle/>
+          <a:p>
+            <a:r>
+              <a:rPr lang="zh-TW" altLang="en-US" sz="1600" dirty="0" smtClean="0">
+                <a:solidFill>
+                  <a:schemeClr val="tx1"/>
+                </a:solidFill>
+              </a:rPr>
+              <a:t>傳送</a:t>
+            </a:r>
+            <a:r>
+              <a:rPr lang="en-US" altLang="zh-TW" sz="1600" dirty="0" err="1" smtClean="0">
+                <a:solidFill>
+                  <a:schemeClr val="tx1"/>
+                </a:solidFill>
+              </a:rPr>
+              <a:t>updata_datas</a:t>
+            </a:r>
+            <a:r>
+              <a:rPr lang="zh-TW" altLang="en-US" sz="1600" dirty="0" smtClean="0">
+                <a:solidFill>
+                  <a:schemeClr val="tx1"/>
+                </a:solidFill>
+              </a:rPr>
+              <a:t>至資料庫回</a:t>
+            </a:r>
+            <a:r>
+              <a:rPr lang="zh-TW" altLang="en-US" sz="1600" dirty="0">
+                <a:solidFill>
+                  <a:schemeClr val="tx1"/>
+                </a:solidFill>
+              </a:rPr>
+              <a:t>存</a:t>
+            </a:r>
+            <a:endParaRPr lang="zh-TW" altLang="en-US" sz="1600" dirty="0">
+              <a:solidFill>
+                <a:schemeClr val="tx1"/>
+              </a:solidFill>
+            </a:endParaRPr>
+          </a:p>
+        </p:txBody>
+      </p:sp>
+      <p:cxnSp>
+        <p:nvCxnSpPr>
+          <p:cNvPr id="38" name="肘形接點 37"/>
+          <p:cNvCxnSpPr>
+            <a:stCxn id="46" idx="1"/>
+            <a:endCxn id="85" idx="1"/>
+          </p:cNvCxnSpPr>
+          <p:nvPr/>
+        </p:nvCxnSpPr>
+        <p:spPr>
+          <a:xfrm rot="10800000" flipH="1" flipV="1">
+            <a:off x="2979174" y="3754981"/>
+            <a:ext cx="1646268" cy="1284987"/>
+          </a:xfrm>
+          <a:prstGeom prst="bentConnector3">
+            <a:avLst>
+              <a:gd name="adj1" fmla="val -13886"/>
+            </a:avLst>
+          </a:prstGeom>
+          <a:ln>
+            <a:tailEnd type="triangle"/>
+          </a:ln>
+        </p:spPr>
+        <p:style>
+          <a:lnRef idx="1">
+            <a:schemeClr val="accent1"/>
+          </a:lnRef>
+          <a:fillRef idx="0">
+            <a:schemeClr val="accent1"/>
+          </a:fillRef>
+          <a:effectRef idx="0">
+            <a:schemeClr val="accent1"/>
+          </a:effectRef>
+          <a:fontRef idx="minor">
+            <a:schemeClr val="tx1"/>
+          </a:fontRef>
+        </p:style>
+      </p:cxnSp>
+      <p:sp>
+        <p:nvSpPr>
+          <p:cNvPr id="55" name="矩形 54"/>
+          <p:cNvSpPr/>
+          <p:nvPr/>
+        </p:nvSpPr>
+        <p:spPr>
+          <a:xfrm>
+            <a:off x="4625442" y="5882107"/>
+            <a:ext cx="1500827" cy="662260"/>
+          </a:xfrm>
+          <a:prstGeom prst="rect">
+            <a:avLst/>
+          </a:prstGeom>
+          <a:noFill/>
+          <a:ln>
+            <a:solidFill>
+              <a:schemeClr val="accent1"/>
+            </a:solidFill>
+          </a:ln>
+        </p:spPr>
+        <p:style>
+          <a:lnRef idx="2">
+            <a:schemeClr val="accent1">
+              <a:shade val="50000"/>
+            </a:schemeClr>
+          </a:lnRef>
+          <a:fillRef idx="1">
+            <a:schemeClr val="accent1"/>
+          </a:fillRef>
+          <a:effectRef idx="0">
+            <a:schemeClr val="accent1"/>
+          </a:effectRef>
+          <a:fontRef idx="minor">
+            <a:schemeClr val="lt1"/>
+          </a:fontRef>
+        </p:style>
+        <p:txBody>
+          <a:bodyPr rtlCol="0" anchor="ctr"/>
+          <a:lstStyle/>
+          <a:p>
+            <a:r>
+              <a:rPr lang="en-US" altLang="zh-TW" sz="1600" dirty="0" smtClean="0">
+                <a:solidFill>
+                  <a:schemeClr val="tx1"/>
+                </a:solidFill>
+              </a:rPr>
+              <a:t>1.</a:t>
+            </a:r>
+            <a:r>
+              <a:rPr lang="zh-TW" altLang="en-US" sz="1600" dirty="0" smtClean="0">
+                <a:solidFill>
+                  <a:schemeClr val="tx1"/>
+                </a:solidFill>
+              </a:rPr>
+              <a:t>報錯</a:t>
+            </a:r>
+            <a:endParaRPr lang="en-US" altLang="zh-TW" sz="1600" dirty="0" smtClean="0">
+              <a:solidFill>
+                <a:schemeClr val="tx1"/>
+              </a:solidFill>
+            </a:endParaRPr>
+          </a:p>
+          <a:p>
+            <a:r>
+              <a:rPr lang="en-US" altLang="zh-TW" sz="1600" dirty="0" smtClean="0">
+                <a:solidFill>
+                  <a:schemeClr val="tx1"/>
+                </a:solidFill>
+              </a:rPr>
+              <a:t>2.</a:t>
+            </a:r>
+            <a:r>
+              <a:rPr lang="zh-TW" altLang="en-US" sz="1600" dirty="0" smtClean="0">
+                <a:solidFill>
+                  <a:schemeClr val="tx1"/>
+                </a:solidFill>
+              </a:rPr>
+              <a:t>關閉視窗</a:t>
+            </a:r>
+            <a:endParaRPr lang="zh-TW" altLang="en-US" sz="1600" dirty="0">
+              <a:solidFill>
+                <a:schemeClr val="tx1"/>
+              </a:solidFill>
+            </a:endParaRPr>
+          </a:p>
+        </p:txBody>
+      </p:sp>
+      <p:cxnSp>
+        <p:nvCxnSpPr>
+          <p:cNvPr id="97" name="肘形接點 96"/>
+          <p:cNvCxnSpPr>
+            <a:stCxn id="46" idx="1"/>
+            <a:endCxn id="55" idx="1"/>
+          </p:cNvCxnSpPr>
+          <p:nvPr/>
+        </p:nvCxnSpPr>
+        <p:spPr>
+          <a:xfrm rot="10800000" flipH="1" flipV="1">
+            <a:off x="2979174" y="3754981"/>
+            <a:ext cx="1646268" cy="2458255"/>
+          </a:xfrm>
+          <a:prstGeom prst="bentConnector3">
+            <a:avLst>
+              <a:gd name="adj1" fmla="val -74208"/>
+            </a:avLst>
+          </a:prstGeom>
+          <a:ln>
+            <a:tailEnd type="triangle"/>
+          </a:ln>
+        </p:spPr>
+        <p:style>
+          <a:lnRef idx="1">
+            <a:schemeClr val="accent1"/>
+          </a:lnRef>
+          <a:fillRef idx="0">
+            <a:schemeClr val="accent1"/>
+          </a:fillRef>
+          <a:effectRef idx="0">
+            <a:schemeClr val="accent1"/>
+          </a:effectRef>
+          <a:fontRef idx="minor">
+            <a:schemeClr val="tx1"/>
+          </a:fontRef>
+        </p:style>
+      </p:cxnSp>
+      <p:sp>
+        <p:nvSpPr>
+          <p:cNvPr id="73" name="橢圓 72"/>
+          <p:cNvSpPr/>
+          <p:nvPr/>
+        </p:nvSpPr>
+        <p:spPr>
+          <a:xfrm>
+            <a:off x="8251779" y="4711617"/>
+            <a:ext cx="1863649" cy="656704"/>
+          </a:xfrm>
+          <a:prstGeom prst="ellipse">
+            <a:avLst/>
+          </a:prstGeom>
+          <a:noFill/>
+          <a:ln>
+            <a:solidFill>
+              <a:schemeClr val="accent2">
+                <a:lumMod val="60000"/>
+                <a:lumOff val="40000"/>
+              </a:schemeClr>
+            </a:solidFill>
+          </a:ln>
+        </p:spPr>
+        <p:style>
+          <a:lnRef idx="2">
+            <a:schemeClr val="accent1">
+              <a:shade val="50000"/>
+            </a:schemeClr>
+          </a:lnRef>
+          <a:fillRef idx="1">
+            <a:schemeClr val="accent1"/>
+          </a:fillRef>
+          <a:effectRef idx="0">
+            <a:schemeClr val="accent1"/>
+          </a:effectRef>
+          <a:fontRef idx="minor">
+            <a:schemeClr val="lt1"/>
+          </a:fontRef>
+        </p:style>
+        <p:txBody>
+          <a:bodyPr rtlCol="0" anchor="ctr"/>
+          <a:lstStyle/>
+          <a:p>
+            <a:pPr algn="ctr"/>
+            <a:r>
+              <a:rPr lang="zh-TW" altLang="en-US" sz="1600" dirty="0" smtClean="0">
+                <a:solidFill>
+                  <a:schemeClr val="tx1"/>
+                </a:solidFill>
+              </a:rPr>
+              <a:t>結束</a:t>
+            </a:r>
+            <a:endParaRPr lang="zh-TW" altLang="en-US" sz="1600" dirty="0">
+              <a:solidFill>
+                <a:schemeClr val="tx1"/>
+              </a:solidFill>
+            </a:endParaRPr>
+          </a:p>
+        </p:txBody>
+      </p:sp>
+      <p:sp>
+        <p:nvSpPr>
+          <p:cNvPr id="77" name="文字方塊 76"/>
+          <p:cNvSpPr txBox="1"/>
+          <p:nvPr/>
+        </p:nvSpPr>
+        <p:spPr>
+          <a:xfrm>
+            <a:off x="2810649" y="4755344"/>
+            <a:ext cx="661106" cy="307777"/>
+          </a:xfrm>
+          <a:prstGeom prst="rect">
+            <a:avLst/>
+          </a:prstGeom>
+          <a:noFill/>
+        </p:spPr>
+        <p:txBody>
+          <a:bodyPr wrap="square" rtlCol="0">
+            <a:spAutoFit/>
+          </a:bodyPr>
+          <a:lstStyle/>
+          <a:p>
+            <a:r>
+              <a:rPr lang="zh-TW" altLang="en-US" sz="1400" dirty="0" smtClean="0"/>
+              <a:t>完成</a:t>
+            </a:r>
+            <a:endParaRPr lang="zh-TW" altLang="en-US" sz="1400" dirty="0"/>
+          </a:p>
+        </p:txBody>
+      </p:sp>
+      <p:sp>
+        <p:nvSpPr>
+          <p:cNvPr id="78" name="文字方塊 77"/>
+          <p:cNvSpPr txBox="1"/>
+          <p:nvPr/>
+        </p:nvSpPr>
+        <p:spPr>
+          <a:xfrm>
+            <a:off x="1822415" y="5905459"/>
+            <a:ext cx="573202" cy="307777"/>
+          </a:xfrm>
+          <a:prstGeom prst="rect">
+            <a:avLst/>
+          </a:prstGeom>
+          <a:noFill/>
+        </p:spPr>
+        <p:txBody>
+          <a:bodyPr wrap="square" rtlCol="0">
+            <a:spAutoFit/>
+          </a:bodyPr>
+          <a:lstStyle/>
+          <a:p>
+            <a:r>
+              <a:rPr lang="zh-TW" altLang="en-US" sz="1400" dirty="0"/>
+              <a:t>異常</a:t>
+            </a:r>
+            <a:endParaRPr lang="zh-TW" altLang="en-US" sz="1400" dirty="0"/>
+          </a:p>
+        </p:txBody>
+      </p:sp>
+      <p:cxnSp>
+        <p:nvCxnSpPr>
+          <p:cNvPr id="111" name="直線單箭頭接點 110"/>
+          <p:cNvCxnSpPr>
+            <a:stCxn id="55" idx="3"/>
+            <a:endCxn id="102" idx="2"/>
+          </p:cNvCxnSpPr>
+          <p:nvPr/>
+        </p:nvCxnSpPr>
+        <p:spPr>
+          <a:xfrm>
+            <a:off x="6126269" y="6213237"/>
+            <a:ext cx="2100655" cy="2778"/>
+          </a:xfrm>
+          <a:prstGeom prst="straightConnector1">
+            <a:avLst/>
+          </a:prstGeom>
+          <a:ln>
+            <a:tailEnd type="triangle"/>
+          </a:ln>
+        </p:spPr>
+        <p:style>
+          <a:lnRef idx="1">
+            <a:schemeClr val="accent1"/>
+          </a:lnRef>
+          <a:fillRef idx="0">
+            <a:schemeClr val="accent1"/>
+          </a:fillRef>
+          <a:effectRef idx="0">
+            <a:schemeClr val="accent1"/>
+          </a:effectRef>
+          <a:fontRef idx="minor">
+            <a:schemeClr val="tx1"/>
+          </a:fontRef>
+        </p:style>
+      </p:cxnSp>
+      <p:sp>
+        <p:nvSpPr>
+          <p:cNvPr id="85" name="矩形 84"/>
+          <p:cNvSpPr/>
+          <p:nvPr/>
+        </p:nvSpPr>
+        <p:spPr>
+          <a:xfrm>
+            <a:off x="4625442" y="4612029"/>
+            <a:ext cx="1500827" cy="855880"/>
+          </a:xfrm>
+          <a:prstGeom prst="rect">
+            <a:avLst/>
+          </a:prstGeom>
+          <a:noFill/>
+          <a:ln>
+            <a:solidFill>
+              <a:schemeClr val="accent1"/>
+            </a:solidFill>
+          </a:ln>
+        </p:spPr>
+        <p:style>
+          <a:lnRef idx="2">
+            <a:schemeClr val="accent1">
+              <a:shade val="50000"/>
+            </a:schemeClr>
+          </a:lnRef>
+          <a:fillRef idx="1">
+            <a:schemeClr val="accent1"/>
+          </a:fillRef>
+          <a:effectRef idx="0">
+            <a:schemeClr val="accent1"/>
+          </a:effectRef>
+          <a:fontRef idx="minor">
+            <a:schemeClr val="lt1"/>
+          </a:fontRef>
+        </p:style>
+        <p:txBody>
+          <a:bodyPr rtlCol="0" anchor="ctr"/>
+          <a:lstStyle/>
+          <a:p>
+            <a:r>
+              <a:rPr lang="en-US" altLang="zh-TW" sz="1600" dirty="0" smtClean="0">
+                <a:solidFill>
+                  <a:schemeClr val="tx1"/>
+                </a:solidFill>
+              </a:rPr>
+              <a:t>1.</a:t>
+            </a:r>
+            <a:r>
+              <a:rPr lang="zh-TW" altLang="en-US" sz="1600" dirty="0" smtClean="0">
+                <a:solidFill>
+                  <a:schemeClr val="tx1"/>
+                </a:solidFill>
+              </a:rPr>
+              <a:t>更新資料</a:t>
+            </a:r>
+            <a:endParaRPr lang="en-US" altLang="zh-TW" sz="1600" dirty="0" smtClean="0">
+              <a:solidFill>
+                <a:schemeClr val="tx1"/>
+              </a:solidFill>
+            </a:endParaRPr>
+          </a:p>
+          <a:p>
+            <a:r>
+              <a:rPr lang="en-US" altLang="zh-TW" sz="1600" dirty="0" smtClean="0">
+                <a:solidFill>
+                  <a:schemeClr val="tx1"/>
+                </a:solidFill>
+              </a:rPr>
+              <a:t>2.</a:t>
+            </a:r>
+            <a:r>
+              <a:rPr lang="zh-TW" altLang="en-US" sz="1600" dirty="0" smtClean="0">
+                <a:solidFill>
+                  <a:schemeClr val="tx1"/>
+                </a:solidFill>
+              </a:rPr>
+              <a:t>更新頁面</a:t>
+            </a:r>
+            <a:endParaRPr lang="en-US" altLang="zh-TW" sz="1600" dirty="0" smtClean="0">
+              <a:solidFill>
+                <a:schemeClr val="tx1"/>
+              </a:solidFill>
+            </a:endParaRPr>
+          </a:p>
+          <a:p>
+            <a:r>
+              <a:rPr lang="en-US" altLang="zh-TW" sz="1600" dirty="0" smtClean="0">
+                <a:solidFill>
+                  <a:schemeClr val="tx1"/>
+                </a:solidFill>
+              </a:rPr>
+              <a:t>3.</a:t>
+            </a:r>
+            <a:r>
+              <a:rPr lang="zh-TW" altLang="en-US" sz="1600" dirty="0" smtClean="0">
+                <a:solidFill>
+                  <a:schemeClr val="tx1"/>
+                </a:solidFill>
+              </a:rPr>
+              <a:t>關閉視窗</a:t>
+            </a:r>
+            <a:endParaRPr lang="zh-TW" altLang="en-US" sz="1600" dirty="0">
+              <a:solidFill>
+                <a:schemeClr val="tx1"/>
+              </a:solidFill>
+            </a:endParaRPr>
+          </a:p>
+        </p:txBody>
+      </p:sp>
+      <p:cxnSp>
+        <p:nvCxnSpPr>
+          <p:cNvPr id="118" name="直線單箭頭接點 117"/>
+          <p:cNvCxnSpPr>
+            <a:stCxn id="85" idx="3"/>
+            <a:endCxn id="73" idx="2"/>
+          </p:cNvCxnSpPr>
+          <p:nvPr/>
+        </p:nvCxnSpPr>
+        <p:spPr>
+          <a:xfrm>
+            <a:off x="6126269" y="5039969"/>
+            <a:ext cx="2125510" cy="0"/>
+          </a:xfrm>
+          <a:prstGeom prst="straightConnector1">
+            <a:avLst/>
+          </a:prstGeom>
+          <a:ln>
+            <a:tailEnd type="triangle"/>
+          </a:ln>
+        </p:spPr>
+        <p:style>
+          <a:lnRef idx="1">
+            <a:schemeClr val="accent1"/>
+          </a:lnRef>
+          <a:fillRef idx="0">
+            <a:schemeClr val="accent1"/>
+          </a:fillRef>
+          <a:effectRef idx="0">
+            <a:schemeClr val="accent1"/>
+          </a:effectRef>
+          <a:fontRef idx="minor">
+            <a:schemeClr val="tx1"/>
+          </a:fontRef>
+        </p:style>
+      </p:cxnSp>
+    </p:spTree>
+    <p:extLst>
+      <p:ext uri="{BB962C8B-B14F-4D97-AF65-F5344CB8AC3E}">
+        <p14:creationId xmlns:p14="http://schemas.microsoft.com/office/powerpoint/2010/main" val="2044655750"/>
+      </p:ext>
+    </p:extLst>
+  </p:cSld>
+  <p:clrMapOvr>
+    <a:masterClrMapping/>
+  </p:clrMapOvr>
+  <p:timing>
+    <p:tnLst>
+      <p:par>
+        <p:cTn id="1" dur="indefinite" restart="never" nodeType="tmRoot"/>
+      </p:par>
+    </p:tnLst>
+  </p:timing>
+</p:sld>
+</file>
+
+<file path=ppt/slides/slide6.xml><?xml version="1.0" encoding="utf-8"?>
+<p:sld xmlns:a="http://schemas.openxmlformats.org/drawingml/2006/main" xmlns:r="http://schemas.openxmlformats.org/officeDocument/2006/relationships" xmlns:p="http://schemas.openxmlformats.org/presentationml/2006/main">
+  <p:cSld>
+    <p:spTree>
+      <p:nvGrpSpPr>
+        <p:cNvPr id="1" name=""/>
+        <p:cNvGrpSpPr/>
+        <p:nvPr/>
+      </p:nvGrpSpPr>
+      <p:grpSpPr>
+        <a:xfrm>
+          <a:off x="0" y="0"/>
+          <a:ext cx="0" cy="0"/>
+          <a:chOff x="0" y="0"/>
+          <a:chExt cx="0" cy="0"/>
+        </a:xfrm>
+      </p:grpSpPr>
+      <p:sp>
+        <p:nvSpPr>
+          <p:cNvPr id="9" name="圓角矩形 8"/>
+          <p:cNvSpPr/>
+          <p:nvPr/>
+        </p:nvSpPr>
+        <p:spPr>
+          <a:xfrm>
+            <a:off x="211393" y="1065412"/>
+            <a:ext cx="11847871" cy="5673212"/>
+          </a:xfrm>
+          <a:prstGeom prst="roundRect">
+            <a:avLst/>
+          </a:prstGeom>
+          <a:noFill/>
+          <a:ln>
+            <a:solidFill>
+              <a:srgbClr val="FF0000"/>
+            </a:solidFill>
+          </a:ln>
+        </p:spPr>
+        <p:style>
+          <a:lnRef idx="2">
+            <a:schemeClr val="accent1">
+              <a:shade val="50000"/>
+            </a:schemeClr>
+          </a:lnRef>
+          <a:fillRef idx="1">
+            <a:schemeClr val="accent1"/>
+          </a:fillRef>
+          <a:effectRef idx="0">
+            <a:schemeClr val="accent1"/>
+          </a:effectRef>
+          <a:fontRef idx="minor">
+            <a:schemeClr val="lt1"/>
+          </a:fontRef>
+        </p:style>
+        <p:txBody>
+          <a:bodyPr rtlCol="0" anchor="ctr">
+            <a:prstTxWarp prst="textSlantDown">
+              <a:avLst/>
+            </a:prstTxWarp>
+          </a:bodyPr>
+          <a:lstStyle/>
+          <a:p>
+            <a:pPr algn="ctr"/>
+            <a:r>
+              <a:rPr lang="zh-TW" altLang="en-US" sz="10000" dirty="0" smtClean="0">
+                <a:solidFill>
+                  <a:schemeClr val="tx1">
+                    <a:alpha val="5000"/>
+                  </a:schemeClr>
+                </a:solidFill>
+              </a:rPr>
+              <a:t>資料修改流程</a:t>
+            </a:r>
+            <a:endParaRPr lang="zh-TW" altLang="en-US" sz="10000" dirty="0">
+              <a:solidFill>
+                <a:schemeClr val="tx1">
+                  <a:alpha val="5000"/>
+                </a:schemeClr>
+              </a:solidFill>
+            </a:endParaRPr>
+          </a:p>
+        </p:txBody>
+      </p:sp>
+      <p:sp>
+        <p:nvSpPr>
+          <p:cNvPr id="3" name="副標題 2"/>
+          <p:cNvSpPr>
+            <a:spLocks noGrp="1"/>
+          </p:cNvSpPr>
+          <p:nvPr>
+            <p:ph type="subTitle" idx="1"/>
+          </p:nvPr>
+        </p:nvSpPr>
+        <p:spPr>
+          <a:xfrm>
+            <a:off x="1500249" y="47501"/>
+            <a:ext cx="9144000" cy="694707"/>
+          </a:xfrm>
+        </p:spPr>
+        <p:txBody>
+          <a:bodyPr>
+            <a:noAutofit/>
+          </a:bodyPr>
+          <a:lstStyle/>
+          <a:p>
+            <a:r>
+              <a:rPr lang="zh-TW" altLang="en-US" sz="5000" dirty="0" smtClean="0">
+                <a:solidFill>
+                  <a:srgbClr val="FF0000"/>
+                </a:solidFill>
+              </a:rPr>
+              <a:t>資料庫</a:t>
+            </a:r>
+            <a:r>
+              <a:rPr lang="en-US" altLang="zh-TW" sz="5000" dirty="0" smtClean="0">
+                <a:solidFill>
+                  <a:srgbClr val="FF0000"/>
+                </a:solidFill>
+              </a:rPr>
+              <a:t>『</a:t>
+            </a:r>
+            <a:r>
+              <a:rPr lang="zh-TW" altLang="en-US" sz="5000" dirty="0" smtClean="0">
+                <a:solidFill>
+                  <a:srgbClr val="FF0000"/>
+                </a:solidFill>
+              </a:rPr>
+              <a:t>資料刪除</a:t>
+            </a:r>
+            <a:r>
+              <a:rPr lang="en-US" altLang="zh-TW" sz="5000" dirty="0" smtClean="0">
+                <a:solidFill>
+                  <a:srgbClr val="FF0000"/>
+                </a:solidFill>
+              </a:rPr>
+              <a:t>』</a:t>
+            </a:r>
+            <a:r>
+              <a:rPr lang="zh-TW" altLang="en-US" sz="5000" dirty="0">
+                <a:solidFill>
+                  <a:srgbClr val="FF0000"/>
+                </a:solidFill>
+              </a:rPr>
+              <a:t>流程</a:t>
+            </a:r>
+            <a:endParaRPr lang="zh-TW" altLang="en-US" sz="5000" dirty="0">
+              <a:solidFill>
+                <a:srgbClr val="FF0000"/>
+              </a:solidFill>
+            </a:endParaRPr>
+          </a:p>
+        </p:txBody>
+      </p:sp>
+      <p:sp>
+        <p:nvSpPr>
+          <p:cNvPr id="25" name="橢圓 24"/>
+          <p:cNvSpPr/>
+          <p:nvPr/>
+        </p:nvSpPr>
+        <p:spPr>
+          <a:xfrm>
+            <a:off x="328800" y="3507733"/>
+            <a:ext cx="1814632" cy="651818"/>
+          </a:xfrm>
+          <a:prstGeom prst="ellipse">
+            <a:avLst/>
+          </a:prstGeom>
+          <a:noFill/>
+          <a:ln>
+            <a:solidFill>
+              <a:schemeClr val="accent2">
+                <a:lumMod val="60000"/>
+                <a:lumOff val="40000"/>
+              </a:schemeClr>
+            </a:solidFill>
+          </a:ln>
+        </p:spPr>
+        <p:style>
+          <a:lnRef idx="2">
+            <a:schemeClr val="accent1">
+              <a:shade val="50000"/>
+            </a:schemeClr>
+          </a:lnRef>
+          <a:fillRef idx="1">
+            <a:schemeClr val="accent1"/>
+          </a:fillRef>
+          <a:effectRef idx="0">
+            <a:schemeClr val="accent1"/>
+          </a:effectRef>
+          <a:fontRef idx="minor">
+            <a:schemeClr val="lt1"/>
+          </a:fontRef>
+        </p:style>
+        <p:txBody>
+          <a:bodyPr rtlCol="0" anchor="ctr"/>
+          <a:lstStyle/>
+          <a:p>
+            <a:pPr algn="ctr"/>
+            <a:r>
+              <a:rPr lang="zh-TW" altLang="en-US" sz="1600" dirty="0" smtClean="0">
+                <a:solidFill>
+                  <a:schemeClr val="tx1"/>
+                </a:solidFill>
+              </a:rPr>
+              <a:t>單字</a:t>
+            </a:r>
+            <a:r>
+              <a:rPr lang="en-US" altLang="zh-TW" sz="1600" dirty="0" smtClean="0">
+                <a:solidFill>
+                  <a:schemeClr val="tx1"/>
+                </a:solidFill>
+              </a:rPr>
+              <a:t>『</a:t>
+            </a:r>
+            <a:r>
+              <a:rPr lang="zh-TW" altLang="en-US" sz="1600" dirty="0">
+                <a:solidFill>
+                  <a:schemeClr val="tx1"/>
+                </a:solidFill>
+              </a:rPr>
+              <a:t>刪除</a:t>
+            </a:r>
+            <a:r>
+              <a:rPr lang="en-US" altLang="zh-TW" sz="1600" dirty="0" smtClean="0">
+                <a:solidFill>
+                  <a:schemeClr val="tx1"/>
+                </a:solidFill>
+              </a:rPr>
+              <a:t>』</a:t>
+            </a:r>
+            <a:endParaRPr lang="zh-TW" altLang="en-US" sz="1600" dirty="0">
+              <a:solidFill>
+                <a:schemeClr val="tx1"/>
+              </a:solidFill>
+            </a:endParaRPr>
+          </a:p>
+        </p:txBody>
+      </p:sp>
+      <p:sp>
+        <p:nvSpPr>
+          <p:cNvPr id="33" name="矩形 32"/>
+          <p:cNvSpPr/>
+          <p:nvPr/>
+        </p:nvSpPr>
+        <p:spPr>
+          <a:xfrm>
+            <a:off x="2876866" y="3379982"/>
+            <a:ext cx="4025380" cy="925158"/>
+          </a:xfrm>
+          <a:prstGeom prst="rect">
+            <a:avLst/>
+          </a:prstGeom>
+          <a:noFill/>
+          <a:ln>
+            <a:solidFill>
+              <a:schemeClr val="accent1"/>
+            </a:solidFill>
+          </a:ln>
+        </p:spPr>
+        <p:style>
+          <a:lnRef idx="2">
+            <a:schemeClr val="accent1">
+              <a:shade val="50000"/>
+            </a:schemeClr>
+          </a:lnRef>
+          <a:fillRef idx="1">
+            <a:schemeClr val="accent1"/>
+          </a:fillRef>
+          <a:effectRef idx="0">
+            <a:schemeClr val="accent1"/>
+          </a:effectRef>
+          <a:fontRef idx="minor">
+            <a:schemeClr val="lt1"/>
+          </a:fontRef>
+        </p:style>
+        <p:txBody>
+          <a:bodyPr rtlCol="0" anchor="ctr"/>
+          <a:lstStyle/>
+          <a:p>
+            <a:r>
+              <a:rPr lang="en-US" altLang="zh-TW" sz="1600" dirty="0" err="1" smtClean="0">
+                <a:solidFill>
+                  <a:schemeClr val="tx1"/>
+                </a:solidFill>
+              </a:rPr>
+              <a:t>Toplevel</a:t>
+            </a:r>
+            <a:r>
+              <a:rPr lang="zh-TW" altLang="en-US" sz="1600" dirty="0" smtClean="0">
+                <a:solidFill>
+                  <a:schemeClr val="tx1"/>
+                </a:solidFill>
+              </a:rPr>
+              <a:t>提示視窗，再次確認</a:t>
+            </a:r>
+            <a:r>
+              <a:rPr lang="en-US" altLang="zh-TW" sz="1600" dirty="0" smtClean="0">
+                <a:solidFill>
+                  <a:schemeClr val="tx1"/>
+                </a:solidFill>
+              </a:rPr>
+              <a:t>『</a:t>
+            </a:r>
+            <a:r>
+              <a:rPr lang="zh-TW" altLang="en-US" sz="1600" dirty="0" smtClean="0">
+                <a:solidFill>
+                  <a:schemeClr val="tx1"/>
+                </a:solidFill>
+              </a:rPr>
+              <a:t>是否刪除</a:t>
+            </a:r>
+            <a:r>
+              <a:rPr lang="en-US" altLang="zh-TW" sz="1600" dirty="0" smtClean="0">
+                <a:solidFill>
+                  <a:schemeClr val="tx1"/>
+                </a:solidFill>
+              </a:rPr>
+              <a:t>』</a:t>
+            </a:r>
+            <a:endParaRPr lang="zh-TW" altLang="en-US" sz="1600" dirty="0">
+              <a:solidFill>
+                <a:schemeClr val="tx1"/>
+              </a:solidFill>
+            </a:endParaRPr>
+          </a:p>
+        </p:txBody>
+      </p:sp>
+      <p:cxnSp>
+        <p:nvCxnSpPr>
+          <p:cNvPr id="58" name="直線單箭頭接點 57"/>
+          <p:cNvCxnSpPr>
+            <a:stCxn id="25" idx="6"/>
+            <a:endCxn id="33" idx="1"/>
+          </p:cNvCxnSpPr>
+          <p:nvPr/>
+        </p:nvCxnSpPr>
+        <p:spPr>
+          <a:xfrm>
+            <a:off x="2143432" y="3833642"/>
+            <a:ext cx="733433" cy="8919"/>
+          </a:xfrm>
+          <a:prstGeom prst="straightConnector1">
+            <a:avLst/>
+          </a:prstGeom>
+          <a:ln>
+            <a:tailEnd type="triangle"/>
+          </a:ln>
+        </p:spPr>
+        <p:style>
+          <a:lnRef idx="1">
+            <a:schemeClr val="accent1"/>
+          </a:lnRef>
+          <a:fillRef idx="0">
+            <a:schemeClr val="accent1"/>
+          </a:fillRef>
+          <a:effectRef idx="0">
+            <a:schemeClr val="accent1"/>
+          </a:effectRef>
+          <a:fontRef idx="minor">
+            <a:schemeClr val="tx1"/>
+          </a:fontRef>
+        </p:style>
+      </p:cxnSp>
+      <p:sp>
+        <p:nvSpPr>
+          <p:cNvPr id="27" name="文字方塊 26"/>
+          <p:cNvSpPr txBox="1"/>
+          <p:nvPr/>
+        </p:nvSpPr>
+        <p:spPr>
+          <a:xfrm>
+            <a:off x="2198148" y="3534784"/>
+            <a:ext cx="631603" cy="307777"/>
+          </a:xfrm>
+          <a:prstGeom prst="rect">
+            <a:avLst/>
+          </a:prstGeom>
+          <a:noFill/>
+        </p:spPr>
+        <p:txBody>
+          <a:bodyPr wrap="square" rtlCol="0">
+            <a:spAutoFit/>
+          </a:bodyPr>
+          <a:lstStyle/>
+          <a:p>
+            <a:r>
+              <a:rPr lang="zh-TW" altLang="en-US" sz="1400" dirty="0"/>
+              <a:t>點擊</a:t>
+            </a:r>
+            <a:endParaRPr lang="zh-TW" altLang="en-US" sz="1400" dirty="0"/>
+          </a:p>
+        </p:txBody>
+      </p:sp>
+      <p:sp>
+        <p:nvSpPr>
+          <p:cNvPr id="26" name="矩形 25"/>
+          <p:cNvSpPr/>
+          <p:nvPr/>
+        </p:nvSpPr>
+        <p:spPr>
+          <a:xfrm>
+            <a:off x="7944466" y="2027751"/>
+            <a:ext cx="1527282" cy="925158"/>
+          </a:xfrm>
+          <a:prstGeom prst="rect">
+            <a:avLst/>
+          </a:prstGeom>
+          <a:noFill/>
+          <a:ln>
+            <a:solidFill>
+              <a:schemeClr val="accent1"/>
+            </a:solidFill>
+          </a:ln>
+        </p:spPr>
+        <p:style>
+          <a:lnRef idx="2">
+            <a:schemeClr val="accent1">
+              <a:shade val="50000"/>
+            </a:schemeClr>
+          </a:lnRef>
+          <a:fillRef idx="1">
+            <a:schemeClr val="accent1"/>
+          </a:fillRef>
+          <a:effectRef idx="0">
+            <a:schemeClr val="accent1"/>
+          </a:effectRef>
+          <a:fontRef idx="minor">
+            <a:schemeClr val="lt1"/>
+          </a:fontRef>
+        </p:style>
+        <p:txBody>
+          <a:bodyPr rtlCol="0" anchor="ctr"/>
+          <a:lstStyle/>
+          <a:p>
+            <a:r>
+              <a:rPr lang="en-US" altLang="zh-TW" sz="1600" dirty="0" smtClean="0">
+                <a:solidFill>
+                  <a:schemeClr val="tx1"/>
+                </a:solidFill>
+              </a:rPr>
+              <a:t>1.</a:t>
+            </a:r>
+            <a:r>
+              <a:rPr lang="zh-TW" altLang="en-US" sz="1600" dirty="0" smtClean="0">
+                <a:solidFill>
+                  <a:schemeClr val="tx1"/>
+                </a:solidFill>
+              </a:rPr>
+              <a:t>刪除資料</a:t>
+            </a:r>
+            <a:endParaRPr lang="en-US" altLang="zh-TW" sz="1600" dirty="0" smtClean="0">
+              <a:solidFill>
+                <a:schemeClr val="tx1"/>
+              </a:solidFill>
+            </a:endParaRPr>
+          </a:p>
+          <a:p>
+            <a:r>
+              <a:rPr lang="en-US" altLang="zh-TW" sz="1600" dirty="0" smtClean="0">
+                <a:solidFill>
+                  <a:schemeClr val="tx1"/>
+                </a:solidFill>
+              </a:rPr>
+              <a:t>2.</a:t>
+            </a:r>
+            <a:r>
+              <a:rPr lang="zh-TW" altLang="en-US" sz="1600" dirty="0" smtClean="0">
+                <a:solidFill>
+                  <a:schemeClr val="tx1"/>
+                </a:solidFill>
+              </a:rPr>
+              <a:t>更新頁面</a:t>
+            </a:r>
+            <a:endParaRPr lang="en-US" altLang="zh-TW" sz="1600" dirty="0" smtClean="0">
+              <a:solidFill>
+                <a:schemeClr val="tx1"/>
+              </a:solidFill>
+            </a:endParaRPr>
+          </a:p>
+          <a:p>
+            <a:r>
+              <a:rPr lang="en-US" altLang="zh-TW" sz="1600" dirty="0">
+                <a:solidFill>
+                  <a:schemeClr val="tx1"/>
+                </a:solidFill>
+              </a:rPr>
+              <a:t>3</a:t>
+            </a:r>
+            <a:r>
+              <a:rPr lang="en-US" altLang="zh-TW" sz="1600" dirty="0" smtClean="0">
+                <a:solidFill>
+                  <a:schemeClr val="tx1"/>
+                </a:solidFill>
+              </a:rPr>
+              <a:t>.</a:t>
+            </a:r>
+            <a:r>
+              <a:rPr lang="zh-TW" altLang="en-US" sz="1600" dirty="0" smtClean="0">
+                <a:solidFill>
+                  <a:schemeClr val="tx1"/>
+                </a:solidFill>
+              </a:rPr>
+              <a:t>關閉提示</a:t>
+            </a:r>
+            <a:r>
+              <a:rPr lang="zh-TW" altLang="en-US" sz="1600" dirty="0">
+                <a:solidFill>
+                  <a:schemeClr val="tx1"/>
+                </a:solidFill>
+              </a:rPr>
+              <a:t>窗</a:t>
+            </a:r>
+            <a:endParaRPr lang="zh-TW" altLang="en-US" sz="1600" dirty="0">
+              <a:solidFill>
+                <a:schemeClr val="tx1"/>
+              </a:solidFill>
+            </a:endParaRPr>
+          </a:p>
+        </p:txBody>
+      </p:sp>
+      <p:cxnSp>
+        <p:nvCxnSpPr>
+          <p:cNvPr id="5" name="肘形接點 4"/>
+          <p:cNvCxnSpPr>
+            <a:stCxn id="33" idx="3"/>
+            <a:endCxn id="26" idx="1"/>
+          </p:cNvCxnSpPr>
+          <p:nvPr/>
+        </p:nvCxnSpPr>
+        <p:spPr>
+          <a:xfrm flipV="1">
+            <a:off x="6902246" y="2490330"/>
+            <a:ext cx="1042220" cy="1352231"/>
+          </a:xfrm>
+          <a:prstGeom prst="bentConnector3">
+            <a:avLst/>
+          </a:prstGeom>
+          <a:ln>
+            <a:tailEnd type="triangle"/>
+          </a:ln>
+        </p:spPr>
+        <p:style>
+          <a:lnRef idx="1">
+            <a:schemeClr val="accent1"/>
+          </a:lnRef>
+          <a:fillRef idx="0">
+            <a:schemeClr val="accent1"/>
+          </a:fillRef>
+          <a:effectRef idx="0">
+            <a:schemeClr val="accent1"/>
+          </a:effectRef>
+          <a:fontRef idx="minor">
+            <a:schemeClr val="tx1"/>
+          </a:fontRef>
+        </p:style>
+      </p:cxnSp>
+      <p:sp>
+        <p:nvSpPr>
+          <p:cNvPr id="28" name="橢圓 27"/>
+          <p:cNvSpPr/>
+          <p:nvPr/>
+        </p:nvSpPr>
+        <p:spPr>
+          <a:xfrm>
+            <a:off x="9858190" y="2164421"/>
+            <a:ext cx="1814632" cy="651818"/>
+          </a:xfrm>
+          <a:prstGeom prst="ellipse">
+            <a:avLst/>
+          </a:prstGeom>
+          <a:noFill/>
+          <a:ln>
+            <a:solidFill>
+              <a:schemeClr val="accent2">
+                <a:lumMod val="60000"/>
+                <a:lumOff val="40000"/>
+              </a:schemeClr>
+            </a:solidFill>
+          </a:ln>
+        </p:spPr>
+        <p:style>
+          <a:lnRef idx="2">
+            <a:schemeClr val="accent1">
+              <a:shade val="50000"/>
+            </a:schemeClr>
+          </a:lnRef>
+          <a:fillRef idx="1">
+            <a:schemeClr val="accent1"/>
+          </a:fillRef>
+          <a:effectRef idx="0">
+            <a:schemeClr val="accent1"/>
+          </a:effectRef>
+          <a:fontRef idx="minor">
+            <a:schemeClr val="lt1"/>
+          </a:fontRef>
+        </p:style>
+        <p:txBody>
+          <a:bodyPr rtlCol="0" anchor="ctr"/>
+          <a:lstStyle/>
+          <a:p>
+            <a:pPr algn="ctr"/>
+            <a:r>
+              <a:rPr lang="zh-TW" altLang="en-US" sz="1600" dirty="0" smtClean="0">
+                <a:solidFill>
+                  <a:schemeClr val="tx1"/>
+                </a:solidFill>
+              </a:rPr>
+              <a:t>結束</a:t>
+            </a:r>
+            <a:endParaRPr lang="zh-TW" altLang="en-US" sz="1600" dirty="0">
+              <a:solidFill>
+                <a:schemeClr val="tx1"/>
+              </a:solidFill>
+            </a:endParaRPr>
+          </a:p>
+        </p:txBody>
+      </p:sp>
+      <p:cxnSp>
+        <p:nvCxnSpPr>
+          <p:cNvPr id="7" name="直線單箭頭接點 6"/>
+          <p:cNvCxnSpPr>
+            <a:stCxn id="26" idx="3"/>
+            <a:endCxn id="28" idx="2"/>
+          </p:cNvCxnSpPr>
+          <p:nvPr/>
+        </p:nvCxnSpPr>
+        <p:spPr>
+          <a:xfrm>
+            <a:off x="9471748" y="2490330"/>
+            <a:ext cx="386442" cy="0"/>
+          </a:xfrm>
+          <a:prstGeom prst="straightConnector1">
+            <a:avLst/>
+          </a:prstGeom>
+          <a:ln>
+            <a:tailEnd type="triangle"/>
+          </a:ln>
+        </p:spPr>
+        <p:style>
+          <a:lnRef idx="1">
+            <a:schemeClr val="accent1"/>
+          </a:lnRef>
+          <a:fillRef idx="0">
+            <a:schemeClr val="accent1"/>
+          </a:fillRef>
+          <a:effectRef idx="0">
+            <a:schemeClr val="accent1"/>
+          </a:effectRef>
+          <a:fontRef idx="minor">
+            <a:schemeClr val="tx1"/>
+          </a:fontRef>
+        </p:style>
+      </p:cxnSp>
+      <p:sp>
+        <p:nvSpPr>
+          <p:cNvPr id="34" name="文字方塊 33"/>
+          <p:cNvSpPr txBox="1"/>
+          <p:nvPr/>
+        </p:nvSpPr>
+        <p:spPr>
+          <a:xfrm>
+            <a:off x="7034689" y="2849949"/>
+            <a:ext cx="653383" cy="307777"/>
+          </a:xfrm>
+          <a:prstGeom prst="rect">
+            <a:avLst/>
+          </a:prstGeom>
+          <a:noFill/>
+        </p:spPr>
+        <p:txBody>
+          <a:bodyPr wrap="square" rtlCol="0">
+            <a:spAutoFit/>
+          </a:bodyPr>
+          <a:lstStyle/>
+          <a:p>
+            <a:r>
+              <a:rPr lang="en-US" altLang="zh-TW" sz="1400" dirty="0" smtClean="0"/>
+              <a:t>YES</a:t>
+            </a:r>
+            <a:endParaRPr lang="zh-TW" altLang="en-US" sz="1400" dirty="0"/>
+          </a:p>
+        </p:txBody>
+      </p:sp>
+      <p:sp>
+        <p:nvSpPr>
+          <p:cNvPr id="40" name="矩形 39"/>
+          <p:cNvSpPr/>
+          <p:nvPr/>
+        </p:nvSpPr>
+        <p:spPr>
+          <a:xfrm>
+            <a:off x="7944466" y="4294871"/>
+            <a:ext cx="1268360" cy="925158"/>
+          </a:xfrm>
+          <a:prstGeom prst="rect">
+            <a:avLst/>
+          </a:prstGeom>
+          <a:noFill/>
+          <a:ln>
+            <a:solidFill>
+              <a:schemeClr val="accent1"/>
+            </a:solidFill>
+          </a:ln>
+        </p:spPr>
+        <p:style>
+          <a:lnRef idx="2">
+            <a:schemeClr val="accent1">
+              <a:shade val="50000"/>
+            </a:schemeClr>
+          </a:lnRef>
+          <a:fillRef idx="1">
+            <a:schemeClr val="accent1"/>
+          </a:fillRef>
+          <a:effectRef idx="0">
+            <a:schemeClr val="accent1"/>
+          </a:effectRef>
+          <a:fontRef idx="minor">
+            <a:schemeClr val="lt1"/>
+          </a:fontRef>
+        </p:style>
+        <p:txBody>
+          <a:bodyPr rtlCol="0" anchor="ctr"/>
+          <a:lstStyle/>
+          <a:p>
+            <a:r>
+              <a:rPr lang="zh-TW" altLang="en-US" sz="1600" dirty="0" smtClean="0">
+                <a:solidFill>
+                  <a:schemeClr val="tx1"/>
+                </a:solidFill>
+              </a:rPr>
+              <a:t>關閉提示</a:t>
+            </a:r>
+            <a:r>
+              <a:rPr lang="zh-TW" altLang="en-US" sz="1600" dirty="0">
+                <a:solidFill>
+                  <a:schemeClr val="tx1"/>
+                </a:solidFill>
+              </a:rPr>
+              <a:t>窗</a:t>
+            </a:r>
+            <a:endParaRPr lang="zh-TW" altLang="en-US" sz="1600" dirty="0">
+              <a:solidFill>
+                <a:schemeClr val="tx1"/>
+              </a:solidFill>
+            </a:endParaRPr>
+          </a:p>
+        </p:txBody>
+      </p:sp>
+      <p:cxnSp>
+        <p:nvCxnSpPr>
+          <p:cNvPr id="20" name="肘形接點 19"/>
+          <p:cNvCxnSpPr>
+            <a:stCxn id="33" idx="3"/>
+            <a:endCxn id="40" idx="1"/>
+          </p:cNvCxnSpPr>
+          <p:nvPr/>
+        </p:nvCxnSpPr>
+        <p:spPr>
+          <a:xfrm>
+            <a:off x="6902246" y="3842561"/>
+            <a:ext cx="1042220" cy="914889"/>
+          </a:xfrm>
+          <a:prstGeom prst="bentConnector3">
+            <a:avLst/>
+          </a:prstGeom>
+          <a:ln>
+            <a:tailEnd type="triangle"/>
+          </a:ln>
+        </p:spPr>
+        <p:style>
+          <a:lnRef idx="1">
+            <a:schemeClr val="accent1"/>
+          </a:lnRef>
+          <a:fillRef idx="0">
+            <a:schemeClr val="accent1"/>
+          </a:fillRef>
+          <a:effectRef idx="0">
+            <a:schemeClr val="accent1"/>
+          </a:effectRef>
+          <a:fontRef idx="minor">
+            <a:schemeClr val="tx1"/>
+          </a:fontRef>
+        </p:style>
+      </p:cxnSp>
+      <p:sp>
+        <p:nvSpPr>
+          <p:cNvPr id="43" name="橢圓 42"/>
+          <p:cNvSpPr/>
+          <p:nvPr/>
+        </p:nvSpPr>
+        <p:spPr>
+          <a:xfrm>
+            <a:off x="9858190" y="4431541"/>
+            <a:ext cx="1814632" cy="651818"/>
+          </a:xfrm>
+          <a:prstGeom prst="ellipse">
+            <a:avLst/>
+          </a:prstGeom>
+          <a:noFill/>
+          <a:ln>
+            <a:solidFill>
+              <a:schemeClr val="accent2">
+                <a:lumMod val="60000"/>
+                <a:lumOff val="40000"/>
+              </a:schemeClr>
+            </a:solidFill>
+          </a:ln>
+        </p:spPr>
+        <p:style>
+          <a:lnRef idx="2">
+            <a:schemeClr val="accent1">
+              <a:shade val="50000"/>
+            </a:schemeClr>
+          </a:lnRef>
+          <a:fillRef idx="1">
+            <a:schemeClr val="accent1"/>
+          </a:fillRef>
+          <a:effectRef idx="0">
+            <a:schemeClr val="accent1"/>
+          </a:effectRef>
+          <a:fontRef idx="minor">
+            <a:schemeClr val="lt1"/>
+          </a:fontRef>
+        </p:style>
+        <p:txBody>
+          <a:bodyPr rtlCol="0" anchor="ctr"/>
+          <a:lstStyle/>
+          <a:p>
+            <a:pPr algn="ctr"/>
+            <a:r>
+              <a:rPr lang="zh-TW" altLang="en-US" sz="1600" dirty="0" smtClean="0">
+                <a:solidFill>
+                  <a:schemeClr val="tx1"/>
+                </a:solidFill>
+              </a:rPr>
+              <a:t>結束</a:t>
+            </a:r>
+            <a:endParaRPr lang="zh-TW" altLang="en-US" sz="1600" dirty="0">
+              <a:solidFill>
+                <a:schemeClr val="tx1"/>
+              </a:solidFill>
+            </a:endParaRPr>
+          </a:p>
+        </p:txBody>
+      </p:sp>
+      <p:cxnSp>
+        <p:nvCxnSpPr>
+          <p:cNvPr id="22" name="直線單箭頭接點 21"/>
+          <p:cNvCxnSpPr>
+            <a:stCxn id="40" idx="3"/>
+            <a:endCxn id="43" idx="2"/>
+          </p:cNvCxnSpPr>
+          <p:nvPr/>
+        </p:nvCxnSpPr>
+        <p:spPr>
+          <a:xfrm>
+            <a:off x="9212826" y="4757450"/>
+            <a:ext cx="645364" cy="0"/>
+          </a:xfrm>
+          <a:prstGeom prst="straightConnector1">
+            <a:avLst/>
+          </a:prstGeom>
+          <a:ln>
+            <a:tailEnd type="triangle"/>
+          </a:ln>
+        </p:spPr>
+        <p:style>
+          <a:lnRef idx="1">
+            <a:schemeClr val="accent1"/>
+          </a:lnRef>
+          <a:fillRef idx="0">
+            <a:schemeClr val="accent1"/>
+          </a:fillRef>
+          <a:effectRef idx="0">
+            <a:schemeClr val="accent1"/>
+          </a:effectRef>
+          <a:fontRef idx="minor">
+            <a:schemeClr val="tx1"/>
+          </a:fontRef>
+        </p:style>
+      </p:cxnSp>
+      <p:sp>
+        <p:nvSpPr>
+          <p:cNvPr id="52" name="文字方塊 51"/>
+          <p:cNvSpPr txBox="1"/>
+          <p:nvPr/>
+        </p:nvSpPr>
+        <p:spPr>
+          <a:xfrm>
+            <a:off x="7034689" y="4202180"/>
+            <a:ext cx="653383" cy="307777"/>
+          </a:xfrm>
+          <a:prstGeom prst="rect">
+            <a:avLst/>
+          </a:prstGeom>
+          <a:noFill/>
+        </p:spPr>
+        <p:txBody>
+          <a:bodyPr wrap="square" rtlCol="0">
+            <a:spAutoFit/>
+          </a:bodyPr>
+          <a:lstStyle/>
+          <a:p>
+            <a:r>
+              <a:rPr lang="en-US" altLang="zh-TW" sz="1400" dirty="0" smtClean="0"/>
+              <a:t>NO</a:t>
+            </a:r>
+            <a:endParaRPr lang="zh-TW" altLang="en-US" sz="1400" dirty="0"/>
+          </a:p>
+        </p:txBody>
+      </p:sp>
+    </p:spTree>
+    <p:extLst>
+      <p:ext uri="{BB962C8B-B14F-4D97-AF65-F5344CB8AC3E}">
+        <p14:creationId xmlns:p14="http://schemas.microsoft.com/office/powerpoint/2010/main" val="271636897"/>
+      </p:ext>
+    </p:extLst>
+  </p:cSld>
+  <p:clrMapOvr>
+    <a:masterClrMapping/>
+  </p:clrMapOvr>
+  <p:timing>
+    <p:tnLst>
+      <p:par>
+        <p:cTn id="1" dur="indefinite" restart="never" nodeType="tmRoot"/>
+      </p:par>
+    </p:tnLst>
+  </p:timing>
 </p:sld>
 </file>
 
